--- a/Office Docs/8 Repeating events.pptx
+++ b/Office Docs/8 Repeating events.pptx
@@ -5,45 +5,52 @@
     <p:sldMasterId id="2147483660" r:id="rId1"/>
   </p:sldMasterIdLst>
   <p:notesMasterIdLst>
-    <p:notesMasterId r:id="rId38"/>
+    <p:notesMasterId r:id="rId45"/>
   </p:notesMasterIdLst>
   <p:sldIdLst>
-    <p:sldId id="276" r:id="rId2"/>
-    <p:sldId id="301" r:id="rId3"/>
-    <p:sldId id="302" r:id="rId4"/>
-    <p:sldId id="311" r:id="rId5"/>
-    <p:sldId id="277" r:id="rId6"/>
-    <p:sldId id="278" r:id="rId7"/>
-    <p:sldId id="306" r:id="rId8"/>
-    <p:sldId id="279" r:id="rId9"/>
-    <p:sldId id="312" r:id="rId10"/>
-    <p:sldId id="280" r:id="rId11"/>
-    <p:sldId id="281" r:id="rId12"/>
-    <p:sldId id="283" r:id="rId13"/>
-    <p:sldId id="282" r:id="rId14"/>
-    <p:sldId id="307" r:id="rId15"/>
-    <p:sldId id="284" r:id="rId16"/>
-    <p:sldId id="313" r:id="rId17"/>
-    <p:sldId id="285" r:id="rId18"/>
-    <p:sldId id="286" r:id="rId19"/>
-    <p:sldId id="308" r:id="rId20"/>
-    <p:sldId id="314" r:id="rId21"/>
-    <p:sldId id="288" r:id="rId22"/>
-    <p:sldId id="289" r:id="rId23"/>
-    <p:sldId id="290" r:id="rId24"/>
-    <p:sldId id="309" r:id="rId25"/>
-    <p:sldId id="315" r:id="rId26"/>
-    <p:sldId id="294" r:id="rId27"/>
-    <p:sldId id="295" r:id="rId28"/>
-    <p:sldId id="296" r:id="rId29"/>
-    <p:sldId id="297" r:id="rId30"/>
-    <p:sldId id="298" r:id="rId31"/>
-    <p:sldId id="310" r:id="rId32"/>
-    <p:sldId id="299" r:id="rId33"/>
-    <p:sldId id="300" r:id="rId34"/>
-    <p:sldId id="303" r:id="rId35"/>
-    <p:sldId id="304" r:id="rId36"/>
-    <p:sldId id="305" r:id="rId37"/>
+    <p:sldId id="322" r:id="rId2"/>
+    <p:sldId id="316" r:id="rId3"/>
+    <p:sldId id="317" r:id="rId4"/>
+    <p:sldId id="318" r:id="rId5"/>
+    <p:sldId id="319" r:id="rId6"/>
+    <p:sldId id="320" r:id="rId7"/>
+    <p:sldId id="321" r:id="rId8"/>
+    <p:sldId id="276" r:id="rId9"/>
+    <p:sldId id="301" r:id="rId10"/>
+    <p:sldId id="302" r:id="rId11"/>
+    <p:sldId id="311" r:id="rId12"/>
+    <p:sldId id="277" r:id="rId13"/>
+    <p:sldId id="278" r:id="rId14"/>
+    <p:sldId id="306" r:id="rId15"/>
+    <p:sldId id="279" r:id="rId16"/>
+    <p:sldId id="312" r:id="rId17"/>
+    <p:sldId id="280" r:id="rId18"/>
+    <p:sldId id="281" r:id="rId19"/>
+    <p:sldId id="283" r:id="rId20"/>
+    <p:sldId id="282" r:id="rId21"/>
+    <p:sldId id="307" r:id="rId22"/>
+    <p:sldId id="284" r:id="rId23"/>
+    <p:sldId id="313" r:id="rId24"/>
+    <p:sldId id="285" r:id="rId25"/>
+    <p:sldId id="286" r:id="rId26"/>
+    <p:sldId id="308" r:id="rId27"/>
+    <p:sldId id="314" r:id="rId28"/>
+    <p:sldId id="288" r:id="rId29"/>
+    <p:sldId id="289" r:id="rId30"/>
+    <p:sldId id="290" r:id="rId31"/>
+    <p:sldId id="309" r:id="rId32"/>
+    <p:sldId id="315" r:id="rId33"/>
+    <p:sldId id="294" r:id="rId34"/>
+    <p:sldId id="295" r:id="rId35"/>
+    <p:sldId id="296" r:id="rId36"/>
+    <p:sldId id="297" r:id="rId37"/>
+    <p:sldId id="298" r:id="rId38"/>
+    <p:sldId id="310" r:id="rId39"/>
+    <p:sldId id="299" r:id="rId40"/>
+    <p:sldId id="300" r:id="rId41"/>
+    <p:sldId id="303" r:id="rId42"/>
+    <p:sldId id="304" r:id="rId43"/>
+    <p:sldId id="305" r:id="rId44"/>
   </p:sldIdLst>
   <p:sldSz cx="12192000" cy="6858000"/>
   <p:notesSz cx="6858000" cy="9144000"/>
@@ -147,6 +154,13 @@
       <p14:sectionLst xmlns:p14="http://schemas.microsoft.com/office/powerpoint/2010/main">
         <p14:section name="Default Section" id="{CD57A8B9-5C48-4AB5-93B7-EA7DD563D060}">
           <p14:sldIdLst>
+            <p14:sldId id="322"/>
+            <p14:sldId id="316"/>
+            <p14:sldId id="317"/>
+            <p14:sldId id="318"/>
+            <p14:sldId id="319"/>
+            <p14:sldId id="320"/>
+            <p14:sldId id="321"/>
             <p14:sldId id="276"/>
             <p14:sldId id="301"/>
             <p14:sldId id="302"/>
@@ -577,7 +591,36 @@
             <p:ph type="sldImg"/>
           </p:nvPr>
         </p:nvSpPr>
+        <p:spPr>
+          <a:xfrm>
+            <a:off x="381000" y="685800"/>
+            <a:ext cx="6096000" cy="3429000"/>
+          </a:xfrm>
+        </p:spPr>
+      </p:sp>
+      <p:sp>
+        <p:nvSpPr>
+          <p:cNvPr id="4" name="Slide Number Placeholder 3"/>
+          <p:cNvSpPr>
+            <a:spLocks noGrp="1"/>
+          </p:cNvSpPr>
+          <p:nvPr>
+            <p:ph type="sldNum" sz="quarter" idx="10"/>
+          </p:nvPr>
+        </p:nvSpPr>
         <p:spPr/>
+        <p:txBody>
+          <a:bodyPr/>
+          <a:lstStyle/>
+          <a:p>
+            <a:fld id="{13F0F35F-DD44-4607-AEC1-49D7A4BC4066}" type="slidenum">
+              <a:rPr lang="en-US" smtClean="0"/>
+              <a:pPr/>
+              <a:t>1</a:t>
+            </a:fld>
+            <a:endParaRPr lang="en-US" dirty="0"/>
+          </a:p>
+        </p:txBody>
       </p:sp>
       <p:sp>
         <p:nvSpPr>
@@ -598,33 +641,10 @@
           </a:p>
         </p:txBody>
       </p:sp>
-      <p:sp>
-        <p:nvSpPr>
-          <p:cNvPr id="4" name="Slide Number Placeholder 3"/>
-          <p:cNvSpPr>
-            <a:spLocks noGrp="1"/>
-          </p:cNvSpPr>
-          <p:nvPr>
-            <p:ph type="sldNum" sz="quarter" idx="10"/>
-          </p:nvPr>
-        </p:nvSpPr>
-        <p:spPr/>
-        <p:txBody>
-          <a:bodyPr/>
-          <a:lstStyle/>
-          <a:p>
-            <a:fld id="{906AB01E-7BD7-442B-8A6B-D31FAFDAE830}" type="slidenum">
-              <a:rPr lang="en-US" smtClean="0"/>
-              <a:t>11</a:t>
-            </a:fld>
-            <a:endParaRPr lang="en-US"/>
-          </a:p>
-        </p:txBody>
-      </p:sp>
     </p:spTree>
     <p:extLst>
       <p:ext uri="{BB962C8B-B14F-4D97-AF65-F5344CB8AC3E}">
-        <p14:creationId xmlns:p14="http://schemas.microsoft.com/office/powerpoint/2010/main" val="2088465258"/>
+        <p14:creationId xmlns:p14="http://schemas.microsoft.com/office/powerpoint/2010/main" val="2152044525"/>
       </p:ext>
     </p:extLst>
   </p:cSld>
@@ -699,7 +719,7 @@
           <a:p>
             <a:fld id="{906AB01E-7BD7-442B-8A6B-D31FAFDAE830}" type="slidenum">
               <a:rPr lang="en-US" smtClean="0"/>
-              <a:t>27</a:t>
+              <a:t>22</a:t>
             </a:fld>
             <a:endParaRPr lang="en-US"/>
           </a:p>
@@ -708,7 +728,7 @@
     </p:spTree>
     <p:extLst>
       <p:ext uri="{BB962C8B-B14F-4D97-AF65-F5344CB8AC3E}">
-        <p14:creationId xmlns:p14="http://schemas.microsoft.com/office/powerpoint/2010/main" val="1953121080"/>
+        <p14:creationId xmlns:p14="http://schemas.microsoft.com/office/powerpoint/2010/main" val="4190494488"/>
       </p:ext>
     </p:extLst>
   </p:cSld>
@@ -783,7 +803,7 @@
           <a:p>
             <a:fld id="{906AB01E-7BD7-442B-8A6B-D31FAFDAE830}" type="slidenum">
               <a:rPr lang="en-US" smtClean="0"/>
-              <a:t>28</a:t>
+              <a:t>24</a:t>
             </a:fld>
             <a:endParaRPr lang="en-US"/>
           </a:p>
@@ -792,7 +812,7 @@
     </p:spTree>
     <p:extLst>
       <p:ext uri="{BB962C8B-B14F-4D97-AF65-F5344CB8AC3E}">
-        <p14:creationId xmlns:p14="http://schemas.microsoft.com/office/powerpoint/2010/main" val="298312290"/>
+        <p14:creationId xmlns:p14="http://schemas.microsoft.com/office/powerpoint/2010/main" val="501022820"/>
       </p:ext>
     </p:extLst>
   </p:cSld>
@@ -867,7 +887,7 @@
           <a:p>
             <a:fld id="{906AB01E-7BD7-442B-8A6B-D31FAFDAE830}" type="slidenum">
               <a:rPr lang="en-US" smtClean="0"/>
-              <a:t>29</a:t>
+              <a:t>25</a:t>
             </a:fld>
             <a:endParaRPr lang="en-US"/>
           </a:p>
@@ -876,7 +896,7 @@
     </p:spTree>
     <p:extLst>
       <p:ext uri="{BB962C8B-B14F-4D97-AF65-F5344CB8AC3E}">
-        <p14:creationId xmlns:p14="http://schemas.microsoft.com/office/powerpoint/2010/main" val="3578396448"/>
+        <p14:creationId xmlns:p14="http://schemas.microsoft.com/office/powerpoint/2010/main" val="2459237218"/>
       </p:ext>
     </p:extLst>
   </p:cSld>
@@ -951,7 +971,7 @@
           <a:p>
             <a:fld id="{906AB01E-7BD7-442B-8A6B-D31FAFDAE830}" type="slidenum">
               <a:rPr lang="en-US" smtClean="0"/>
-              <a:t>30</a:t>
+              <a:t>28</a:t>
             </a:fld>
             <a:endParaRPr lang="en-US"/>
           </a:p>
@@ -960,7 +980,7 @@
     </p:spTree>
     <p:extLst>
       <p:ext uri="{BB962C8B-B14F-4D97-AF65-F5344CB8AC3E}">
-        <p14:creationId xmlns:p14="http://schemas.microsoft.com/office/powerpoint/2010/main" val="292995568"/>
+        <p14:creationId xmlns:p14="http://schemas.microsoft.com/office/powerpoint/2010/main" val="3913690144"/>
       </p:ext>
     </p:extLst>
   </p:cSld>
@@ -1035,7 +1055,7 @@
           <a:p>
             <a:fld id="{906AB01E-7BD7-442B-8A6B-D31FAFDAE830}" type="slidenum">
               <a:rPr lang="en-US" smtClean="0"/>
-              <a:t>32</a:t>
+              <a:t>30</a:t>
             </a:fld>
             <a:endParaRPr lang="en-US"/>
           </a:p>
@@ -1044,7 +1064,7 @@
     </p:spTree>
     <p:extLst>
       <p:ext uri="{BB962C8B-B14F-4D97-AF65-F5344CB8AC3E}">
-        <p14:creationId xmlns:p14="http://schemas.microsoft.com/office/powerpoint/2010/main" val="3969966888"/>
+        <p14:creationId xmlns:p14="http://schemas.microsoft.com/office/powerpoint/2010/main" val="2837688235"/>
       </p:ext>
     </p:extLst>
   </p:cSld>
@@ -1128,7 +1148,343 @@
     </p:spTree>
     <p:extLst>
       <p:ext uri="{BB962C8B-B14F-4D97-AF65-F5344CB8AC3E}">
-        <p14:creationId xmlns:p14="http://schemas.microsoft.com/office/powerpoint/2010/main" val="975538210"/>
+        <p14:creationId xmlns:p14="http://schemas.microsoft.com/office/powerpoint/2010/main" val="856922950"/>
+      </p:ext>
+    </p:extLst>
+  </p:cSld>
+  <p:clrMapOvr>
+    <a:masterClrMapping/>
+  </p:clrMapOvr>
+</p:notes>
+</file>
+
+<file path=ppt/notesSlides/notesSlide16.xml><?xml version="1.0" encoding="utf-8"?>
+<p:notes xmlns:a="http://schemas.openxmlformats.org/drawingml/2006/main" xmlns:r="http://schemas.openxmlformats.org/officeDocument/2006/relationships" xmlns:p="http://schemas.openxmlformats.org/presentationml/2006/main">
+  <p:cSld>
+    <p:spTree>
+      <p:nvGrpSpPr>
+        <p:cNvPr id="1" name=""/>
+        <p:cNvGrpSpPr/>
+        <p:nvPr/>
+      </p:nvGrpSpPr>
+      <p:grpSpPr>
+        <a:xfrm>
+          <a:off x="0" y="0"/>
+          <a:ext cx="0" cy="0"/>
+          <a:chOff x="0" y="0"/>
+          <a:chExt cx="0" cy="0"/>
+        </a:xfrm>
+      </p:grpSpPr>
+      <p:sp>
+        <p:nvSpPr>
+          <p:cNvPr id="2" name="Slide Image Placeholder 1"/>
+          <p:cNvSpPr>
+            <a:spLocks noGrp="1" noRot="1" noChangeAspect="1"/>
+          </p:cNvSpPr>
+          <p:nvPr>
+            <p:ph type="sldImg"/>
+          </p:nvPr>
+        </p:nvSpPr>
+        <p:spPr/>
+      </p:sp>
+      <p:sp>
+        <p:nvSpPr>
+          <p:cNvPr id="3" name="Notes Placeholder 2"/>
+          <p:cNvSpPr>
+            <a:spLocks noGrp="1"/>
+          </p:cNvSpPr>
+          <p:nvPr>
+            <p:ph type="body" idx="1"/>
+          </p:nvPr>
+        </p:nvSpPr>
+        <p:spPr/>
+        <p:txBody>
+          <a:bodyPr/>
+          <a:lstStyle/>
+          <a:p>
+            <a:endParaRPr lang="en-US" dirty="0"/>
+          </a:p>
+        </p:txBody>
+      </p:sp>
+      <p:sp>
+        <p:nvSpPr>
+          <p:cNvPr id="4" name="Slide Number Placeholder 3"/>
+          <p:cNvSpPr>
+            <a:spLocks noGrp="1"/>
+          </p:cNvSpPr>
+          <p:nvPr>
+            <p:ph type="sldNum" sz="quarter" idx="10"/>
+          </p:nvPr>
+        </p:nvSpPr>
+        <p:spPr/>
+        <p:txBody>
+          <a:bodyPr/>
+          <a:lstStyle/>
+          <a:p>
+            <a:fld id="{906AB01E-7BD7-442B-8A6B-D31FAFDAE830}" type="slidenum">
+              <a:rPr lang="en-US" smtClean="0"/>
+              <a:t>34</a:t>
+            </a:fld>
+            <a:endParaRPr lang="en-US"/>
+          </a:p>
+        </p:txBody>
+      </p:sp>
+    </p:spTree>
+    <p:extLst>
+      <p:ext uri="{BB962C8B-B14F-4D97-AF65-F5344CB8AC3E}">
+        <p14:creationId xmlns:p14="http://schemas.microsoft.com/office/powerpoint/2010/main" val="1953121080"/>
+      </p:ext>
+    </p:extLst>
+  </p:cSld>
+  <p:clrMapOvr>
+    <a:masterClrMapping/>
+  </p:clrMapOvr>
+</p:notes>
+</file>
+
+<file path=ppt/notesSlides/notesSlide17.xml><?xml version="1.0" encoding="utf-8"?>
+<p:notes xmlns:a="http://schemas.openxmlformats.org/drawingml/2006/main" xmlns:r="http://schemas.openxmlformats.org/officeDocument/2006/relationships" xmlns:p="http://schemas.openxmlformats.org/presentationml/2006/main">
+  <p:cSld>
+    <p:spTree>
+      <p:nvGrpSpPr>
+        <p:cNvPr id="1" name=""/>
+        <p:cNvGrpSpPr/>
+        <p:nvPr/>
+      </p:nvGrpSpPr>
+      <p:grpSpPr>
+        <a:xfrm>
+          <a:off x="0" y="0"/>
+          <a:ext cx="0" cy="0"/>
+          <a:chOff x="0" y="0"/>
+          <a:chExt cx="0" cy="0"/>
+        </a:xfrm>
+      </p:grpSpPr>
+      <p:sp>
+        <p:nvSpPr>
+          <p:cNvPr id="2" name="Slide Image Placeholder 1"/>
+          <p:cNvSpPr>
+            <a:spLocks noGrp="1" noRot="1" noChangeAspect="1"/>
+          </p:cNvSpPr>
+          <p:nvPr>
+            <p:ph type="sldImg"/>
+          </p:nvPr>
+        </p:nvSpPr>
+        <p:spPr/>
+      </p:sp>
+      <p:sp>
+        <p:nvSpPr>
+          <p:cNvPr id="3" name="Notes Placeholder 2"/>
+          <p:cNvSpPr>
+            <a:spLocks noGrp="1"/>
+          </p:cNvSpPr>
+          <p:nvPr>
+            <p:ph type="body" idx="1"/>
+          </p:nvPr>
+        </p:nvSpPr>
+        <p:spPr/>
+        <p:txBody>
+          <a:bodyPr/>
+          <a:lstStyle/>
+          <a:p>
+            <a:endParaRPr lang="en-US" dirty="0"/>
+          </a:p>
+        </p:txBody>
+      </p:sp>
+      <p:sp>
+        <p:nvSpPr>
+          <p:cNvPr id="4" name="Slide Number Placeholder 3"/>
+          <p:cNvSpPr>
+            <a:spLocks noGrp="1"/>
+          </p:cNvSpPr>
+          <p:nvPr>
+            <p:ph type="sldNum" sz="quarter" idx="10"/>
+          </p:nvPr>
+        </p:nvSpPr>
+        <p:spPr/>
+        <p:txBody>
+          <a:bodyPr/>
+          <a:lstStyle/>
+          <a:p>
+            <a:fld id="{906AB01E-7BD7-442B-8A6B-D31FAFDAE830}" type="slidenum">
+              <a:rPr lang="en-US" smtClean="0"/>
+              <a:t>35</a:t>
+            </a:fld>
+            <a:endParaRPr lang="en-US"/>
+          </a:p>
+        </p:txBody>
+      </p:sp>
+    </p:spTree>
+    <p:extLst>
+      <p:ext uri="{BB962C8B-B14F-4D97-AF65-F5344CB8AC3E}">
+        <p14:creationId xmlns:p14="http://schemas.microsoft.com/office/powerpoint/2010/main" val="298312290"/>
+      </p:ext>
+    </p:extLst>
+  </p:cSld>
+  <p:clrMapOvr>
+    <a:masterClrMapping/>
+  </p:clrMapOvr>
+</p:notes>
+</file>
+
+<file path=ppt/notesSlides/notesSlide18.xml><?xml version="1.0" encoding="utf-8"?>
+<p:notes xmlns:a="http://schemas.openxmlformats.org/drawingml/2006/main" xmlns:r="http://schemas.openxmlformats.org/officeDocument/2006/relationships" xmlns:p="http://schemas.openxmlformats.org/presentationml/2006/main">
+  <p:cSld>
+    <p:spTree>
+      <p:nvGrpSpPr>
+        <p:cNvPr id="1" name=""/>
+        <p:cNvGrpSpPr/>
+        <p:nvPr/>
+      </p:nvGrpSpPr>
+      <p:grpSpPr>
+        <a:xfrm>
+          <a:off x="0" y="0"/>
+          <a:ext cx="0" cy="0"/>
+          <a:chOff x="0" y="0"/>
+          <a:chExt cx="0" cy="0"/>
+        </a:xfrm>
+      </p:grpSpPr>
+      <p:sp>
+        <p:nvSpPr>
+          <p:cNvPr id="2" name="Slide Image Placeholder 1"/>
+          <p:cNvSpPr>
+            <a:spLocks noGrp="1" noRot="1" noChangeAspect="1"/>
+          </p:cNvSpPr>
+          <p:nvPr>
+            <p:ph type="sldImg"/>
+          </p:nvPr>
+        </p:nvSpPr>
+        <p:spPr/>
+      </p:sp>
+      <p:sp>
+        <p:nvSpPr>
+          <p:cNvPr id="3" name="Notes Placeholder 2"/>
+          <p:cNvSpPr>
+            <a:spLocks noGrp="1"/>
+          </p:cNvSpPr>
+          <p:nvPr>
+            <p:ph type="body" idx="1"/>
+          </p:nvPr>
+        </p:nvSpPr>
+        <p:spPr/>
+        <p:txBody>
+          <a:bodyPr/>
+          <a:lstStyle/>
+          <a:p>
+            <a:endParaRPr lang="en-US" dirty="0"/>
+          </a:p>
+        </p:txBody>
+      </p:sp>
+      <p:sp>
+        <p:nvSpPr>
+          <p:cNvPr id="4" name="Slide Number Placeholder 3"/>
+          <p:cNvSpPr>
+            <a:spLocks noGrp="1"/>
+          </p:cNvSpPr>
+          <p:nvPr>
+            <p:ph type="sldNum" sz="quarter" idx="10"/>
+          </p:nvPr>
+        </p:nvSpPr>
+        <p:spPr/>
+        <p:txBody>
+          <a:bodyPr/>
+          <a:lstStyle/>
+          <a:p>
+            <a:fld id="{906AB01E-7BD7-442B-8A6B-D31FAFDAE830}" type="slidenum">
+              <a:rPr lang="en-US" smtClean="0"/>
+              <a:t>36</a:t>
+            </a:fld>
+            <a:endParaRPr lang="en-US"/>
+          </a:p>
+        </p:txBody>
+      </p:sp>
+    </p:spTree>
+    <p:extLst>
+      <p:ext uri="{BB962C8B-B14F-4D97-AF65-F5344CB8AC3E}">
+        <p14:creationId xmlns:p14="http://schemas.microsoft.com/office/powerpoint/2010/main" val="3578396448"/>
+      </p:ext>
+    </p:extLst>
+  </p:cSld>
+  <p:clrMapOvr>
+    <a:masterClrMapping/>
+  </p:clrMapOvr>
+</p:notes>
+</file>
+
+<file path=ppt/notesSlides/notesSlide19.xml><?xml version="1.0" encoding="utf-8"?>
+<p:notes xmlns:a="http://schemas.openxmlformats.org/drawingml/2006/main" xmlns:r="http://schemas.openxmlformats.org/officeDocument/2006/relationships" xmlns:p="http://schemas.openxmlformats.org/presentationml/2006/main">
+  <p:cSld>
+    <p:spTree>
+      <p:nvGrpSpPr>
+        <p:cNvPr id="1" name=""/>
+        <p:cNvGrpSpPr/>
+        <p:nvPr/>
+      </p:nvGrpSpPr>
+      <p:grpSpPr>
+        <a:xfrm>
+          <a:off x="0" y="0"/>
+          <a:ext cx="0" cy="0"/>
+          <a:chOff x="0" y="0"/>
+          <a:chExt cx="0" cy="0"/>
+        </a:xfrm>
+      </p:grpSpPr>
+      <p:sp>
+        <p:nvSpPr>
+          <p:cNvPr id="2" name="Slide Image Placeholder 1"/>
+          <p:cNvSpPr>
+            <a:spLocks noGrp="1" noRot="1" noChangeAspect="1"/>
+          </p:cNvSpPr>
+          <p:nvPr>
+            <p:ph type="sldImg"/>
+          </p:nvPr>
+        </p:nvSpPr>
+        <p:spPr/>
+      </p:sp>
+      <p:sp>
+        <p:nvSpPr>
+          <p:cNvPr id="3" name="Notes Placeholder 2"/>
+          <p:cNvSpPr>
+            <a:spLocks noGrp="1"/>
+          </p:cNvSpPr>
+          <p:nvPr>
+            <p:ph type="body" idx="1"/>
+          </p:nvPr>
+        </p:nvSpPr>
+        <p:spPr/>
+        <p:txBody>
+          <a:bodyPr/>
+          <a:lstStyle/>
+          <a:p>
+            <a:endParaRPr lang="en-US" dirty="0"/>
+          </a:p>
+        </p:txBody>
+      </p:sp>
+      <p:sp>
+        <p:nvSpPr>
+          <p:cNvPr id="4" name="Slide Number Placeholder 3"/>
+          <p:cNvSpPr>
+            <a:spLocks noGrp="1"/>
+          </p:cNvSpPr>
+          <p:nvPr>
+            <p:ph type="sldNum" sz="quarter" idx="10"/>
+          </p:nvPr>
+        </p:nvSpPr>
+        <p:spPr/>
+        <p:txBody>
+          <a:bodyPr/>
+          <a:lstStyle/>
+          <a:p>
+            <a:fld id="{906AB01E-7BD7-442B-8A6B-D31FAFDAE830}" type="slidenum">
+              <a:rPr lang="en-US" smtClean="0"/>
+              <a:t>37</a:t>
+            </a:fld>
+            <a:endParaRPr lang="en-US"/>
+          </a:p>
+        </p:txBody>
+      </p:sp>
+    </p:spTree>
+    <p:extLst>
+      <p:ext uri="{BB962C8B-B14F-4D97-AF65-F5344CB8AC3E}">
+        <p14:creationId xmlns:p14="http://schemas.microsoft.com/office/powerpoint/2010/main" val="292995568"/>
       </p:ext>
     </p:extLst>
   </p:cSld>
@@ -1201,18 +1557,187 @@
           <a:bodyPr/>
           <a:lstStyle/>
           <a:p>
-            <a:fld id="{906AB01E-7BD7-442B-8A6B-D31FAFDAE830}" type="slidenum">
+            <a:fld id="{13F0F35F-DD44-4607-AEC1-49D7A4BC4066}" type="slidenum">
               <a:rPr lang="en-US" smtClean="0"/>
-              <a:t>12</a:t>
+              <a:pPr/>
+              <a:t>2</a:t>
             </a:fld>
-            <a:endParaRPr lang="en-US"/>
+            <a:endParaRPr lang="en-US" dirty="0"/>
           </a:p>
         </p:txBody>
       </p:sp>
     </p:spTree>
     <p:extLst>
       <p:ext uri="{BB962C8B-B14F-4D97-AF65-F5344CB8AC3E}">
-        <p14:creationId xmlns:p14="http://schemas.microsoft.com/office/powerpoint/2010/main" val="381538175"/>
+        <p14:creationId xmlns:p14="http://schemas.microsoft.com/office/powerpoint/2010/main" val="1145397234"/>
+      </p:ext>
+    </p:extLst>
+  </p:cSld>
+  <p:clrMapOvr>
+    <a:masterClrMapping/>
+  </p:clrMapOvr>
+</p:notes>
+</file>
+
+<file path=ppt/notesSlides/notesSlide20.xml><?xml version="1.0" encoding="utf-8"?>
+<p:notes xmlns:a="http://schemas.openxmlformats.org/drawingml/2006/main" xmlns:r="http://schemas.openxmlformats.org/officeDocument/2006/relationships" xmlns:p="http://schemas.openxmlformats.org/presentationml/2006/main">
+  <p:cSld>
+    <p:spTree>
+      <p:nvGrpSpPr>
+        <p:cNvPr id="1" name=""/>
+        <p:cNvGrpSpPr/>
+        <p:nvPr/>
+      </p:nvGrpSpPr>
+      <p:grpSpPr>
+        <a:xfrm>
+          <a:off x="0" y="0"/>
+          <a:ext cx="0" cy="0"/>
+          <a:chOff x="0" y="0"/>
+          <a:chExt cx="0" cy="0"/>
+        </a:xfrm>
+      </p:grpSpPr>
+      <p:sp>
+        <p:nvSpPr>
+          <p:cNvPr id="2" name="Slide Image Placeholder 1"/>
+          <p:cNvSpPr>
+            <a:spLocks noGrp="1" noRot="1" noChangeAspect="1"/>
+          </p:cNvSpPr>
+          <p:nvPr>
+            <p:ph type="sldImg"/>
+          </p:nvPr>
+        </p:nvSpPr>
+        <p:spPr/>
+      </p:sp>
+      <p:sp>
+        <p:nvSpPr>
+          <p:cNvPr id="3" name="Notes Placeholder 2"/>
+          <p:cNvSpPr>
+            <a:spLocks noGrp="1"/>
+          </p:cNvSpPr>
+          <p:nvPr>
+            <p:ph type="body" idx="1"/>
+          </p:nvPr>
+        </p:nvSpPr>
+        <p:spPr/>
+        <p:txBody>
+          <a:bodyPr/>
+          <a:lstStyle/>
+          <a:p>
+            <a:endParaRPr lang="en-US" dirty="0"/>
+          </a:p>
+        </p:txBody>
+      </p:sp>
+      <p:sp>
+        <p:nvSpPr>
+          <p:cNvPr id="4" name="Slide Number Placeholder 3"/>
+          <p:cNvSpPr>
+            <a:spLocks noGrp="1"/>
+          </p:cNvSpPr>
+          <p:nvPr>
+            <p:ph type="sldNum" sz="quarter" idx="10"/>
+          </p:nvPr>
+        </p:nvSpPr>
+        <p:spPr/>
+        <p:txBody>
+          <a:bodyPr/>
+          <a:lstStyle/>
+          <a:p>
+            <a:fld id="{906AB01E-7BD7-442B-8A6B-D31FAFDAE830}" type="slidenum">
+              <a:rPr lang="en-US" smtClean="0"/>
+              <a:t>39</a:t>
+            </a:fld>
+            <a:endParaRPr lang="en-US"/>
+          </a:p>
+        </p:txBody>
+      </p:sp>
+    </p:spTree>
+    <p:extLst>
+      <p:ext uri="{BB962C8B-B14F-4D97-AF65-F5344CB8AC3E}">
+        <p14:creationId xmlns:p14="http://schemas.microsoft.com/office/powerpoint/2010/main" val="3969966888"/>
+      </p:ext>
+    </p:extLst>
+  </p:cSld>
+  <p:clrMapOvr>
+    <a:masterClrMapping/>
+  </p:clrMapOvr>
+</p:notes>
+</file>
+
+<file path=ppt/notesSlides/notesSlide21.xml><?xml version="1.0" encoding="utf-8"?>
+<p:notes xmlns:a="http://schemas.openxmlformats.org/drawingml/2006/main" xmlns:r="http://schemas.openxmlformats.org/officeDocument/2006/relationships" xmlns:p="http://schemas.openxmlformats.org/presentationml/2006/main">
+  <p:cSld>
+    <p:spTree>
+      <p:nvGrpSpPr>
+        <p:cNvPr id="1" name=""/>
+        <p:cNvGrpSpPr/>
+        <p:nvPr/>
+      </p:nvGrpSpPr>
+      <p:grpSpPr>
+        <a:xfrm>
+          <a:off x="0" y="0"/>
+          <a:ext cx="0" cy="0"/>
+          <a:chOff x="0" y="0"/>
+          <a:chExt cx="0" cy="0"/>
+        </a:xfrm>
+      </p:grpSpPr>
+      <p:sp>
+        <p:nvSpPr>
+          <p:cNvPr id="2" name="Slide Image Placeholder 1"/>
+          <p:cNvSpPr>
+            <a:spLocks noGrp="1" noRot="1" noChangeAspect="1"/>
+          </p:cNvSpPr>
+          <p:nvPr>
+            <p:ph type="sldImg"/>
+          </p:nvPr>
+        </p:nvSpPr>
+        <p:spPr/>
+      </p:sp>
+      <p:sp>
+        <p:nvSpPr>
+          <p:cNvPr id="3" name="Notes Placeholder 2"/>
+          <p:cNvSpPr>
+            <a:spLocks noGrp="1"/>
+          </p:cNvSpPr>
+          <p:nvPr>
+            <p:ph type="body" idx="1"/>
+          </p:nvPr>
+        </p:nvSpPr>
+        <p:spPr/>
+        <p:txBody>
+          <a:bodyPr/>
+          <a:lstStyle/>
+          <a:p>
+            <a:endParaRPr lang="en-US" dirty="0"/>
+          </a:p>
+        </p:txBody>
+      </p:sp>
+      <p:sp>
+        <p:nvSpPr>
+          <p:cNvPr id="4" name="Slide Number Placeholder 3"/>
+          <p:cNvSpPr>
+            <a:spLocks noGrp="1"/>
+          </p:cNvSpPr>
+          <p:nvPr>
+            <p:ph type="sldNum" sz="quarter" idx="10"/>
+          </p:nvPr>
+        </p:nvSpPr>
+        <p:spPr/>
+        <p:txBody>
+          <a:bodyPr/>
+          <a:lstStyle/>
+          <a:p>
+            <a:fld id="{906AB01E-7BD7-442B-8A6B-D31FAFDAE830}" type="slidenum">
+              <a:rPr lang="en-US" smtClean="0"/>
+              <a:t>40</a:t>
+            </a:fld>
+            <a:endParaRPr lang="en-US"/>
+          </a:p>
+        </p:txBody>
+      </p:sp>
+    </p:spTree>
+    <p:extLst>
+      <p:ext uri="{BB962C8B-B14F-4D97-AF65-F5344CB8AC3E}">
+        <p14:creationId xmlns:p14="http://schemas.microsoft.com/office/powerpoint/2010/main" val="975538210"/>
       </p:ext>
     </p:extLst>
   </p:cSld>
@@ -1285,18 +1810,19 @@
           <a:bodyPr/>
           <a:lstStyle/>
           <a:p>
-            <a:fld id="{906AB01E-7BD7-442B-8A6B-D31FAFDAE830}" type="slidenum">
+            <a:fld id="{13F0F35F-DD44-4607-AEC1-49D7A4BC4066}" type="slidenum">
               <a:rPr lang="en-US" smtClean="0"/>
-              <a:t>13</a:t>
+              <a:pPr/>
+              <a:t>3</a:t>
             </a:fld>
-            <a:endParaRPr lang="en-US"/>
+            <a:endParaRPr lang="en-US" dirty="0"/>
           </a:p>
         </p:txBody>
       </p:sp>
     </p:spTree>
     <p:extLst>
       <p:ext uri="{BB962C8B-B14F-4D97-AF65-F5344CB8AC3E}">
-        <p14:creationId xmlns:p14="http://schemas.microsoft.com/office/powerpoint/2010/main" val="767635339"/>
+        <p14:creationId xmlns:p14="http://schemas.microsoft.com/office/powerpoint/2010/main" val="73206474"/>
       </p:ext>
     </p:extLst>
   </p:cSld>
@@ -1369,18 +1895,19 @@
           <a:bodyPr/>
           <a:lstStyle/>
           <a:p>
-            <a:fld id="{906AB01E-7BD7-442B-8A6B-D31FAFDAE830}" type="slidenum">
+            <a:fld id="{13F0F35F-DD44-4607-AEC1-49D7A4BC4066}" type="slidenum">
               <a:rPr lang="en-US" smtClean="0"/>
-              <a:t>15</a:t>
+              <a:pPr/>
+              <a:t>4</a:t>
             </a:fld>
-            <a:endParaRPr lang="en-US"/>
+            <a:endParaRPr lang="en-US" dirty="0"/>
           </a:p>
         </p:txBody>
       </p:sp>
     </p:spTree>
     <p:extLst>
       <p:ext uri="{BB962C8B-B14F-4D97-AF65-F5344CB8AC3E}">
-        <p14:creationId xmlns:p14="http://schemas.microsoft.com/office/powerpoint/2010/main" val="4190494488"/>
+        <p14:creationId xmlns:p14="http://schemas.microsoft.com/office/powerpoint/2010/main" val="2320075561"/>
       </p:ext>
     </p:extLst>
   </p:cSld>
@@ -1453,18 +1980,19 @@
           <a:bodyPr/>
           <a:lstStyle/>
           <a:p>
-            <a:fld id="{906AB01E-7BD7-442B-8A6B-D31FAFDAE830}" type="slidenum">
+            <a:fld id="{13F0F35F-DD44-4607-AEC1-49D7A4BC4066}" type="slidenum">
               <a:rPr lang="en-US" smtClean="0"/>
-              <a:t>17</a:t>
+              <a:pPr/>
+              <a:t>5</a:t>
             </a:fld>
-            <a:endParaRPr lang="en-US"/>
+            <a:endParaRPr lang="en-US" dirty="0"/>
           </a:p>
         </p:txBody>
       </p:sp>
     </p:spTree>
     <p:extLst>
       <p:ext uri="{BB962C8B-B14F-4D97-AF65-F5344CB8AC3E}">
-        <p14:creationId xmlns:p14="http://schemas.microsoft.com/office/powerpoint/2010/main" val="501022820"/>
+        <p14:creationId xmlns:p14="http://schemas.microsoft.com/office/powerpoint/2010/main" val="1810023256"/>
       </p:ext>
     </p:extLst>
   </p:cSld>
@@ -1501,7 +2029,12 @@
             <p:ph type="sldImg"/>
           </p:nvPr>
         </p:nvSpPr>
-        <p:spPr/>
+        <p:spPr>
+          <a:xfrm>
+            <a:off x="381000" y="685800"/>
+            <a:ext cx="6096000" cy="3429000"/>
+          </a:xfrm>
+        </p:spPr>
       </p:sp>
       <p:sp>
         <p:nvSpPr>
@@ -1515,10 +2048,12 @@
         </p:nvSpPr>
         <p:spPr/>
         <p:txBody>
-          <a:bodyPr/>
+          <a:bodyPr>
+            <a:normAutofit/>
+          </a:bodyPr>
           <a:lstStyle/>
           <a:p>
-            <a:endParaRPr lang="en-US" dirty="0"/>
+            <a:endParaRPr lang="en-CA" b="0" dirty="0" smtClean="0"/>
           </a:p>
         </p:txBody>
       </p:sp>
@@ -1537,18 +2072,19 @@
           <a:bodyPr/>
           <a:lstStyle/>
           <a:p>
-            <a:fld id="{906AB01E-7BD7-442B-8A6B-D31FAFDAE830}" type="slidenum">
+            <a:fld id="{13F0F35F-DD44-4607-AEC1-49D7A4BC4066}" type="slidenum">
               <a:rPr lang="en-US" smtClean="0"/>
-              <a:t>18</a:t>
+              <a:pPr/>
+              <a:t>6</a:t>
             </a:fld>
-            <a:endParaRPr lang="en-US"/>
+            <a:endParaRPr lang="en-US" dirty="0"/>
           </a:p>
         </p:txBody>
       </p:sp>
     </p:spTree>
     <p:extLst>
       <p:ext uri="{BB962C8B-B14F-4D97-AF65-F5344CB8AC3E}">
-        <p14:creationId xmlns:p14="http://schemas.microsoft.com/office/powerpoint/2010/main" val="2459237218"/>
+        <p14:creationId xmlns:p14="http://schemas.microsoft.com/office/powerpoint/2010/main" val="288687107"/>
       </p:ext>
     </p:extLst>
   </p:cSld>
@@ -1623,7 +2159,7 @@
           <a:p>
             <a:fld id="{906AB01E-7BD7-442B-8A6B-D31FAFDAE830}" type="slidenum">
               <a:rPr lang="en-US" smtClean="0"/>
-              <a:t>21</a:t>
+              <a:t>18</a:t>
             </a:fld>
             <a:endParaRPr lang="en-US"/>
           </a:p>
@@ -1632,7 +2168,7 @@
     </p:spTree>
     <p:extLst>
       <p:ext uri="{BB962C8B-B14F-4D97-AF65-F5344CB8AC3E}">
-        <p14:creationId xmlns:p14="http://schemas.microsoft.com/office/powerpoint/2010/main" val="3913690144"/>
+        <p14:creationId xmlns:p14="http://schemas.microsoft.com/office/powerpoint/2010/main" val="2088465258"/>
       </p:ext>
     </p:extLst>
   </p:cSld>
@@ -1707,7 +2243,7 @@
           <a:p>
             <a:fld id="{906AB01E-7BD7-442B-8A6B-D31FAFDAE830}" type="slidenum">
               <a:rPr lang="en-US" smtClean="0"/>
-              <a:t>23</a:t>
+              <a:t>19</a:t>
             </a:fld>
             <a:endParaRPr lang="en-US"/>
           </a:p>
@@ -1716,7 +2252,7 @@
     </p:spTree>
     <p:extLst>
       <p:ext uri="{BB962C8B-B14F-4D97-AF65-F5344CB8AC3E}">
-        <p14:creationId xmlns:p14="http://schemas.microsoft.com/office/powerpoint/2010/main" val="2837688235"/>
+        <p14:creationId xmlns:p14="http://schemas.microsoft.com/office/powerpoint/2010/main" val="381538175"/>
       </p:ext>
     </p:extLst>
   </p:cSld>
@@ -1791,7 +2327,7 @@
           <a:p>
             <a:fld id="{906AB01E-7BD7-442B-8A6B-D31FAFDAE830}" type="slidenum">
               <a:rPr lang="en-US" smtClean="0"/>
-              <a:t>26</a:t>
+              <a:t>20</a:t>
             </a:fld>
             <a:endParaRPr lang="en-US"/>
           </a:p>
@@ -1800,7 +2336,7 @@
     </p:spTree>
     <p:extLst>
       <p:ext uri="{BB962C8B-B14F-4D97-AF65-F5344CB8AC3E}">
-        <p14:creationId xmlns:p14="http://schemas.microsoft.com/office/powerpoint/2010/main" val="856922950"/>
+        <p14:creationId xmlns:p14="http://schemas.microsoft.com/office/powerpoint/2010/main" val="767635339"/>
       </p:ext>
     </p:extLst>
   </p:cSld>
@@ -4412,40 +4948,7 @@
       </p:grpSpPr>
       <p:sp>
         <p:nvSpPr>
-          <p:cNvPr id="4" name="Text Placeholder 3"/>
-          <p:cNvSpPr>
-            <a:spLocks noGrp="1"/>
-          </p:cNvSpPr>
-          <p:nvPr>
-            <p:ph type="body" sz="quarter" idx="10"/>
-          </p:nvPr>
-        </p:nvSpPr>
-        <p:spPr/>
-        <p:txBody>
-          <a:bodyPr/>
-          <a:lstStyle/>
-          <a:p>
-            <a:r>
-              <a:rPr lang="en-CA" dirty="0" smtClean="0"/>
-              <a:t>Repeating events</a:t>
-            </a:r>
-          </a:p>
-          <a:p>
-            <a:r>
-              <a:rPr lang="en-CA" sz="2400" dirty="0"/>
-              <a:t>f</a:t>
-            </a:r>
-            <a:r>
-              <a:rPr lang="en-CA" sz="2400" dirty="0" smtClean="0"/>
-              <a:t>or loops</a:t>
-            </a:r>
-            <a:endParaRPr lang="en-US" sz="2400" dirty="0"/>
-          </a:p>
-        </p:txBody>
-      </p:sp>
-      <p:sp>
-        <p:nvSpPr>
-          <p:cNvPr id="3" name="Subtitle 2"/>
+          <p:cNvPr id="4" name="Subtitle 3"/>
           <p:cNvSpPr>
             <a:spLocks noGrp="1"/>
           </p:cNvSpPr>
@@ -4459,13 +4962,13 @@
           <a:lstStyle/>
           <a:p>
             <a:r>
-              <a:rPr lang="en-CA" dirty="0" smtClean="0"/>
+              <a:rPr lang="en-US" dirty="0" smtClean="0"/>
               <a:t>Susan Ibach | Technical Evangelist</a:t>
             </a:r>
           </a:p>
           <a:p>
             <a:r>
-              <a:rPr lang="en-CA" dirty="0" smtClean="0"/>
+              <a:rPr lang="en-US" dirty="0" smtClean="0"/>
               <a:t>Christopher Harrison | Content Developer</a:t>
             </a:r>
             <a:endParaRPr lang="en-US" dirty="0"/>
@@ -4479,31 +4982,30 @@
             <a:spLocks noGrp="1"/>
           </p:cNvSpPr>
           <p:nvPr>
-            <p:ph type="title" idx="4294967295"/>
+            <p:ph type="ctrTitle"/>
           </p:nvPr>
         </p:nvSpPr>
         <p:spPr>
-          <a:xfrm>
-            <a:off x="0" y="1709738"/>
-            <a:ext cx="10515600" cy="2852737"/>
-          </a:xfrm>
+          <a:solidFill>
+            <a:srgbClr val="007233"/>
+          </a:solidFill>
         </p:spPr>
         <p:txBody>
           <a:bodyPr/>
           <a:lstStyle/>
           <a:p>
             <a:r>
-              <a:rPr lang="en-CA" dirty="0" smtClean="0"/>
-              <a:t>	</a:t>
-            </a:r>
-            <a:endParaRPr lang="en-US" dirty="0"/>
+              <a:rPr lang="en-US" sz="4000" dirty="0" smtClean="0"/>
+              <a:t>Introduction to Programming using Python</a:t>
+            </a:r>
+            <a:endParaRPr lang="en-US" sz="4000" dirty="0"/>
           </a:p>
         </p:txBody>
       </p:sp>
     </p:spTree>
     <p:extLst>
       <p:ext uri="{BB962C8B-B14F-4D97-AF65-F5344CB8AC3E}">
-        <p14:creationId xmlns:p14="http://schemas.microsoft.com/office/powerpoint/2010/main" val="1666615282"/>
+        <p14:creationId xmlns:p14="http://schemas.microsoft.com/office/powerpoint/2010/main" val="2565373783"/>
       </p:ext>
     </p:extLst>
   </p:cSld>
@@ -4521,6 +5023,1921 @@
 </file>
 
 <file path=ppt/slides/slide10.xml><?xml version="1.0" encoding="utf-8"?>
+<p:sld xmlns:a="http://schemas.openxmlformats.org/drawingml/2006/main" xmlns:r="http://schemas.openxmlformats.org/officeDocument/2006/relationships" xmlns:p="http://schemas.openxmlformats.org/presentationml/2006/main">
+  <p:cSld>
+    <p:spTree>
+      <p:nvGrpSpPr>
+        <p:cNvPr id="1" name=""/>
+        <p:cNvGrpSpPr/>
+        <p:nvPr/>
+      </p:nvGrpSpPr>
+      <p:grpSpPr>
+        <a:xfrm>
+          <a:off x="0" y="0"/>
+          <a:ext cx="0" cy="0"/>
+          <a:chOff x="0" y="0"/>
+          <a:chExt cx="0" cy="0"/>
+        </a:xfrm>
+      </p:grpSpPr>
+      <p:sp>
+        <p:nvSpPr>
+          <p:cNvPr id="2" name="Title 1"/>
+          <p:cNvSpPr>
+            <a:spLocks noGrp="1"/>
+          </p:cNvSpPr>
+          <p:nvPr>
+            <p:ph type="title"/>
+          </p:nvPr>
+        </p:nvSpPr>
+        <p:spPr/>
+        <p:txBody>
+          <a:bodyPr>
+            <a:normAutofit/>
+          </a:bodyPr>
+          <a:lstStyle/>
+          <a:p>
+            <a:r>
+              <a:rPr lang="en-CA" dirty="0" smtClean="0"/>
+              <a:t>In code, we use loops to repeat a task</a:t>
+            </a:r>
+            <a:endParaRPr lang="en-US" dirty="0"/>
+          </a:p>
+        </p:txBody>
+      </p:sp>
+      <p:sp>
+        <p:nvSpPr>
+          <p:cNvPr id="4" name="Content Placeholder 3"/>
+          <p:cNvSpPr>
+            <a:spLocks noGrp="1"/>
+          </p:cNvSpPr>
+          <p:nvPr>
+            <p:ph sz="quarter" idx="10"/>
+          </p:nvPr>
+        </p:nvSpPr>
+        <p:spPr/>
+        <p:txBody>
+          <a:bodyPr/>
+          <a:lstStyle/>
+          <a:p>
+            <a:r>
+              <a:rPr lang="en-CA" dirty="0" smtClean="0"/>
+              <a:t>We are going to have some fun in this module by drawing objects</a:t>
+            </a:r>
+          </a:p>
+          <a:p>
+            <a:r>
+              <a:rPr lang="en-CA" dirty="0" smtClean="0"/>
+              <a:t>We will use loops to draw some of our objects</a:t>
+            </a:r>
+            <a:endParaRPr lang="en-US" dirty="0"/>
+          </a:p>
+        </p:txBody>
+      </p:sp>
+    </p:spTree>
+    <p:extLst>
+      <p:ext uri="{BB962C8B-B14F-4D97-AF65-F5344CB8AC3E}">
+        <p14:creationId xmlns:p14="http://schemas.microsoft.com/office/powerpoint/2010/main" val="1097810097"/>
+      </p:ext>
+    </p:extLst>
+  </p:cSld>
+  <p:clrMapOvr>
+    <a:masterClrMapping/>
+  </p:clrMapOvr>
+  <p:timing>
+    <p:tnLst>
+      <p:par>
+        <p:cTn id="1" dur="indefinite" restart="never" nodeType="tmRoot">
+          <p:childTnLst>
+            <p:seq concurrent="1" nextAc="seek">
+              <p:cTn id="2" dur="indefinite" nodeType="mainSeq">
+                <p:childTnLst>
+                  <p:par>
+                    <p:cTn id="3" fill="hold">
+                      <p:stCondLst>
+                        <p:cond delay="indefinite"/>
+                      </p:stCondLst>
+                      <p:childTnLst>
+                        <p:par>
+                          <p:cTn id="4" fill="hold">
+                            <p:stCondLst>
+                              <p:cond delay="0"/>
+                            </p:stCondLst>
+                            <p:childTnLst>
+                              <p:par>
+                                <p:cTn id="5" presetID="1" presetClass="entr" presetSubtype="0" fill="hold" grpId="0" nodeType="clickEffect">
+                                  <p:stCondLst>
+                                    <p:cond delay="0"/>
+                                  </p:stCondLst>
+                                  <p:childTnLst>
+                                    <p:set>
+                                      <p:cBhvr>
+                                        <p:cTn id="6" dur="1" fill="hold">
+                                          <p:stCondLst>
+                                            <p:cond delay="0"/>
+                                          </p:stCondLst>
+                                        </p:cTn>
+                                        <p:tgtEl>
+                                          <p:spTgt spid="4">
+                                            <p:txEl>
+                                              <p:pRg st="0" end="0"/>
+                                            </p:txEl>
+                                          </p:spTgt>
+                                        </p:tgtEl>
+                                        <p:attrNameLst>
+                                          <p:attrName>style.visibility</p:attrName>
+                                        </p:attrNameLst>
+                                      </p:cBhvr>
+                                      <p:to>
+                                        <p:strVal val="visible"/>
+                                      </p:to>
+                                    </p:set>
+                                  </p:childTnLst>
+                                </p:cTn>
+                              </p:par>
+                            </p:childTnLst>
+                          </p:cTn>
+                        </p:par>
+                      </p:childTnLst>
+                    </p:cTn>
+                  </p:par>
+                  <p:par>
+                    <p:cTn id="7" fill="hold">
+                      <p:stCondLst>
+                        <p:cond delay="indefinite"/>
+                      </p:stCondLst>
+                      <p:childTnLst>
+                        <p:par>
+                          <p:cTn id="8" fill="hold">
+                            <p:stCondLst>
+                              <p:cond delay="0"/>
+                            </p:stCondLst>
+                            <p:childTnLst>
+                              <p:par>
+                                <p:cTn id="9" presetID="1" presetClass="entr" presetSubtype="0" fill="hold" grpId="0" nodeType="clickEffect">
+                                  <p:stCondLst>
+                                    <p:cond delay="0"/>
+                                  </p:stCondLst>
+                                  <p:childTnLst>
+                                    <p:set>
+                                      <p:cBhvr>
+                                        <p:cTn id="10" dur="1" fill="hold">
+                                          <p:stCondLst>
+                                            <p:cond delay="0"/>
+                                          </p:stCondLst>
+                                        </p:cTn>
+                                        <p:tgtEl>
+                                          <p:spTgt spid="4">
+                                            <p:txEl>
+                                              <p:pRg st="1" end="1"/>
+                                            </p:txEl>
+                                          </p:spTgt>
+                                        </p:tgtEl>
+                                        <p:attrNameLst>
+                                          <p:attrName>style.visibility</p:attrName>
+                                        </p:attrNameLst>
+                                      </p:cBhvr>
+                                      <p:to>
+                                        <p:strVal val="visible"/>
+                                      </p:to>
+                                    </p:set>
+                                  </p:childTnLst>
+                                </p:cTn>
+                              </p:par>
+                            </p:childTnLst>
+                          </p:cTn>
+                        </p:par>
+                      </p:childTnLst>
+                    </p:cTn>
+                  </p:par>
+                </p:childTnLst>
+              </p:cTn>
+              <p:prevCondLst>
+                <p:cond evt="onPrev" delay="0">
+                  <p:tgtEl>
+                    <p:sldTgt/>
+                  </p:tgtEl>
+                </p:cond>
+              </p:prevCondLst>
+              <p:nextCondLst>
+                <p:cond evt="onNext" delay="0">
+                  <p:tgtEl>
+                    <p:sldTgt/>
+                  </p:tgtEl>
+                </p:cond>
+              </p:nextCondLst>
+            </p:seq>
+          </p:childTnLst>
+        </p:cTn>
+      </p:par>
+    </p:tnLst>
+    <p:bldLst>
+      <p:bldP spid="4" grpId="0" build="p"/>
+    </p:bldLst>
+  </p:timing>
+</p:sld>
+</file>
+
+<file path=ppt/slides/slide11.xml><?xml version="1.0" encoding="utf-8"?>
+<p:sld xmlns:a="http://schemas.openxmlformats.org/drawingml/2006/main" xmlns:r="http://schemas.openxmlformats.org/officeDocument/2006/relationships" xmlns:p="http://schemas.openxmlformats.org/presentationml/2006/main">
+  <p:cSld>
+    <p:spTree>
+      <p:nvGrpSpPr>
+        <p:cNvPr id="1" name=""/>
+        <p:cNvGrpSpPr/>
+        <p:nvPr/>
+      </p:nvGrpSpPr>
+      <p:grpSpPr>
+        <a:xfrm>
+          <a:off x="0" y="0"/>
+          <a:ext cx="0" cy="0"/>
+          <a:chOff x="0" y="0"/>
+          <a:chExt cx="0" cy="0"/>
+        </a:xfrm>
+      </p:grpSpPr>
+      <p:sp>
+        <p:nvSpPr>
+          <p:cNvPr id="5" name="Text Placeholder 4"/>
+          <p:cNvSpPr>
+            <a:spLocks noGrp="1"/>
+          </p:cNvSpPr>
+          <p:nvPr>
+            <p:ph type="body" sz="quarter" idx="10"/>
+          </p:nvPr>
+        </p:nvSpPr>
+        <p:spPr/>
+        <p:txBody>
+          <a:bodyPr/>
+          <a:lstStyle/>
+          <a:p>
+            <a:r>
+              <a:rPr lang="en-US" dirty="0" smtClean="0"/>
+              <a:t>Hello, turtle</a:t>
+            </a:r>
+            <a:endParaRPr lang="en-US" dirty="0"/>
+          </a:p>
+        </p:txBody>
+      </p:sp>
+      <p:sp>
+        <p:nvSpPr>
+          <p:cNvPr id="4" name="Subtitle 3"/>
+          <p:cNvSpPr>
+            <a:spLocks noGrp="1"/>
+          </p:cNvSpPr>
+          <p:nvPr>
+            <p:ph type="subTitle" idx="1"/>
+          </p:nvPr>
+        </p:nvSpPr>
+        <p:spPr/>
+        <p:txBody>
+          <a:bodyPr/>
+          <a:lstStyle/>
+          <a:p>
+            <a:endParaRPr lang="en-US"/>
+          </a:p>
+        </p:txBody>
+      </p:sp>
+    </p:spTree>
+    <p:extLst>
+      <p:ext uri="{BB962C8B-B14F-4D97-AF65-F5344CB8AC3E}">
+        <p14:creationId xmlns:p14="http://schemas.microsoft.com/office/powerpoint/2010/main" val="980830050"/>
+      </p:ext>
+    </p:extLst>
+  </p:cSld>
+  <p:clrMapOvr>
+    <a:masterClrMapping/>
+  </p:clrMapOvr>
+</p:sld>
+</file>
+
+<file path=ppt/slides/slide12.xml><?xml version="1.0" encoding="utf-8"?>
+<p:sld xmlns:a="http://schemas.openxmlformats.org/drawingml/2006/main" xmlns:r="http://schemas.openxmlformats.org/officeDocument/2006/relationships" xmlns:p="http://schemas.openxmlformats.org/presentationml/2006/main">
+  <p:cSld>
+    <p:spTree>
+      <p:nvGrpSpPr>
+        <p:cNvPr id="1" name=""/>
+        <p:cNvGrpSpPr/>
+        <p:nvPr/>
+      </p:nvGrpSpPr>
+      <p:grpSpPr>
+        <a:xfrm>
+          <a:off x="0" y="0"/>
+          <a:ext cx="0" cy="0"/>
+          <a:chOff x="0" y="0"/>
+          <a:chExt cx="0" cy="0"/>
+        </a:xfrm>
+      </p:grpSpPr>
+      <p:sp>
+        <p:nvSpPr>
+          <p:cNvPr id="4" name="Title 3"/>
+          <p:cNvSpPr>
+            <a:spLocks noGrp="1"/>
+          </p:cNvSpPr>
+          <p:nvPr>
+            <p:ph type="title"/>
+          </p:nvPr>
+        </p:nvSpPr>
+        <p:spPr/>
+        <p:txBody>
+          <a:bodyPr>
+            <a:normAutofit/>
+          </a:bodyPr>
+          <a:lstStyle/>
+          <a:p>
+            <a:r>
+              <a:rPr lang="en-CA" dirty="0" smtClean="0"/>
+              <a:t>Did you know Python can draw?</a:t>
+            </a:r>
+            <a:endParaRPr lang="en-US" dirty="0"/>
+          </a:p>
+        </p:txBody>
+      </p:sp>
+      <p:sp>
+        <p:nvSpPr>
+          <p:cNvPr id="6" name="Rectangle 1"/>
+          <p:cNvSpPr>
+            <a:spLocks noGrp="1" noChangeArrowheads="1"/>
+          </p:cNvSpPr>
+          <p:nvPr>
+            <p:ph sz="quarter" idx="10"/>
+          </p:nvPr>
+        </p:nvSpPr>
+        <p:spPr bwMode="auto">
+          <a:xfrm>
+            <a:off x="838200" y="3524241"/>
+            <a:ext cx="3930884" cy="954107"/>
+          </a:xfrm>
+          <a:prstGeom prst="rect">
+            <a:avLst/>
+          </a:prstGeom>
+          <a:solidFill>
+            <a:srgbClr val="FFFFFF"/>
+          </a:solidFill>
+          <a:ln>
+            <a:noFill/>
+          </a:ln>
+          <a:effectLst/>
+          <a:extLst>
+            <a:ext uri="{91240B29-F687-4F45-9708-019B960494DF}">
+              <a14:hiddenLine xmlns:a14="http://schemas.microsoft.com/office/drawing/2010/main" w="9525">
+                <a:solidFill>
+                  <a:schemeClr val="tx1"/>
+                </a:solidFill>
+                <a:miter lim="800000"/>
+                <a:headEnd/>
+                <a:tailEnd/>
+              </a14:hiddenLine>
+            </a:ext>
+            <a:ext uri="{AF507438-7753-43E0-B8FC-AC1667EBCBE1}">
+              <a14:hiddenEffects xmlns:a14="http://schemas.microsoft.com/office/drawing/2010/main">
+                <a:effectLst>
+                  <a:outerShdw dist="35921" dir="2700000" algn="ctr" rotWithShape="0">
+                    <a:schemeClr val="bg2"/>
+                  </a:outerShdw>
+                </a:effectLst>
+              </a14:hiddenEffects>
+            </a:ext>
+          </a:extLst>
+        </p:spPr>
+        <p:txBody>
+          <a:bodyPr vert="horz" wrap="none" lIns="91440" tIns="45720" rIns="91440" bIns="45720" numCol="1" anchor="ctr" anchorCtr="0" compatLnSpc="1">
+            <a:prstTxWarp prst="textNoShape">
+              <a:avLst/>
+            </a:prstTxWarp>
+            <a:spAutoFit/>
+          </a:bodyPr>
+          <a:lstStyle/>
+          <a:p>
+            <a:pPr marL="0" marR="0" lvl="0" indent="0" algn="l" defTabSz="914400" rtl="0" eaLnBrk="0" fontAlgn="base" latinLnBrk="0" hangingPunct="0">
+              <a:lnSpc>
+                <a:spcPct val="100000"/>
+              </a:lnSpc>
+              <a:spcBef>
+                <a:spcPct val="0"/>
+              </a:spcBef>
+              <a:spcAft>
+                <a:spcPct val="0"/>
+              </a:spcAft>
+              <a:buClrTx/>
+              <a:buSzTx/>
+              <a:buFontTx/>
+              <a:buNone/>
+              <a:tabLst/>
+            </a:pPr>
+            <a:r>
+              <a:rPr kumimoji="0" lang="en-US" altLang="en-US" b="0" i="0" u="none" strike="noStrike" cap="none" normalizeH="0" baseline="0" dirty="0" smtClean="0">
+                <a:ln>
+                  <a:noFill/>
+                </a:ln>
+                <a:solidFill>
+                  <a:srgbClr val="0000FF"/>
+                </a:solidFill>
+                <a:effectLst/>
+                <a:latin typeface="Consolas" panose="020B0609020204030204" pitchFamily="49" charset="0"/>
+                <a:cs typeface="Consolas" panose="020B0609020204030204" pitchFamily="49" charset="0"/>
+              </a:rPr>
+              <a:t>import</a:t>
+            </a:r>
+            <a:r>
+              <a:rPr kumimoji="0" lang="en-US" altLang="en-US" b="0" i="0" u="none" strike="noStrike" cap="none" normalizeH="0" baseline="0" dirty="0" smtClean="0">
+                <a:ln>
+                  <a:noFill/>
+                </a:ln>
+                <a:solidFill>
+                  <a:srgbClr val="000000"/>
+                </a:solidFill>
+                <a:effectLst/>
+                <a:latin typeface="Consolas" panose="020B0609020204030204" pitchFamily="49" charset="0"/>
+                <a:cs typeface="Consolas" panose="020B0609020204030204" pitchFamily="49" charset="0"/>
+              </a:rPr>
+              <a:t> turtle </a:t>
+            </a:r>
+          </a:p>
+          <a:p>
+            <a:pPr marL="0" marR="0" lvl="0" indent="0" algn="l" defTabSz="914400" rtl="0" eaLnBrk="0" fontAlgn="base" latinLnBrk="0" hangingPunct="0">
+              <a:lnSpc>
+                <a:spcPct val="100000"/>
+              </a:lnSpc>
+              <a:spcBef>
+                <a:spcPct val="0"/>
+              </a:spcBef>
+              <a:spcAft>
+                <a:spcPct val="0"/>
+              </a:spcAft>
+              <a:buClrTx/>
+              <a:buSzTx/>
+              <a:buFontTx/>
+              <a:buNone/>
+              <a:tabLst/>
+            </a:pPr>
+            <a:r>
+              <a:rPr kumimoji="0" lang="en-US" altLang="en-US" b="0" i="0" u="none" strike="noStrike" cap="none" normalizeH="0" baseline="0" dirty="0" err="1" smtClean="0">
+                <a:ln>
+                  <a:noFill/>
+                </a:ln>
+                <a:solidFill>
+                  <a:srgbClr val="000000"/>
+                </a:solidFill>
+                <a:effectLst/>
+                <a:latin typeface="Consolas" panose="020B0609020204030204" pitchFamily="49" charset="0"/>
+                <a:cs typeface="Consolas" panose="020B0609020204030204" pitchFamily="49" charset="0"/>
+              </a:rPr>
+              <a:t>turtle.forward</a:t>
+            </a:r>
+            <a:r>
+              <a:rPr kumimoji="0" lang="en-US" altLang="en-US" b="0" i="0" u="none" strike="noStrike" cap="none" normalizeH="0" baseline="0" dirty="0" smtClean="0">
+                <a:ln>
+                  <a:noFill/>
+                </a:ln>
+                <a:solidFill>
+                  <a:srgbClr val="000000"/>
+                </a:solidFill>
+                <a:effectLst/>
+                <a:latin typeface="Consolas" panose="020B0609020204030204" pitchFamily="49" charset="0"/>
+                <a:cs typeface="Consolas" panose="020B0609020204030204" pitchFamily="49" charset="0"/>
+              </a:rPr>
+              <a:t>(100)</a:t>
+            </a:r>
+            <a:endParaRPr kumimoji="0" lang="en-US" altLang="en-US" b="0" i="0" u="none" strike="noStrike" cap="none" normalizeH="0" baseline="0" dirty="0" smtClean="0">
+              <a:ln>
+                <a:noFill/>
+              </a:ln>
+              <a:solidFill>
+                <a:schemeClr val="tx1"/>
+              </a:solidFill>
+              <a:effectLst/>
+              <a:latin typeface="Arial" panose="020B0604020202020204" pitchFamily="34" charset="0"/>
+            </a:endParaRPr>
+          </a:p>
+        </p:txBody>
+      </p:sp>
+      <p:pic>
+        <p:nvPicPr>
+          <p:cNvPr id="7" name="Picture 6"/>
+          <p:cNvPicPr>
+            <a:picLocks noChangeAspect="1"/>
+          </p:cNvPicPr>
+          <p:nvPr/>
+        </p:nvPicPr>
+        <p:blipFill>
+          <a:blip r:embed="rId2"/>
+          <a:stretch>
+            <a:fillRect/>
+          </a:stretch>
+        </p:blipFill>
+        <p:spPr>
+          <a:xfrm>
+            <a:off x="5732974" y="2056775"/>
+            <a:ext cx="4700180" cy="4112658"/>
+          </a:xfrm>
+          <a:prstGeom prst="rect">
+            <a:avLst/>
+          </a:prstGeom>
+        </p:spPr>
+      </p:pic>
+    </p:spTree>
+    <p:extLst>
+      <p:ext uri="{BB962C8B-B14F-4D97-AF65-F5344CB8AC3E}">
+        <p14:creationId xmlns:p14="http://schemas.microsoft.com/office/powerpoint/2010/main" val="340256001"/>
+      </p:ext>
+    </p:extLst>
+  </p:cSld>
+  <p:clrMapOvr>
+    <a:masterClrMapping/>
+  </p:clrMapOvr>
+  <p:timing>
+    <p:tnLst>
+      <p:par>
+        <p:cTn id="1" dur="indefinite" restart="never" nodeType="tmRoot">
+          <p:childTnLst>
+            <p:seq concurrent="1" nextAc="seek">
+              <p:cTn id="2" dur="indefinite" nodeType="mainSeq">
+                <p:childTnLst>
+                  <p:par>
+                    <p:cTn id="3" fill="hold">
+                      <p:stCondLst>
+                        <p:cond delay="indefinite"/>
+                      </p:stCondLst>
+                      <p:childTnLst>
+                        <p:par>
+                          <p:cTn id="4" fill="hold">
+                            <p:stCondLst>
+                              <p:cond delay="0"/>
+                            </p:stCondLst>
+                            <p:childTnLst>
+                              <p:par>
+                                <p:cTn id="5" presetID="1" presetClass="entr" presetSubtype="0" fill="hold" nodeType="clickEffect">
+                                  <p:stCondLst>
+                                    <p:cond delay="0"/>
+                                  </p:stCondLst>
+                                  <p:childTnLst>
+                                    <p:set>
+                                      <p:cBhvr>
+                                        <p:cTn id="6" dur="1" fill="hold">
+                                          <p:stCondLst>
+                                            <p:cond delay="0"/>
+                                          </p:stCondLst>
+                                        </p:cTn>
+                                        <p:tgtEl>
+                                          <p:spTgt spid="7"/>
+                                        </p:tgtEl>
+                                        <p:attrNameLst>
+                                          <p:attrName>style.visibility</p:attrName>
+                                        </p:attrNameLst>
+                                      </p:cBhvr>
+                                      <p:to>
+                                        <p:strVal val="visible"/>
+                                      </p:to>
+                                    </p:set>
+                                  </p:childTnLst>
+                                </p:cTn>
+                              </p:par>
+                            </p:childTnLst>
+                          </p:cTn>
+                        </p:par>
+                      </p:childTnLst>
+                    </p:cTn>
+                  </p:par>
+                </p:childTnLst>
+              </p:cTn>
+              <p:prevCondLst>
+                <p:cond evt="onPrev" delay="0">
+                  <p:tgtEl>
+                    <p:sldTgt/>
+                  </p:tgtEl>
+                </p:cond>
+              </p:prevCondLst>
+              <p:nextCondLst>
+                <p:cond evt="onNext" delay="0">
+                  <p:tgtEl>
+                    <p:sldTgt/>
+                  </p:tgtEl>
+                </p:cond>
+              </p:nextCondLst>
+            </p:seq>
+          </p:childTnLst>
+        </p:cTn>
+      </p:par>
+    </p:tnLst>
+  </p:timing>
+</p:sld>
+</file>
+
+<file path=ppt/slides/slide13.xml><?xml version="1.0" encoding="utf-8"?>
+<p:sld xmlns:a="http://schemas.openxmlformats.org/drawingml/2006/main" xmlns:r="http://schemas.openxmlformats.org/officeDocument/2006/relationships" xmlns:p="http://schemas.openxmlformats.org/presentationml/2006/main">
+  <p:cSld>
+    <p:spTree>
+      <p:nvGrpSpPr>
+        <p:cNvPr id="1" name=""/>
+        <p:cNvGrpSpPr/>
+        <p:nvPr/>
+      </p:nvGrpSpPr>
+      <p:grpSpPr>
+        <a:xfrm>
+          <a:off x="0" y="0"/>
+          <a:ext cx="0" cy="0"/>
+          <a:chOff x="0" y="0"/>
+          <a:chExt cx="0" cy="0"/>
+        </a:xfrm>
+      </p:grpSpPr>
+      <p:pic>
+        <p:nvPicPr>
+          <p:cNvPr id="3" name="Picture 2"/>
+          <p:cNvPicPr>
+            <a:picLocks noChangeAspect="1"/>
+          </p:cNvPicPr>
+          <p:nvPr/>
+        </p:nvPicPr>
+        <p:blipFill>
+          <a:blip r:embed="rId2"/>
+          <a:stretch>
+            <a:fillRect/>
+          </a:stretch>
+        </p:blipFill>
+        <p:spPr>
+          <a:xfrm>
+            <a:off x="5732974" y="2047150"/>
+            <a:ext cx="4700180" cy="4112658"/>
+          </a:xfrm>
+          <a:prstGeom prst="rect">
+            <a:avLst/>
+          </a:prstGeom>
+        </p:spPr>
+      </p:pic>
+      <p:sp>
+        <p:nvSpPr>
+          <p:cNvPr id="4" name="Title 3"/>
+          <p:cNvSpPr>
+            <a:spLocks noGrp="1"/>
+          </p:cNvSpPr>
+          <p:nvPr>
+            <p:ph type="title"/>
+          </p:nvPr>
+        </p:nvSpPr>
+        <p:spPr/>
+        <p:txBody>
+          <a:bodyPr/>
+          <a:lstStyle/>
+          <a:p>
+            <a:r>
+              <a:rPr lang="en-CA" dirty="0" smtClean="0"/>
+              <a:t>turtle is a library that lets you draw </a:t>
+            </a:r>
+            <a:endParaRPr lang="en-US" dirty="0"/>
+          </a:p>
+        </p:txBody>
+      </p:sp>
+      <p:sp>
+        <p:nvSpPr>
+          <p:cNvPr id="2" name="Content Placeholder 1"/>
+          <p:cNvSpPr>
+            <a:spLocks noGrp="1" noChangeArrowheads="1"/>
+          </p:cNvSpPr>
+          <p:nvPr>
+            <p:ph sz="quarter" idx="10"/>
+          </p:nvPr>
+        </p:nvSpPr>
+        <p:spPr bwMode="auto">
+          <a:xfrm>
+            <a:off x="838200" y="2016138"/>
+            <a:ext cx="4522392" cy="3970318"/>
+          </a:xfrm>
+          <a:prstGeom prst="rect">
+            <a:avLst/>
+          </a:prstGeom>
+          <a:solidFill>
+            <a:srgbClr val="FFFFFF"/>
+          </a:solidFill>
+          <a:ln>
+            <a:noFill/>
+          </a:ln>
+          <a:effectLst/>
+          <a:extLst>
+            <a:ext uri="{91240B29-F687-4F45-9708-019B960494DF}">
+              <a14:hiddenLine xmlns:a14="http://schemas.microsoft.com/office/drawing/2010/main" w="9525">
+                <a:solidFill>
+                  <a:schemeClr val="tx1"/>
+                </a:solidFill>
+                <a:miter lim="800000"/>
+                <a:headEnd/>
+                <a:tailEnd/>
+              </a14:hiddenLine>
+            </a:ext>
+            <a:ext uri="{AF507438-7753-43E0-B8FC-AC1667EBCBE1}">
+              <a14:hiddenEffects xmlns:a14="http://schemas.microsoft.com/office/drawing/2010/main">
+                <a:effectLst>
+                  <a:outerShdw dist="35921" dir="2700000" algn="ctr" rotWithShape="0">
+                    <a:schemeClr val="bg2"/>
+                  </a:outerShdw>
+                </a:effectLst>
+              </a14:hiddenEffects>
+            </a:ext>
+          </a:extLst>
+        </p:spPr>
+        <p:txBody>
+          <a:bodyPr vert="horz" wrap="none" lIns="91440" tIns="45720" rIns="91440" bIns="45720" numCol="1" anchor="ctr" anchorCtr="0" compatLnSpc="1">
+            <a:prstTxWarp prst="textNoShape">
+              <a:avLst/>
+            </a:prstTxWarp>
+            <a:spAutoFit/>
+          </a:bodyPr>
+          <a:lstStyle/>
+          <a:p>
+            <a:pPr marL="0" marR="0" lvl="0" indent="0" algn="l" defTabSz="914400" rtl="0" eaLnBrk="0" fontAlgn="base" latinLnBrk="0" hangingPunct="0">
+              <a:lnSpc>
+                <a:spcPct val="100000"/>
+              </a:lnSpc>
+              <a:spcBef>
+                <a:spcPct val="0"/>
+              </a:spcBef>
+              <a:spcAft>
+                <a:spcPct val="0"/>
+              </a:spcAft>
+              <a:buClrTx/>
+              <a:buSzTx/>
+              <a:buFontTx/>
+              <a:buNone/>
+              <a:tabLst/>
+            </a:pPr>
+            <a:r>
+              <a:rPr kumimoji="0" lang="en-US" altLang="en-US" b="0" i="0" u="none" strike="noStrike" cap="none" normalizeH="0" baseline="0" dirty="0" smtClean="0">
+                <a:ln>
+                  <a:noFill/>
+                </a:ln>
+                <a:solidFill>
+                  <a:srgbClr val="0000FF"/>
+                </a:solidFill>
+                <a:effectLst/>
+                <a:latin typeface="Consolas" panose="020B0609020204030204" pitchFamily="49" charset="0"/>
+                <a:cs typeface="Consolas" panose="020B0609020204030204" pitchFamily="49" charset="0"/>
+              </a:rPr>
+              <a:t>import</a:t>
+            </a:r>
+            <a:r>
+              <a:rPr kumimoji="0" lang="en-US" altLang="en-US" b="0" i="0" u="none" strike="noStrike" cap="none" normalizeH="0" baseline="0" dirty="0" smtClean="0">
+                <a:ln>
+                  <a:noFill/>
+                </a:ln>
+                <a:solidFill>
+                  <a:srgbClr val="000000"/>
+                </a:solidFill>
+                <a:effectLst/>
+                <a:latin typeface="Consolas" panose="020B0609020204030204" pitchFamily="49" charset="0"/>
+                <a:cs typeface="Consolas" panose="020B0609020204030204" pitchFamily="49" charset="0"/>
+              </a:rPr>
+              <a:t> turtle </a:t>
+            </a:r>
+          </a:p>
+          <a:p>
+            <a:pPr marL="0" lvl="0" indent="0" eaLnBrk="0" fontAlgn="base" hangingPunct="0">
+              <a:lnSpc>
+                <a:spcPct val="100000"/>
+              </a:lnSpc>
+              <a:spcBef>
+                <a:spcPct val="0"/>
+              </a:spcBef>
+              <a:spcAft>
+                <a:spcPct val="0"/>
+              </a:spcAft>
+              <a:buNone/>
+            </a:pPr>
+            <a:r>
+              <a:rPr kumimoji="0" lang="en-US" altLang="en-US" b="0" i="0" u="none" strike="noStrike" cap="none" normalizeH="0" baseline="0" dirty="0" err="1" smtClean="0">
+                <a:ln>
+                  <a:noFill/>
+                </a:ln>
+                <a:solidFill>
+                  <a:srgbClr val="000000"/>
+                </a:solidFill>
+                <a:effectLst/>
+                <a:latin typeface="Consolas" panose="020B0609020204030204" pitchFamily="49" charset="0"/>
+                <a:cs typeface="Consolas" panose="020B0609020204030204" pitchFamily="49" charset="0"/>
+              </a:rPr>
+              <a:t>turtle.color</a:t>
+            </a:r>
+            <a:r>
+              <a:rPr kumimoji="0" lang="en-US" altLang="en-US" b="0" i="0" u="none" strike="noStrike" cap="none" normalizeH="0" baseline="0" dirty="0" smtClean="0">
+                <a:ln>
+                  <a:noFill/>
+                </a:ln>
+                <a:solidFill>
+                  <a:srgbClr val="000000"/>
+                </a:solidFill>
+                <a:effectLst/>
+                <a:latin typeface="Consolas" panose="020B0609020204030204" pitchFamily="49" charset="0"/>
+                <a:cs typeface="Consolas" panose="020B0609020204030204" pitchFamily="49" charset="0"/>
+              </a:rPr>
+              <a:t>(</a:t>
+            </a:r>
+            <a:r>
+              <a:rPr lang="en-US" altLang="en-US" dirty="0">
+                <a:solidFill>
+                  <a:srgbClr val="A31515"/>
+                </a:solidFill>
+                <a:latin typeface="Consolas" panose="020B0609020204030204" pitchFamily="49" charset="0"/>
+                <a:cs typeface="Consolas" panose="020B0609020204030204" pitchFamily="49" charset="0"/>
+              </a:rPr>
+              <a:t>'</a:t>
+            </a:r>
+            <a:r>
+              <a:rPr kumimoji="0" lang="en-US" altLang="en-US" b="0" i="0" u="none" strike="noStrike" cap="none" normalizeH="0" baseline="0" dirty="0" smtClean="0">
+                <a:ln>
+                  <a:noFill/>
+                </a:ln>
+                <a:solidFill>
+                  <a:srgbClr val="A31515"/>
+                </a:solidFill>
+                <a:effectLst/>
+                <a:latin typeface="Consolas" panose="020B0609020204030204" pitchFamily="49" charset="0"/>
+                <a:cs typeface="Consolas" panose="020B0609020204030204" pitchFamily="49" charset="0"/>
+              </a:rPr>
+              <a:t>green'</a:t>
+            </a:r>
+            <a:r>
+              <a:rPr kumimoji="0" lang="en-US" altLang="en-US" b="0" i="0" u="none" strike="noStrike" cap="none" normalizeH="0" baseline="0" dirty="0" smtClean="0">
+                <a:ln>
+                  <a:noFill/>
+                </a:ln>
+                <a:solidFill>
+                  <a:srgbClr val="000000"/>
+                </a:solidFill>
+                <a:effectLst/>
+                <a:latin typeface="Consolas" panose="020B0609020204030204" pitchFamily="49" charset="0"/>
+                <a:cs typeface="Consolas" panose="020B0609020204030204" pitchFamily="49" charset="0"/>
+              </a:rPr>
+              <a:t>) </a:t>
+            </a:r>
+          </a:p>
+          <a:p>
+            <a:pPr marL="0" lvl="0" indent="0" eaLnBrk="0" fontAlgn="base" hangingPunct="0">
+              <a:lnSpc>
+                <a:spcPct val="100000"/>
+              </a:lnSpc>
+              <a:spcBef>
+                <a:spcPct val="0"/>
+              </a:spcBef>
+              <a:spcAft>
+                <a:spcPct val="0"/>
+              </a:spcAft>
+              <a:buNone/>
+            </a:pPr>
+            <a:r>
+              <a:rPr kumimoji="0" lang="en-US" altLang="en-US" b="0" i="0" u="none" strike="noStrike" cap="none" normalizeH="0" baseline="0" dirty="0" err="1" smtClean="0">
+                <a:ln>
+                  <a:noFill/>
+                </a:ln>
+                <a:solidFill>
+                  <a:srgbClr val="000000"/>
+                </a:solidFill>
+                <a:effectLst/>
+                <a:latin typeface="Consolas" panose="020B0609020204030204" pitchFamily="49" charset="0"/>
+                <a:cs typeface="Consolas" panose="020B0609020204030204" pitchFamily="49" charset="0"/>
+              </a:rPr>
+              <a:t>turtle.forward</a:t>
+            </a:r>
+            <a:r>
+              <a:rPr kumimoji="0" lang="en-US" altLang="en-US" b="0" i="0" u="none" strike="noStrike" cap="none" normalizeH="0" baseline="0" dirty="0" smtClean="0">
+                <a:ln>
+                  <a:noFill/>
+                </a:ln>
+                <a:solidFill>
+                  <a:srgbClr val="000000"/>
+                </a:solidFill>
+                <a:effectLst/>
+                <a:latin typeface="Consolas" panose="020B0609020204030204" pitchFamily="49" charset="0"/>
+                <a:cs typeface="Consolas" panose="020B0609020204030204" pitchFamily="49" charset="0"/>
+              </a:rPr>
+              <a:t>(100) </a:t>
+            </a:r>
+          </a:p>
+          <a:p>
+            <a:pPr marL="0" lvl="0" indent="0" eaLnBrk="0" fontAlgn="base" hangingPunct="0">
+              <a:lnSpc>
+                <a:spcPct val="100000"/>
+              </a:lnSpc>
+              <a:spcBef>
+                <a:spcPct val="0"/>
+              </a:spcBef>
+              <a:spcAft>
+                <a:spcPct val="0"/>
+              </a:spcAft>
+              <a:buNone/>
+            </a:pPr>
+            <a:r>
+              <a:rPr kumimoji="0" lang="en-US" altLang="en-US" b="0" i="0" u="none" strike="noStrike" cap="none" normalizeH="0" baseline="0" dirty="0" err="1" smtClean="0">
+                <a:ln>
+                  <a:noFill/>
+                </a:ln>
+                <a:solidFill>
+                  <a:srgbClr val="000000"/>
+                </a:solidFill>
+                <a:effectLst/>
+                <a:latin typeface="Consolas" panose="020B0609020204030204" pitchFamily="49" charset="0"/>
+                <a:cs typeface="Consolas" panose="020B0609020204030204" pitchFamily="49" charset="0"/>
+              </a:rPr>
+              <a:t>turtle.right</a:t>
+            </a:r>
+            <a:r>
+              <a:rPr kumimoji="0" lang="en-US" altLang="en-US" b="0" i="0" u="none" strike="noStrike" cap="none" normalizeH="0" baseline="0" dirty="0" smtClean="0">
+                <a:ln>
+                  <a:noFill/>
+                </a:ln>
+                <a:solidFill>
+                  <a:srgbClr val="000000"/>
+                </a:solidFill>
+                <a:effectLst/>
+                <a:latin typeface="Consolas" panose="020B0609020204030204" pitchFamily="49" charset="0"/>
+                <a:cs typeface="Consolas" panose="020B0609020204030204" pitchFamily="49" charset="0"/>
+              </a:rPr>
+              <a:t>(45) </a:t>
+            </a:r>
+          </a:p>
+          <a:p>
+            <a:pPr marL="0" lvl="0" indent="0" eaLnBrk="0" fontAlgn="base" hangingPunct="0">
+              <a:lnSpc>
+                <a:spcPct val="100000"/>
+              </a:lnSpc>
+              <a:spcBef>
+                <a:spcPct val="0"/>
+              </a:spcBef>
+              <a:spcAft>
+                <a:spcPct val="0"/>
+              </a:spcAft>
+              <a:buNone/>
+            </a:pPr>
+            <a:r>
+              <a:rPr kumimoji="0" lang="en-US" altLang="en-US" b="0" i="0" u="none" strike="noStrike" cap="none" normalizeH="0" baseline="0" dirty="0" err="1" smtClean="0">
+                <a:ln>
+                  <a:noFill/>
+                </a:ln>
+                <a:solidFill>
+                  <a:srgbClr val="000000"/>
+                </a:solidFill>
+                <a:effectLst/>
+                <a:latin typeface="Consolas" panose="020B0609020204030204" pitchFamily="49" charset="0"/>
+                <a:cs typeface="Consolas" panose="020B0609020204030204" pitchFamily="49" charset="0"/>
+              </a:rPr>
+              <a:t>turtle.color</a:t>
+            </a:r>
+            <a:r>
+              <a:rPr kumimoji="0" lang="en-US" altLang="en-US" b="0" i="0" u="none" strike="noStrike" cap="none" normalizeH="0" baseline="0" dirty="0" smtClean="0">
+                <a:ln>
+                  <a:noFill/>
+                </a:ln>
+                <a:solidFill>
+                  <a:srgbClr val="000000"/>
+                </a:solidFill>
+                <a:effectLst/>
+                <a:latin typeface="Consolas" panose="020B0609020204030204" pitchFamily="49" charset="0"/>
+                <a:cs typeface="Consolas" panose="020B0609020204030204" pitchFamily="49" charset="0"/>
+              </a:rPr>
+              <a:t>(</a:t>
+            </a:r>
+            <a:r>
+              <a:rPr kumimoji="0" lang="en-US" altLang="en-US" b="0" i="0" u="none" strike="noStrike" cap="none" normalizeH="0" baseline="0" dirty="0" smtClean="0">
+                <a:ln>
+                  <a:noFill/>
+                </a:ln>
+                <a:solidFill>
+                  <a:srgbClr val="A31515"/>
+                </a:solidFill>
+                <a:effectLst/>
+                <a:latin typeface="Consolas" panose="020B0609020204030204" pitchFamily="49" charset="0"/>
+                <a:cs typeface="Consolas" panose="020B0609020204030204" pitchFamily="49" charset="0"/>
+              </a:rPr>
+              <a:t>'blue'</a:t>
+            </a:r>
+            <a:r>
+              <a:rPr kumimoji="0" lang="en-US" altLang="en-US" b="0" i="0" u="none" strike="noStrike" cap="none" normalizeH="0" baseline="0" dirty="0" smtClean="0">
+                <a:ln>
+                  <a:noFill/>
+                </a:ln>
+                <a:solidFill>
+                  <a:srgbClr val="000000"/>
+                </a:solidFill>
+                <a:effectLst/>
+                <a:latin typeface="Consolas" panose="020B0609020204030204" pitchFamily="49" charset="0"/>
+                <a:cs typeface="Consolas" panose="020B0609020204030204" pitchFamily="49" charset="0"/>
+              </a:rPr>
+              <a:t>) </a:t>
+            </a:r>
+          </a:p>
+          <a:p>
+            <a:pPr marL="0" lvl="0" indent="0" eaLnBrk="0" fontAlgn="base" hangingPunct="0">
+              <a:lnSpc>
+                <a:spcPct val="100000"/>
+              </a:lnSpc>
+              <a:spcBef>
+                <a:spcPct val="0"/>
+              </a:spcBef>
+              <a:spcAft>
+                <a:spcPct val="0"/>
+              </a:spcAft>
+              <a:buNone/>
+            </a:pPr>
+            <a:r>
+              <a:rPr kumimoji="0" lang="en-US" altLang="en-US" b="0" i="0" u="none" strike="noStrike" cap="none" normalizeH="0" baseline="0" dirty="0" err="1" smtClean="0">
+                <a:ln>
+                  <a:noFill/>
+                </a:ln>
+                <a:solidFill>
+                  <a:srgbClr val="000000"/>
+                </a:solidFill>
+                <a:effectLst/>
+                <a:latin typeface="Consolas" panose="020B0609020204030204" pitchFamily="49" charset="0"/>
+                <a:cs typeface="Consolas" panose="020B0609020204030204" pitchFamily="49" charset="0"/>
+              </a:rPr>
+              <a:t>turtle.forward</a:t>
+            </a:r>
+            <a:r>
+              <a:rPr kumimoji="0" lang="en-US" altLang="en-US" b="0" i="0" u="none" strike="noStrike" cap="none" normalizeH="0" baseline="0" dirty="0" smtClean="0">
+                <a:ln>
+                  <a:noFill/>
+                </a:ln>
+                <a:solidFill>
+                  <a:srgbClr val="000000"/>
+                </a:solidFill>
+                <a:effectLst/>
+                <a:latin typeface="Consolas" panose="020B0609020204030204" pitchFamily="49" charset="0"/>
+                <a:cs typeface="Consolas" panose="020B0609020204030204" pitchFamily="49" charset="0"/>
+              </a:rPr>
+              <a:t>(50) </a:t>
+            </a:r>
+          </a:p>
+          <a:p>
+            <a:pPr marL="0" lvl="0" indent="0" eaLnBrk="0" fontAlgn="base" hangingPunct="0">
+              <a:lnSpc>
+                <a:spcPct val="100000"/>
+              </a:lnSpc>
+              <a:spcBef>
+                <a:spcPct val="0"/>
+              </a:spcBef>
+              <a:spcAft>
+                <a:spcPct val="0"/>
+              </a:spcAft>
+              <a:buNone/>
+            </a:pPr>
+            <a:r>
+              <a:rPr kumimoji="0" lang="en-US" altLang="en-US" b="0" i="0" u="none" strike="noStrike" cap="none" normalizeH="0" baseline="0" dirty="0" err="1" smtClean="0">
+                <a:ln>
+                  <a:noFill/>
+                </a:ln>
+                <a:solidFill>
+                  <a:srgbClr val="000000"/>
+                </a:solidFill>
+                <a:effectLst/>
+                <a:latin typeface="Consolas" panose="020B0609020204030204" pitchFamily="49" charset="0"/>
+                <a:cs typeface="Consolas" panose="020B0609020204030204" pitchFamily="49" charset="0"/>
+              </a:rPr>
+              <a:t>turtle.right</a:t>
+            </a:r>
+            <a:r>
+              <a:rPr kumimoji="0" lang="en-US" altLang="en-US" b="0" i="0" u="none" strike="noStrike" cap="none" normalizeH="0" baseline="0" dirty="0" smtClean="0">
+                <a:ln>
+                  <a:noFill/>
+                </a:ln>
+                <a:solidFill>
+                  <a:srgbClr val="000000"/>
+                </a:solidFill>
+                <a:effectLst/>
+                <a:latin typeface="Consolas" panose="020B0609020204030204" pitchFamily="49" charset="0"/>
+                <a:cs typeface="Consolas" panose="020B0609020204030204" pitchFamily="49" charset="0"/>
+              </a:rPr>
+              <a:t>(45) </a:t>
+            </a:r>
+          </a:p>
+          <a:p>
+            <a:pPr marL="0" lvl="0" indent="0" eaLnBrk="0" fontAlgn="base" hangingPunct="0">
+              <a:lnSpc>
+                <a:spcPct val="100000"/>
+              </a:lnSpc>
+              <a:spcBef>
+                <a:spcPct val="0"/>
+              </a:spcBef>
+              <a:spcAft>
+                <a:spcPct val="0"/>
+              </a:spcAft>
+              <a:buNone/>
+            </a:pPr>
+            <a:r>
+              <a:rPr kumimoji="0" lang="en-US" altLang="en-US" b="0" i="0" u="none" strike="noStrike" cap="none" normalizeH="0" baseline="0" dirty="0" err="1" smtClean="0">
+                <a:ln>
+                  <a:noFill/>
+                </a:ln>
+                <a:solidFill>
+                  <a:srgbClr val="000000"/>
+                </a:solidFill>
+                <a:effectLst/>
+                <a:latin typeface="Consolas" panose="020B0609020204030204" pitchFamily="49" charset="0"/>
+                <a:cs typeface="Consolas" panose="020B0609020204030204" pitchFamily="49" charset="0"/>
+              </a:rPr>
+              <a:t>turtle.color</a:t>
+            </a:r>
+            <a:r>
+              <a:rPr kumimoji="0" lang="en-US" altLang="en-US" b="0" i="0" u="none" strike="noStrike" cap="none" normalizeH="0" baseline="0" dirty="0" smtClean="0">
+                <a:ln>
+                  <a:noFill/>
+                </a:ln>
+                <a:solidFill>
+                  <a:srgbClr val="000000"/>
+                </a:solidFill>
+                <a:effectLst/>
+                <a:latin typeface="Consolas" panose="020B0609020204030204" pitchFamily="49" charset="0"/>
+                <a:cs typeface="Consolas" panose="020B0609020204030204" pitchFamily="49" charset="0"/>
+              </a:rPr>
+              <a:t>(</a:t>
+            </a:r>
+            <a:r>
+              <a:rPr kumimoji="0" lang="en-US" altLang="en-US" b="0" i="0" u="none" strike="noStrike" cap="none" normalizeH="0" baseline="0" dirty="0" smtClean="0">
+                <a:ln>
+                  <a:noFill/>
+                </a:ln>
+                <a:solidFill>
+                  <a:srgbClr val="A31515"/>
+                </a:solidFill>
+                <a:effectLst/>
+                <a:latin typeface="Consolas" panose="020B0609020204030204" pitchFamily="49" charset="0"/>
+                <a:cs typeface="Consolas" panose="020B0609020204030204" pitchFamily="49" charset="0"/>
+              </a:rPr>
+              <a:t>'pink'</a:t>
+            </a:r>
+            <a:r>
+              <a:rPr kumimoji="0" lang="en-US" altLang="en-US" b="0" i="0" u="none" strike="noStrike" cap="none" normalizeH="0" baseline="0" dirty="0" smtClean="0">
+                <a:ln>
+                  <a:noFill/>
+                </a:ln>
+                <a:solidFill>
+                  <a:srgbClr val="000000"/>
+                </a:solidFill>
+                <a:effectLst/>
+                <a:latin typeface="Consolas" panose="020B0609020204030204" pitchFamily="49" charset="0"/>
+                <a:cs typeface="Consolas" panose="020B0609020204030204" pitchFamily="49" charset="0"/>
+              </a:rPr>
+              <a:t>) </a:t>
+            </a:r>
+          </a:p>
+          <a:p>
+            <a:pPr marL="0" lvl="0" indent="0" eaLnBrk="0" fontAlgn="base" hangingPunct="0">
+              <a:lnSpc>
+                <a:spcPct val="100000"/>
+              </a:lnSpc>
+              <a:spcBef>
+                <a:spcPct val="0"/>
+              </a:spcBef>
+              <a:spcAft>
+                <a:spcPct val="0"/>
+              </a:spcAft>
+              <a:buNone/>
+            </a:pPr>
+            <a:r>
+              <a:rPr kumimoji="0" lang="en-US" altLang="en-US" b="0" i="0" u="none" strike="noStrike" cap="none" normalizeH="0" baseline="0" dirty="0" err="1" smtClean="0">
+                <a:ln>
+                  <a:noFill/>
+                </a:ln>
+                <a:solidFill>
+                  <a:srgbClr val="000000"/>
+                </a:solidFill>
+                <a:effectLst/>
+                <a:latin typeface="Consolas" panose="020B0609020204030204" pitchFamily="49" charset="0"/>
+                <a:cs typeface="Consolas" panose="020B0609020204030204" pitchFamily="49" charset="0"/>
+              </a:rPr>
+              <a:t>turtle.forward</a:t>
+            </a:r>
+            <a:r>
+              <a:rPr kumimoji="0" lang="en-US" altLang="en-US" b="0" i="0" u="none" strike="noStrike" cap="none" normalizeH="0" baseline="0" dirty="0" smtClean="0">
+                <a:ln>
+                  <a:noFill/>
+                </a:ln>
+                <a:solidFill>
+                  <a:srgbClr val="000000"/>
+                </a:solidFill>
+                <a:effectLst/>
+                <a:latin typeface="Consolas" panose="020B0609020204030204" pitchFamily="49" charset="0"/>
+                <a:cs typeface="Consolas" panose="020B0609020204030204" pitchFamily="49" charset="0"/>
+              </a:rPr>
+              <a:t>(100)</a:t>
+            </a:r>
+            <a:endParaRPr kumimoji="0" lang="en-US" altLang="en-US" b="0" i="0" u="none" strike="noStrike" cap="none" normalizeH="0" baseline="0" dirty="0" smtClean="0">
+              <a:ln>
+                <a:noFill/>
+              </a:ln>
+              <a:solidFill>
+                <a:schemeClr val="tx1"/>
+              </a:solidFill>
+              <a:effectLst/>
+              <a:latin typeface="Arial" panose="020B0604020202020204" pitchFamily="34" charset="0"/>
+            </a:endParaRPr>
+          </a:p>
+        </p:txBody>
+      </p:sp>
+    </p:spTree>
+    <p:extLst>
+      <p:ext uri="{BB962C8B-B14F-4D97-AF65-F5344CB8AC3E}">
+        <p14:creationId xmlns:p14="http://schemas.microsoft.com/office/powerpoint/2010/main" val="3189922586"/>
+      </p:ext>
+    </p:extLst>
+  </p:cSld>
+  <p:clrMapOvr>
+    <a:masterClrMapping/>
+  </p:clrMapOvr>
+  <p:timing>
+    <p:tnLst>
+      <p:par>
+        <p:cTn id="1" dur="indefinite" restart="never" nodeType="tmRoot">
+          <p:childTnLst>
+            <p:seq concurrent="1" nextAc="seek">
+              <p:cTn id="2" dur="indefinite" nodeType="mainSeq">
+                <p:childTnLst>
+                  <p:par>
+                    <p:cTn id="3" fill="hold">
+                      <p:stCondLst>
+                        <p:cond delay="indefinite"/>
+                      </p:stCondLst>
+                      <p:childTnLst>
+                        <p:par>
+                          <p:cTn id="4" fill="hold">
+                            <p:stCondLst>
+                              <p:cond delay="0"/>
+                            </p:stCondLst>
+                            <p:childTnLst>
+                              <p:par>
+                                <p:cTn id="5" presetID="1" presetClass="entr" presetSubtype="0" fill="hold" nodeType="clickEffect">
+                                  <p:stCondLst>
+                                    <p:cond delay="0"/>
+                                  </p:stCondLst>
+                                  <p:childTnLst>
+                                    <p:set>
+                                      <p:cBhvr>
+                                        <p:cTn id="6" dur="1" fill="hold">
+                                          <p:stCondLst>
+                                            <p:cond delay="0"/>
+                                          </p:stCondLst>
+                                        </p:cTn>
+                                        <p:tgtEl>
+                                          <p:spTgt spid="3"/>
+                                        </p:tgtEl>
+                                        <p:attrNameLst>
+                                          <p:attrName>style.visibility</p:attrName>
+                                        </p:attrNameLst>
+                                      </p:cBhvr>
+                                      <p:to>
+                                        <p:strVal val="visible"/>
+                                      </p:to>
+                                    </p:set>
+                                  </p:childTnLst>
+                                </p:cTn>
+                              </p:par>
+                            </p:childTnLst>
+                          </p:cTn>
+                        </p:par>
+                      </p:childTnLst>
+                    </p:cTn>
+                  </p:par>
+                </p:childTnLst>
+              </p:cTn>
+              <p:prevCondLst>
+                <p:cond evt="onPrev" delay="0">
+                  <p:tgtEl>
+                    <p:sldTgt/>
+                  </p:tgtEl>
+                </p:cond>
+              </p:prevCondLst>
+              <p:nextCondLst>
+                <p:cond evt="onNext" delay="0">
+                  <p:tgtEl>
+                    <p:sldTgt/>
+                  </p:tgtEl>
+                </p:cond>
+              </p:nextCondLst>
+            </p:seq>
+          </p:childTnLst>
+        </p:cTn>
+      </p:par>
+    </p:tnLst>
+  </p:timing>
+</p:sld>
+</file>
+
+<file path=ppt/slides/slide14.xml><?xml version="1.0" encoding="utf-8"?>
+<p:sld xmlns:a="http://schemas.openxmlformats.org/drawingml/2006/main" xmlns:r="http://schemas.openxmlformats.org/officeDocument/2006/relationships" xmlns:p="http://schemas.openxmlformats.org/presentationml/2006/main">
+  <p:cSld>
+    <p:spTree>
+      <p:nvGrpSpPr>
+        <p:cNvPr id="1" name=""/>
+        <p:cNvGrpSpPr/>
+        <p:nvPr/>
+      </p:nvGrpSpPr>
+      <p:grpSpPr>
+        <a:xfrm>
+          <a:off x="0" y="0"/>
+          <a:ext cx="0" cy="0"/>
+          <a:chOff x="0" y="0"/>
+          <a:chExt cx="0" cy="0"/>
+        </a:xfrm>
+      </p:grpSpPr>
+      <p:sp>
+        <p:nvSpPr>
+          <p:cNvPr id="4" name="Title 3"/>
+          <p:cNvSpPr>
+            <a:spLocks noGrp="1"/>
+          </p:cNvSpPr>
+          <p:nvPr>
+            <p:ph type="title"/>
+          </p:nvPr>
+        </p:nvSpPr>
+        <p:spPr/>
+        <p:txBody>
+          <a:bodyPr/>
+          <a:lstStyle/>
+          <a:p>
+            <a:r>
+              <a:rPr lang="en-CA" dirty="0" smtClean="0"/>
+              <a:t>Drawing with turtle</a:t>
+            </a:r>
+            <a:endParaRPr lang="en-US" dirty="0"/>
+          </a:p>
+        </p:txBody>
+      </p:sp>
+    </p:spTree>
+    <p:extLst>
+      <p:ext uri="{BB962C8B-B14F-4D97-AF65-F5344CB8AC3E}">
+        <p14:creationId xmlns:p14="http://schemas.microsoft.com/office/powerpoint/2010/main" val="745997542"/>
+      </p:ext>
+    </p:extLst>
+  </p:cSld>
+  <p:clrMapOvr>
+    <a:masterClrMapping/>
+  </p:clrMapOvr>
+</p:sld>
+</file>
+
+<file path=ppt/slides/slide15.xml><?xml version="1.0" encoding="utf-8"?>
+<p:sld xmlns:a="http://schemas.openxmlformats.org/drawingml/2006/main" xmlns:r="http://schemas.openxmlformats.org/officeDocument/2006/relationships" xmlns:p="http://schemas.openxmlformats.org/presentationml/2006/main">
+  <p:cSld>
+    <p:spTree>
+      <p:nvGrpSpPr>
+        <p:cNvPr id="1" name=""/>
+        <p:cNvGrpSpPr/>
+        <p:nvPr/>
+      </p:nvGrpSpPr>
+      <p:grpSpPr>
+        <a:xfrm>
+          <a:off x="0" y="0"/>
+          <a:ext cx="0" cy="0"/>
+          <a:chOff x="0" y="0"/>
+          <a:chExt cx="0" cy="0"/>
+        </a:xfrm>
+      </p:grpSpPr>
+      <p:sp>
+        <p:nvSpPr>
+          <p:cNvPr id="4" name="Title 3"/>
+          <p:cNvSpPr>
+            <a:spLocks noGrp="1"/>
+          </p:cNvSpPr>
+          <p:nvPr>
+            <p:ph type="title"/>
+          </p:nvPr>
+        </p:nvSpPr>
+        <p:spPr/>
+        <p:txBody>
+          <a:bodyPr>
+            <a:normAutofit fontScale="90000"/>
+          </a:bodyPr>
+          <a:lstStyle/>
+          <a:p>
+            <a:r>
+              <a:rPr lang="en-CA" dirty="0" smtClean="0"/>
+              <a:t>You can probably guess what some of the turtle commands do</a:t>
+            </a:r>
+            <a:endParaRPr lang="en-US" dirty="0"/>
+          </a:p>
+        </p:txBody>
+      </p:sp>
+      <p:graphicFrame>
+        <p:nvGraphicFramePr>
+          <p:cNvPr id="3" name="Table 2"/>
+          <p:cNvGraphicFramePr>
+            <a:graphicFrameLocks noGrp="1"/>
+          </p:cNvGraphicFramePr>
+          <p:nvPr>
+            <p:extLst>
+              <p:ext uri="{D42A27DB-BD31-4B8C-83A1-F6EECF244321}">
+                <p14:modId xmlns:p14="http://schemas.microsoft.com/office/powerpoint/2010/main" val="1005087902"/>
+              </p:ext>
+            </p:extLst>
+          </p:nvPr>
+        </p:nvGraphicFramePr>
+        <p:xfrm>
+          <a:off x="2128252" y="2419601"/>
+          <a:ext cx="7169752" cy="2743200"/>
+        </p:xfrm>
+        <a:graphic>
+          <a:graphicData uri="http://schemas.openxmlformats.org/drawingml/2006/table">
+            <a:tbl>
+              <a:tblPr firstRow="1" bandRow="1">
+                <a:tableStyleId>{5C22544A-7EE6-4342-B048-85BDC9FD1C3A}</a:tableStyleId>
+              </a:tblPr>
+              <a:tblGrid>
+                <a:gridCol w="2444320"/>
+                <a:gridCol w="4725432"/>
+              </a:tblGrid>
+              <a:tr h="370840">
+                <a:tc>
+                  <a:txBody>
+                    <a:bodyPr/>
+                    <a:lstStyle/>
+                    <a:p>
+                      <a:r>
+                        <a:rPr lang="en-CA" sz="2400" dirty="0" smtClean="0"/>
+                        <a:t>Command</a:t>
+                      </a:r>
+                      <a:endParaRPr lang="en-US" sz="2400" dirty="0"/>
+                    </a:p>
+                  </a:txBody>
+                  <a:tcPr/>
+                </a:tc>
+                <a:tc>
+                  <a:txBody>
+                    <a:bodyPr/>
+                    <a:lstStyle/>
+                    <a:p>
+                      <a:r>
+                        <a:rPr lang="en-CA" sz="2400" dirty="0" smtClean="0"/>
+                        <a:t>Action</a:t>
+                      </a:r>
+                      <a:endParaRPr lang="en-US" sz="2400" dirty="0"/>
+                    </a:p>
+                  </a:txBody>
+                  <a:tcPr/>
+                </a:tc>
+              </a:tr>
+              <a:tr h="370840">
+                <a:tc>
+                  <a:txBody>
+                    <a:bodyPr/>
+                    <a:lstStyle/>
+                    <a:p>
+                      <a:pPr marL="0" marR="0" lvl="0" indent="0" algn="l" defTabSz="914088" rtl="0" eaLnBrk="1" fontAlgn="auto" latinLnBrk="0" hangingPunct="1">
+                        <a:lnSpc>
+                          <a:spcPct val="100000"/>
+                        </a:lnSpc>
+                        <a:spcBef>
+                          <a:spcPts val="0"/>
+                        </a:spcBef>
+                        <a:spcAft>
+                          <a:spcPts val="0"/>
+                        </a:spcAft>
+                        <a:buClrTx/>
+                        <a:buSzTx/>
+                        <a:buFontTx/>
+                        <a:buNone/>
+                        <a:tabLst/>
+                        <a:defRPr/>
+                      </a:pPr>
+                      <a:r>
+                        <a:rPr lang="en-CA" altLang="en-US" sz="2400" dirty="0" smtClean="0">
+                          <a:latin typeface="Consolas" panose="020B0609020204030204" pitchFamily="49" charset="0"/>
+                          <a:cs typeface="Consolas" panose="020B0609020204030204" pitchFamily="49" charset="0"/>
+                        </a:rPr>
+                        <a:t>right(x)</a:t>
+                      </a:r>
+                    </a:p>
+                  </a:txBody>
+                  <a:tcPr/>
+                </a:tc>
+                <a:tc>
+                  <a:txBody>
+                    <a:bodyPr/>
+                    <a:lstStyle/>
+                    <a:p>
+                      <a:pPr marL="0" marR="0" indent="0" algn="l" defTabSz="914088" rtl="0" eaLnBrk="1" fontAlgn="auto" latinLnBrk="0" hangingPunct="1">
+                        <a:lnSpc>
+                          <a:spcPct val="100000"/>
+                        </a:lnSpc>
+                        <a:spcBef>
+                          <a:spcPts val="0"/>
+                        </a:spcBef>
+                        <a:spcAft>
+                          <a:spcPts val="0"/>
+                        </a:spcAft>
+                        <a:buClrTx/>
+                        <a:buSzTx/>
+                        <a:buFontTx/>
+                        <a:buNone/>
+                        <a:tabLst/>
+                        <a:defRPr/>
+                      </a:pPr>
+                      <a:r>
+                        <a:rPr lang="en-CA" altLang="en-US" sz="2400" dirty="0" smtClean="0">
+                          <a:latin typeface="Consolas" panose="020B0609020204030204" pitchFamily="49" charset="0"/>
+                          <a:cs typeface="Consolas" panose="020B0609020204030204" pitchFamily="49" charset="0"/>
+                        </a:rPr>
+                        <a:t>Rotate right x degrees</a:t>
+                      </a:r>
+                    </a:p>
+                  </a:txBody>
+                  <a:tcPr/>
+                </a:tc>
+              </a:tr>
+              <a:tr h="370840">
+                <a:tc>
+                  <a:txBody>
+                    <a:bodyPr/>
+                    <a:lstStyle/>
+                    <a:p>
+                      <a:pPr marL="0" marR="0" lvl="0" indent="0" algn="l" defTabSz="914088" rtl="0" eaLnBrk="1" fontAlgn="auto" latinLnBrk="0" hangingPunct="1">
+                        <a:lnSpc>
+                          <a:spcPct val="100000"/>
+                        </a:lnSpc>
+                        <a:spcBef>
+                          <a:spcPts val="0"/>
+                        </a:spcBef>
+                        <a:spcAft>
+                          <a:spcPts val="0"/>
+                        </a:spcAft>
+                        <a:buClrTx/>
+                        <a:buSzTx/>
+                        <a:buFontTx/>
+                        <a:buNone/>
+                        <a:tabLst/>
+                        <a:defRPr/>
+                      </a:pPr>
+                      <a:r>
+                        <a:rPr lang="en-CA" altLang="en-US" sz="2400" dirty="0" smtClean="0">
+                          <a:latin typeface="Consolas" panose="020B0609020204030204" pitchFamily="49" charset="0"/>
+                          <a:cs typeface="Consolas" panose="020B0609020204030204" pitchFamily="49" charset="0"/>
+                        </a:rPr>
+                        <a:t>l</a:t>
+                      </a:r>
+                      <a:r>
+                        <a:rPr lang="en-CA" altLang="en-US" sz="2400" baseline="0" dirty="0" smtClean="0">
+                          <a:latin typeface="Consolas" panose="020B0609020204030204" pitchFamily="49" charset="0"/>
+                          <a:cs typeface="Consolas" panose="020B0609020204030204" pitchFamily="49" charset="0"/>
+                        </a:rPr>
+                        <a:t>eft(x)</a:t>
+                      </a:r>
+                    </a:p>
+                  </a:txBody>
+                  <a:tcPr/>
+                </a:tc>
+                <a:tc>
+                  <a:txBody>
+                    <a:bodyPr/>
+                    <a:lstStyle/>
+                    <a:p>
+                      <a:pPr marL="0" marR="0" indent="0" algn="l" defTabSz="914088" rtl="0" eaLnBrk="1" fontAlgn="auto" latinLnBrk="0" hangingPunct="1">
+                        <a:lnSpc>
+                          <a:spcPct val="100000"/>
+                        </a:lnSpc>
+                        <a:spcBef>
+                          <a:spcPts val="0"/>
+                        </a:spcBef>
+                        <a:spcAft>
+                          <a:spcPts val="0"/>
+                        </a:spcAft>
+                        <a:buClrTx/>
+                        <a:buSzTx/>
+                        <a:buFontTx/>
+                        <a:buNone/>
+                        <a:tabLst/>
+                        <a:defRPr/>
+                      </a:pPr>
+                      <a:r>
+                        <a:rPr lang="en-CA" altLang="en-US" sz="2400" dirty="0" smtClean="0">
+                          <a:latin typeface="Consolas" panose="020B0609020204030204" pitchFamily="49" charset="0"/>
+                          <a:cs typeface="Consolas" panose="020B0609020204030204" pitchFamily="49" charset="0"/>
+                        </a:rPr>
+                        <a:t>Rotate left x degrees</a:t>
+                      </a:r>
+                    </a:p>
+                  </a:txBody>
+                  <a:tcPr/>
+                </a:tc>
+              </a:tr>
+              <a:tr h="370840">
+                <a:tc>
+                  <a:txBody>
+                    <a:bodyPr/>
+                    <a:lstStyle/>
+                    <a:p>
+                      <a:pPr marL="0" marR="0" lvl="0" indent="0" algn="l" defTabSz="914088" rtl="0" eaLnBrk="1" fontAlgn="auto" latinLnBrk="0" hangingPunct="1">
+                        <a:lnSpc>
+                          <a:spcPct val="100000"/>
+                        </a:lnSpc>
+                        <a:spcBef>
+                          <a:spcPts val="0"/>
+                        </a:spcBef>
+                        <a:spcAft>
+                          <a:spcPts val="0"/>
+                        </a:spcAft>
+                        <a:buClrTx/>
+                        <a:buSzTx/>
+                        <a:buFontTx/>
+                        <a:buNone/>
+                        <a:tabLst/>
+                        <a:defRPr/>
+                      </a:pPr>
+                      <a:r>
+                        <a:rPr lang="en-CA" altLang="en-US" sz="2400" dirty="0" smtClean="0">
+                          <a:latin typeface="Consolas" panose="020B0609020204030204" pitchFamily="49" charset="0"/>
+                          <a:cs typeface="Consolas" panose="020B0609020204030204" pitchFamily="49" charset="0"/>
+                        </a:rPr>
+                        <a:t>color(</a:t>
+                      </a:r>
+                      <a:r>
+                        <a:rPr lang="en-US" altLang="en-US" sz="2400" dirty="0" smtClean="0">
+                          <a:solidFill>
+                            <a:srgbClr val="A31515"/>
+                          </a:solidFill>
+                          <a:latin typeface="Consolas" panose="020B0609020204030204" pitchFamily="49" charset="0"/>
+                          <a:cs typeface="Consolas" panose="020B0609020204030204" pitchFamily="49" charset="0"/>
+                        </a:rPr>
+                        <a:t>'x'</a:t>
+                      </a:r>
+                      <a:r>
+                        <a:rPr lang="en-CA" altLang="en-US" sz="2400" dirty="0" smtClean="0">
+                          <a:latin typeface="Consolas" panose="020B0609020204030204" pitchFamily="49" charset="0"/>
+                          <a:cs typeface="Consolas" panose="020B0609020204030204" pitchFamily="49" charset="0"/>
+                        </a:rPr>
+                        <a:t>)</a:t>
+                      </a:r>
+                    </a:p>
+                  </a:txBody>
+                  <a:tcPr/>
+                </a:tc>
+                <a:tc>
+                  <a:txBody>
+                    <a:bodyPr/>
+                    <a:lstStyle/>
+                    <a:p>
+                      <a:pPr marL="0" marR="0" indent="0" algn="l" defTabSz="914088" rtl="0" eaLnBrk="1" fontAlgn="auto" latinLnBrk="0" hangingPunct="1">
+                        <a:lnSpc>
+                          <a:spcPct val="100000"/>
+                        </a:lnSpc>
+                        <a:spcBef>
+                          <a:spcPts val="0"/>
+                        </a:spcBef>
+                        <a:spcAft>
+                          <a:spcPts val="0"/>
+                        </a:spcAft>
+                        <a:buClrTx/>
+                        <a:buSzTx/>
+                        <a:buFontTx/>
+                        <a:buNone/>
+                        <a:tabLst/>
+                        <a:defRPr/>
+                      </a:pPr>
+                      <a:r>
+                        <a:rPr lang="en-CA" altLang="en-US" sz="2400" dirty="0" smtClean="0">
+                          <a:latin typeface="Consolas" panose="020B0609020204030204" pitchFamily="49" charset="0"/>
+                          <a:cs typeface="Consolas" panose="020B0609020204030204" pitchFamily="49" charset="0"/>
+                        </a:rPr>
+                        <a:t>Change pen color to x</a:t>
+                      </a:r>
+                    </a:p>
+                  </a:txBody>
+                  <a:tcPr/>
+                </a:tc>
+              </a:tr>
+              <a:tr h="370840">
+                <a:tc>
+                  <a:txBody>
+                    <a:bodyPr/>
+                    <a:lstStyle/>
+                    <a:p>
+                      <a:pPr marL="0" marR="0" lvl="0" indent="0" algn="l" defTabSz="914088" rtl="0" eaLnBrk="1" fontAlgn="auto" latinLnBrk="0" hangingPunct="1">
+                        <a:lnSpc>
+                          <a:spcPct val="100000"/>
+                        </a:lnSpc>
+                        <a:spcBef>
+                          <a:spcPts val="0"/>
+                        </a:spcBef>
+                        <a:spcAft>
+                          <a:spcPts val="0"/>
+                        </a:spcAft>
+                        <a:buClrTx/>
+                        <a:buSzTx/>
+                        <a:buFontTx/>
+                        <a:buNone/>
+                        <a:tabLst/>
+                        <a:defRPr/>
+                      </a:pPr>
+                      <a:r>
+                        <a:rPr lang="en-CA" altLang="en-US" sz="2400" dirty="0" smtClean="0">
+                          <a:latin typeface="Consolas" panose="020B0609020204030204" pitchFamily="49" charset="0"/>
+                          <a:cs typeface="Consolas" panose="020B0609020204030204" pitchFamily="49" charset="0"/>
+                        </a:rPr>
+                        <a:t>f</a:t>
+                      </a:r>
+                      <a:r>
+                        <a:rPr lang="en-CA" altLang="en-US" sz="2400" baseline="0" dirty="0" smtClean="0">
+                          <a:latin typeface="Consolas" panose="020B0609020204030204" pitchFamily="49" charset="0"/>
+                          <a:cs typeface="Consolas" panose="020B0609020204030204" pitchFamily="49" charset="0"/>
+                        </a:rPr>
+                        <a:t>orward(x)</a:t>
+                      </a:r>
+                    </a:p>
+                  </a:txBody>
+                  <a:tcPr/>
+                </a:tc>
+                <a:tc>
+                  <a:txBody>
+                    <a:bodyPr/>
+                    <a:lstStyle/>
+                    <a:p>
+                      <a:pPr marL="0" marR="0" indent="0" algn="l" defTabSz="914088" rtl="0" eaLnBrk="1" fontAlgn="auto" latinLnBrk="0" hangingPunct="1">
+                        <a:lnSpc>
+                          <a:spcPct val="100000"/>
+                        </a:lnSpc>
+                        <a:spcBef>
+                          <a:spcPts val="0"/>
+                        </a:spcBef>
+                        <a:spcAft>
+                          <a:spcPts val="0"/>
+                        </a:spcAft>
+                        <a:buClrTx/>
+                        <a:buSzTx/>
+                        <a:buFontTx/>
+                        <a:buNone/>
+                        <a:tabLst/>
+                        <a:defRPr/>
+                      </a:pPr>
+                      <a:r>
+                        <a:rPr lang="en-CA" altLang="en-US" sz="2400" dirty="0" smtClean="0">
+                          <a:latin typeface="Consolas" panose="020B0609020204030204" pitchFamily="49" charset="0"/>
+                          <a:cs typeface="Consolas" panose="020B0609020204030204" pitchFamily="49" charset="0"/>
+                        </a:rPr>
+                        <a:t>Move forward x </a:t>
+                      </a:r>
+                    </a:p>
+                  </a:txBody>
+                  <a:tcPr/>
+                </a:tc>
+              </a:tr>
+              <a:tr h="370840">
+                <a:tc>
+                  <a:txBody>
+                    <a:bodyPr/>
+                    <a:lstStyle/>
+                    <a:p>
+                      <a:pPr marL="0" marR="0" lvl="0" indent="0" algn="l" defTabSz="914088" rtl="0" eaLnBrk="1" fontAlgn="auto" latinLnBrk="0" hangingPunct="1">
+                        <a:lnSpc>
+                          <a:spcPct val="100000"/>
+                        </a:lnSpc>
+                        <a:spcBef>
+                          <a:spcPts val="0"/>
+                        </a:spcBef>
+                        <a:spcAft>
+                          <a:spcPts val="0"/>
+                        </a:spcAft>
+                        <a:buClrTx/>
+                        <a:buSzTx/>
+                        <a:buFontTx/>
+                        <a:buNone/>
+                        <a:tabLst/>
+                        <a:defRPr/>
+                      </a:pPr>
+                      <a:r>
+                        <a:rPr lang="en-CA" altLang="en-US" sz="2400" dirty="0" smtClean="0">
+                          <a:latin typeface="Consolas" panose="020B0609020204030204" pitchFamily="49" charset="0"/>
+                          <a:cs typeface="Consolas" panose="020B0609020204030204" pitchFamily="49" charset="0"/>
+                        </a:rPr>
+                        <a:t>backward(x)</a:t>
+                      </a:r>
+                    </a:p>
+                  </a:txBody>
+                  <a:tcPr/>
+                </a:tc>
+                <a:tc>
+                  <a:txBody>
+                    <a:bodyPr/>
+                    <a:lstStyle/>
+                    <a:p>
+                      <a:pPr marL="0" marR="0" indent="0" algn="l" defTabSz="914088" rtl="0" eaLnBrk="1" fontAlgn="auto" latinLnBrk="0" hangingPunct="1">
+                        <a:lnSpc>
+                          <a:spcPct val="100000"/>
+                        </a:lnSpc>
+                        <a:spcBef>
+                          <a:spcPts val="0"/>
+                        </a:spcBef>
+                        <a:spcAft>
+                          <a:spcPts val="0"/>
+                        </a:spcAft>
+                        <a:buClrTx/>
+                        <a:buSzTx/>
+                        <a:buFontTx/>
+                        <a:buNone/>
+                        <a:tabLst/>
+                        <a:defRPr/>
+                      </a:pPr>
+                      <a:r>
+                        <a:rPr lang="en-CA" altLang="en-US" sz="2400" dirty="0" smtClean="0">
+                          <a:latin typeface="Consolas" panose="020B0609020204030204" pitchFamily="49" charset="0"/>
+                          <a:cs typeface="Consolas" panose="020B0609020204030204" pitchFamily="49" charset="0"/>
+                        </a:rPr>
+                        <a:t>Move backward x</a:t>
+                      </a:r>
+                    </a:p>
+                  </a:txBody>
+                  <a:tcPr/>
+                </a:tc>
+              </a:tr>
+            </a:tbl>
+          </a:graphicData>
+        </a:graphic>
+      </p:graphicFrame>
+    </p:spTree>
+    <p:extLst>
+      <p:ext uri="{BB962C8B-B14F-4D97-AF65-F5344CB8AC3E}">
+        <p14:creationId xmlns:p14="http://schemas.microsoft.com/office/powerpoint/2010/main" val="105461430"/>
+      </p:ext>
+    </p:extLst>
+  </p:cSld>
+  <p:clrMapOvr>
+    <a:masterClrMapping/>
+  </p:clrMapOvr>
+  <p:timing>
+    <p:tnLst>
+      <p:par>
+        <p:cTn id="1" dur="indefinite" restart="never" nodeType="tmRoot"/>
+      </p:par>
+    </p:tnLst>
+  </p:timing>
+</p:sld>
+</file>
+
+<file path=ppt/slides/slide16.xml><?xml version="1.0" encoding="utf-8"?>
+<p:sld xmlns:a="http://schemas.openxmlformats.org/drawingml/2006/main" xmlns:r="http://schemas.openxmlformats.org/officeDocument/2006/relationships" xmlns:p="http://schemas.openxmlformats.org/presentationml/2006/main">
+  <p:cSld>
+    <p:spTree>
+      <p:nvGrpSpPr>
+        <p:cNvPr id="1" name=""/>
+        <p:cNvGrpSpPr/>
+        <p:nvPr/>
+      </p:nvGrpSpPr>
+      <p:grpSpPr>
+        <a:xfrm>
+          <a:off x="0" y="0"/>
+          <a:ext cx="0" cy="0"/>
+          <a:chOff x="0" y="0"/>
+          <a:chExt cx="0" cy="0"/>
+        </a:xfrm>
+      </p:grpSpPr>
+      <p:sp>
+        <p:nvSpPr>
+          <p:cNvPr id="5" name="Text Placeholder 4"/>
+          <p:cNvSpPr>
+            <a:spLocks noGrp="1"/>
+          </p:cNvSpPr>
+          <p:nvPr>
+            <p:ph type="body" sz="quarter" idx="10"/>
+          </p:nvPr>
+        </p:nvSpPr>
+        <p:spPr/>
+        <p:txBody>
+          <a:bodyPr/>
+          <a:lstStyle/>
+          <a:p>
+            <a:r>
+              <a:rPr lang="en-US" dirty="0" smtClean="0"/>
+              <a:t>For loops</a:t>
+            </a:r>
+            <a:endParaRPr lang="en-US" dirty="0"/>
+          </a:p>
+        </p:txBody>
+      </p:sp>
+      <p:sp>
+        <p:nvSpPr>
+          <p:cNvPr id="4" name="Subtitle 3"/>
+          <p:cNvSpPr>
+            <a:spLocks noGrp="1"/>
+          </p:cNvSpPr>
+          <p:nvPr>
+            <p:ph type="subTitle" idx="1"/>
+          </p:nvPr>
+        </p:nvSpPr>
+        <p:spPr/>
+        <p:txBody>
+          <a:bodyPr/>
+          <a:lstStyle/>
+          <a:p>
+            <a:endParaRPr lang="en-US"/>
+          </a:p>
+        </p:txBody>
+      </p:sp>
+    </p:spTree>
+    <p:extLst>
+      <p:ext uri="{BB962C8B-B14F-4D97-AF65-F5344CB8AC3E}">
+        <p14:creationId xmlns:p14="http://schemas.microsoft.com/office/powerpoint/2010/main" val="3062358740"/>
+      </p:ext>
+    </p:extLst>
+  </p:cSld>
+  <p:clrMapOvr>
+    <a:masterClrMapping/>
+  </p:clrMapOvr>
+</p:sld>
+</file>
+
+<file path=ppt/slides/slide17.xml><?xml version="1.0" encoding="utf-8"?>
 <p:sld xmlns:a="http://schemas.openxmlformats.org/drawingml/2006/main" xmlns:r="http://schemas.openxmlformats.org/officeDocument/2006/relationships" xmlns:p="http://schemas.openxmlformats.org/presentationml/2006/main">
   <p:cSld>
     <p:spTree>
@@ -5335,7 +7752,7 @@
 </p:sld>
 </file>
 
-<file path=ppt/slides/slide11.xml><?xml version="1.0" encoding="utf-8"?>
+<file path=ppt/slides/slide18.xml><?xml version="1.0" encoding="utf-8"?>
 <p:sld xmlns:a="http://schemas.openxmlformats.org/drawingml/2006/main" xmlns:r="http://schemas.openxmlformats.org/officeDocument/2006/relationships" xmlns:p="http://schemas.openxmlformats.org/presentationml/2006/main">
   <p:cSld>
     <p:spTree>
@@ -6160,7 +8577,7 @@
 </p:sld>
 </file>
 
-<file path=ppt/slides/slide12.xml><?xml version="1.0" encoding="utf-8"?>
+<file path=ppt/slides/slide19.xml><?xml version="1.0" encoding="utf-8"?>
 <p:sld xmlns:a="http://schemas.openxmlformats.org/drawingml/2006/main" xmlns:r="http://schemas.openxmlformats.org/officeDocument/2006/relationships" xmlns:p="http://schemas.openxmlformats.org/presentationml/2006/main">
   <p:cSld>
     <p:spTree>
@@ -6845,7 +9262,205 @@
 </p:sld>
 </file>
 
-<file path=ppt/slides/slide13.xml><?xml version="1.0" encoding="utf-8"?>
+<file path=ppt/slides/slide2.xml><?xml version="1.0" encoding="utf-8"?>
+<p:sld xmlns:a="http://schemas.openxmlformats.org/drawingml/2006/main" xmlns:r="http://schemas.openxmlformats.org/officeDocument/2006/relationships" xmlns:p="http://schemas.openxmlformats.org/presentationml/2006/main">
+  <p:cSld>
+    <p:spTree>
+      <p:nvGrpSpPr>
+        <p:cNvPr id="1" name=""/>
+        <p:cNvGrpSpPr/>
+        <p:nvPr/>
+      </p:nvGrpSpPr>
+      <p:grpSpPr>
+        <a:xfrm>
+          <a:off x="0" y="0"/>
+          <a:ext cx="0" cy="0"/>
+          <a:chOff x="0" y="0"/>
+          <a:chExt cx="0" cy="0"/>
+        </a:xfrm>
+      </p:grpSpPr>
+      <p:pic>
+        <p:nvPicPr>
+          <p:cNvPr id="3" name="Picture 2" descr="microsoft030Medium.jpg"/>
+          <p:cNvPicPr>
+            <a:picLocks noChangeAspect="1"/>
+          </p:cNvPicPr>
+          <p:nvPr/>
+        </p:nvPicPr>
+        <p:blipFill>
+          <a:blip r:embed="rId3"/>
+          <a:stretch>
+            <a:fillRect/>
+          </a:stretch>
+        </p:blipFill>
+        <p:spPr>
+          <a:xfrm>
+            <a:off x="9605963" y="177800"/>
+            <a:ext cx="2477163" cy="3467307"/>
+          </a:xfrm>
+          <a:prstGeom prst="rect">
+            <a:avLst/>
+          </a:prstGeom>
+        </p:spPr>
+      </p:pic>
+      <p:sp>
+        <p:nvSpPr>
+          <p:cNvPr id="2" name="Title 1"/>
+          <p:cNvSpPr>
+            <a:spLocks noGrp="1"/>
+          </p:cNvSpPr>
+          <p:nvPr>
+            <p:ph type="title"/>
+          </p:nvPr>
+        </p:nvSpPr>
+        <p:spPr/>
+        <p:txBody>
+          <a:bodyPr/>
+          <a:lstStyle/>
+          <a:p>
+            <a:r>
+              <a:rPr lang="en-US"/>
+              <a:t>Meet Susan Ibach| ‏@hockeygeekgirl</a:t>
+            </a:r>
+            <a:endParaRPr lang="en-US" dirty="0"/>
+          </a:p>
+        </p:txBody>
+      </p:sp>
+      <p:sp>
+        <p:nvSpPr>
+          <p:cNvPr id="7" name="Content Placeholder 6"/>
+          <p:cNvSpPr>
+            <a:spLocks noGrp="1"/>
+          </p:cNvSpPr>
+          <p:nvPr>
+            <p:ph idx="10"/>
+          </p:nvPr>
+        </p:nvSpPr>
+        <p:spPr>
+          <a:xfrm>
+            <a:off x="379413" y="1387475"/>
+            <a:ext cx="9183494" cy="5291138"/>
+          </a:xfrm>
+        </p:spPr>
+        <p:txBody>
+          <a:bodyPr/>
+          <a:lstStyle/>
+          <a:p>
+            <a:pPr marL="0" indent="0">
+              <a:buNone/>
+            </a:pPr>
+            <a:r>
+              <a:rPr lang="en-US"/>
+              <a:t>Technical Evangelist</a:t>
+            </a:r>
+          </a:p>
+          <a:p>
+            <a:pPr marL="457046" lvl="1" indent="0">
+              <a:buNone/>
+            </a:pPr>
+            <a:r>
+              <a:rPr lang="en-US">
+                <a:solidFill>
+                  <a:srgbClr val="404040"/>
+                </a:solidFill>
+              </a:rPr>
+              <a:t>Helping developers understand Visual Studio, app building</a:t>
+            </a:r>
+          </a:p>
+          <a:p>
+            <a:pPr marL="457046" lvl="1" indent="0">
+              <a:buNone/>
+            </a:pPr>
+            <a:r>
+              <a:rPr lang="en-US">
+                <a:solidFill>
+                  <a:srgbClr val="404040"/>
+                </a:solidFill>
+              </a:rPr>
+              <a:t>Microsoft Certified Trainer</a:t>
+            </a:r>
+          </a:p>
+          <a:p>
+            <a:pPr marL="457046" lvl="1" indent="0">
+              <a:buNone/>
+            </a:pPr>
+            <a:r>
+              <a:rPr lang="en-US">
+                <a:solidFill>
+                  <a:srgbClr val="404040"/>
+                </a:solidFill>
+              </a:rPr>
+              <a:t>My first program was written in basic on a computer with 64K of memory</a:t>
+            </a:r>
+          </a:p>
+          <a:p>
+            <a:pPr marL="0" indent="0">
+              <a:buNone/>
+            </a:pPr>
+            <a:r>
+              <a:rPr lang="en-US"/>
+              <a:t>Will not admit how many years coding experience</a:t>
+            </a:r>
+          </a:p>
+          <a:p>
+            <a:pPr marL="457046" lvl="1" indent="0">
+              <a:buNone/>
+            </a:pPr>
+            <a:r>
+              <a:rPr lang="en-US"/>
+              <a:t>Basic, Fortran, COBOL, VB, C#, HTML, Python</a:t>
+            </a:r>
+          </a:p>
+          <a:p>
+            <a:pPr marL="457046" lvl="1" indent="0">
+              <a:buNone/>
+            </a:pPr>
+            <a:r>
+              <a:rPr lang="en-US"/>
+              <a:t>Frequent blogger and presenter</a:t>
+            </a:r>
+          </a:p>
+          <a:p>
+            <a:pPr marL="457046" lvl="1" indent="0">
+              <a:buNone/>
+            </a:pPr>
+            <a:r>
+              <a:rPr lang="en-US"/>
+              <a:t>marathoner, wife, and mother of two awesome boys!</a:t>
+            </a:r>
+            <a:endParaRPr lang="en-US" dirty="0"/>
+          </a:p>
+        </p:txBody>
+      </p:sp>
+    </p:spTree>
+    <p:extLst>
+      <p:ext uri="{BB962C8B-B14F-4D97-AF65-F5344CB8AC3E}">
+        <p14:creationId xmlns:p14="http://schemas.microsoft.com/office/powerpoint/2010/main" val="1327149919"/>
+      </p:ext>
+    </p:extLst>
+  </p:cSld>
+  <p:clrMapOvr>
+    <a:masterClrMapping/>
+  </p:clrMapOvr>
+  <mc:AlternateContent xmlns:mc="http://schemas.openxmlformats.org/markup-compatibility/2006">
+    <mc:Choice xmlns:p14="http://schemas.microsoft.com/office/powerpoint/2010/main" Requires="p14">
+      <p:transition spd="slow" p14:dur="2000"/>
+    </mc:Choice>
+    <mc:Fallback>
+      <p:transition spd="slow"/>
+    </mc:Fallback>
+  </mc:AlternateContent>
+  <p:timing>
+    <p:tnLst>
+      <p:par>
+        <p:cTn id="1" dur="indefinite" restart="never" nodeType="tmRoot"/>
+      </p:par>
+    </p:tnLst>
+  </p:timing>
+</p:sld>
+</file>
+
+<file path=ppt/slides/slide20.xml><?xml version="1.0" encoding="utf-8"?>
 <p:sld xmlns:a="http://schemas.openxmlformats.org/drawingml/2006/main" xmlns:r="http://schemas.openxmlformats.org/officeDocument/2006/relationships" xmlns:p="http://schemas.openxmlformats.org/presentationml/2006/main">
   <p:cSld>
     <p:spTree>
@@ -7417,7 +10032,7 @@
 </p:sld>
 </file>
 
-<file path=ppt/slides/slide14.xml><?xml version="1.0" encoding="utf-8"?>
+<file path=ppt/slides/slide21.xml><?xml version="1.0" encoding="utf-8"?>
 <p:sld xmlns:a="http://schemas.openxmlformats.org/drawingml/2006/main" xmlns:r="http://schemas.openxmlformats.org/officeDocument/2006/relationships" xmlns:p="http://schemas.openxmlformats.org/presentationml/2006/main">
   <p:cSld>
     <p:spTree>
@@ -7470,7 +10085,7 @@
 </p:sld>
 </file>
 
-<file path=ppt/slides/slide15.xml><?xml version="1.0" encoding="utf-8"?>
+<file path=ppt/slides/slide22.xml><?xml version="1.0" encoding="utf-8"?>
 <p:sld xmlns:a="http://schemas.openxmlformats.org/drawingml/2006/main" xmlns:r="http://schemas.openxmlformats.org/officeDocument/2006/relationships" xmlns:p="http://schemas.openxmlformats.org/presentationml/2006/main">
   <p:cSld>
     <p:spTree>
@@ -8443,7 +11058,7 @@
 </p:sld>
 </file>
 
-<file path=ppt/slides/slide16.xml><?xml version="1.0" encoding="utf-8"?>
+<file path=ppt/slides/slide23.xml><?xml version="1.0" encoding="utf-8"?>
 <p:sld xmlns:a="http://schemas.openxmlformats.org/drawingml/2006/main" xmlns:r="http://schemas.openxmlformats.org/officeDocument/2006/relationships" xmlns:p="http://schemas.openxmlformats.org/presentationml/2006/main">
   <p:cSld>
     <p:spTree>
@@ -8515,7 +11130,7 @@
 </p:sld>
 </file>
 
-<file path=ppt/slides/slide17.xml><?xml version="1.0" encoding="utf-8"?>
+<file path=ppt/slides/slide24.xml><?xml version="1.0" encoding="utf-8"?>
 <p:sld xmlns:a="http://schemas.openxmlformats.org/drawingml/2006/main" xmlns:r="http://schemas.openxmlformats.org/officeDocument/2006/relationships" xmlns:p="http://schemas.openxmlformats.org/presentationml/2006/main">
   <p:cSld>
     <p:spTree>
@@ -9210,7 +11825,7 @@
 </p:sld>
 </file>
 
-<file path=ppt/slides/slide18.xml><?xml version="1.0" encoding="utf-8"?>
+<file path=ppt/slides/slide25.xml><?xml version="1.0" encoding="utf-8"?>
 <p:sld xmlns:a="http://schemas.openxmlformats.org/drawingml/2006/main" xmlns:r="http://schemas.openxmlformats.org/officeDocument/2006/relationships" xmlns:p="http://schemas.openxmlformats.org/presentationml/2006/main">
   <p:cSld>
     <p:spTree>
@@ -9905,7 +12520,7 @@
 </p:sld>
 </file>
 
-<file path=ppt/slides/slide19.xml><?xml version="1.0" encoding="utf-8"?>
+<file path=ppt/slides/slide26.xml><?xml version="1.0" encoding="utf-8"?>
 <p:sld xmlns:a="http://schemas.openxmlformats.org/drawingml/2006/main" xmlns:r="http://schemas.openxmlformats.org/officeDocument/2006/relationships" xmlns:p="http://schemas.openxmlformats.org/presentationml/2006/main">
   <p:cSld>
     <p:spTree>
@@ -9958,282 +12573,7 @@
 </p:sld>
 </file>
 
-<file path=ppt/slides/slide2.xml><?xml version="1.0" encoding="utf-8"?>
-<p:sld xmlns:a="http://schemas.openxmlformats.org/drawingml/2006/main" xmlns:r="http://schemas.openxmlformats.org/officeDocument/2006/relationships" xmlns:p="http://schemas.openxmlformats.org/presentationml/2006/main">
-  <p:cSld>
-    <p:spTree>
-      <p:nvGrpSpPr>
-        <p:cNvPr id="1" name=""/>
-        <p:cNvGrpSpPr/>
-        <p:nvPr/>
-      </p:nvGrpSpPr>
-      <p:grpSpPr>
-        <a:xfrm>
-          <a:off x="0" y="0"/>
-          <a:ext cx="0" cy="0"/>
-          <a:chOff x="0" y="0"/>
-          <a:chExt cx="0" cy="0"/>
-        </a:xfrm>
-      </p:grpSpPr>
-      <p:sp>
-        <p:nvSpPr>
-          <p:cNvPr id="4" name="Title 3"/>
-          <p:cNvSpPr>
-            <a:spLocks noGrp="1"/>
-          </p:cNvSpPr>
-          <p:nvPr>
-            <p:ph type="title"/>
-          </p:nvPr>
-        </p:nvSpPr>
-        <p:spPr/>
-        <p:txBody>
-          <a:bodyPr>
-            <a:normAutofit fontScale="90000"/>
-          </a:bodyPr>
-          <a:lstStyle/>
-          <a:p>
-            <a:r>
-              <a:rPr lang="en-CA" dirty="0" smtClean="0"/>
-              <a:t>Sometimes we need to perform an action more than once</a:t>
-            </a:r>
-            <a:endParaRPr lang="en-US" dirty="0"/>
-          </a:p>
-        </p:txBody>
-      </p:sp>
-      <p:sp>
-        <p:nvSpPr>
-          <p:cNvPr id="5" name="Content Placeholder 4"/>
-          <p:cNvSpPr>
-            <a:spLocks noGrp="1"/>
-          </p:cNvSpPr>
-          <p:nvPr>
-            <p:ph sz="quarter" idx="10"/>
-          </p:nvPr>
-        </p:nvSpPr>
-        <p:spPr/>
-        <p:txBody>
-          <a:bodyPr/>
-          <a:lstStyle/>
-          <a:p>
-            <a:r>
-              <a:rPr lang="en-CA" dirty="0" smtClean="0"/>
-              <a:t>Pour a cup of coffee for each guest</a:t>
-            </a:r>
-          </a:p>
-          <a:p>
-            <a:r>
-              <a:rPr lang="en-CA" dirty="0" smtClean="0"/>
-              <a:t>Wash the dishes until they are all clean</a:t>
-            </a:r>
-          </a:p>
-          <a:p>
-            <a:r>
-              <a:rPr lang="en-CA" dirty="0" smtClean="0"/>
-              <a:t>Make a name card for each guest attending a party</a:t>
-            </a:r>
-          </a:p>
-          <a:p>
-            <a:pPr marL="0" indent="0">
-              <a:buNone/>
-            </a:pPr>
-            <a:endParaRPr lang="en-US" dirty="0"/>
-          </a:p>
-        </p:txBody>
-      </p:sp>
-    </p:spTree>
-    <p:extLst>
-      <p:ext uri="{BB962C8B-B14F-4D97-AF65-F5344CB8AC3E}">
-        <p14:creationId xmlns:p14="http://schemas.microsoft.com/office/powerpoint/2010/main" val="1504497375"/>
-      </p:ext>
-    </p:extLst>
-  </p:cSld>
-  <p:clrMapOvr>
-    <a:masterClrMapping/>
-  </p:clrMapOvr>
-  <p:timing>
-    <p:tnLst>
-      <p:par>
-        <p:cTn id="1" dur="indefinite" restart="never" nodeType="tmRoot">
-          <p:childTnLst>
-            <p:seq concurrent="1" nextAc="seek">
-              <p:cTn id="2" dur="indefinite" nodeType="mainSeq">
-                <p:childTnLst>
-                  <p:par>
-                    <p:cTn id="3" fill="hold">
-                      <p:stCondLst>
-                        <p:cond delay="indefinite"/>
-                      </p:stCondLst>
-                      <p:childTnLst>
-                        <p:par>
-                          <p:cTn id="4" fill="hold">
-                            <p:stCondLst>
-                              <p:cond delay="0"/>
-                            </p:stCondLst>
-                            <p:childTnLst>
-                              <p:par>
-                                <p:cTn id="5" presetID="1" presetClass="entr" presetSubtype="0" fill="hold" grpId="0" nodeType="clickEffect">
-                                  <p:stCondLst>
-                                    <p:cond delay="0"/>
-                                  </p:stCondLst>
-                                  <p:childTnLst>
-                                    <p:set>
-                                      <p:cBhvr>
-                                        <p:cTn id="6" dur="1" fill="hold">
-                                          <p:stCondLst>
-                                            <p:cond delay="0"/>
-                                          </p:stCondLst>
-                                        </p:cTn>
-                                        <p:tgtEl>
-                                          <p:spTgt spid="5">
-                                            <p:txEl>
-                                              <p:pRg st="0" end="0"/>
-                                            </p:txEl>
-                                          </p:spTgt>
-                                        </p:tgtEl>
-                                        <p:attrNameLst>
-                                          <p:attrName>style.visibility</p:attrName>
-                                        </p:attrNameLst>
-                                      </p:cBhvr>
-                                      <p:to>
-                                        <p:strVal val="visible"/>
-                                      </p:to>
-                                    </p:set>
-                                  </p:childTnLst>
-                                </p:cTn>
-                              </p:par>
-                            </p:childTnLst>
-                          </p:cTn>
-                        </p:par>
-                      </p:childTnLst>
-                    </p:cTn>
-                  </p:par>
-                  <p:par>
-                    <p:cTn id="7" fill="hold">
-                      <p:stCondLst>
-                        <p:cond delay="indefinite"/>
-                      </p:stCondLst>
-                      <p:childTnLst>
-                        <p:par>
-                          <p:cTn id="8" fill="hold">
-                            <p:stCondLst>
-                              <p:cond delay="0"/>
-                            </p:stCondLst>
-                            <p:childTnLst>
-                              <p:par>
-                                <p:cTn id="9" presetID="1" presetClass="entr" presetSubtype="0" fill="hold" grpId="0" nodeType="clickEffect">
-                                  <p:stCondLst>
-                                    <p:cond delay="0"/>
-                                  </p:stCondLst>
-                                  <p:childTnLst>
-                                    <p:set>
-                                      <p:cBhvr>
-                                        <p:cTn id="10" dur="1" fill="hold">
-                                          <p:stCondLst>
-                                            <p:cond delay="0"/>
-                                          </p:stCondLst>
-                                        </p:cTn>
-                                        <p:tgtEl>
-                                          <p:spTgt spid="5">
-                                            <p:txEl>
-                                              <p:pRg st="1" end="1"/>
-                                            </p:txEl>
-                                          </p:spTgt>
-                                        </p:tgtEl>
-                                        <p:attrNameLst>
-                                          <p:attrName>style.visibility</p:attrName>
-                                        </p:attrNameLst>
-                                      </p:cBhvr>
-                                      <p:to>
-                                        <p:strVal val="visible"/>
-                                      </p:to>
-                                    </p:set>
-                                  </p:childTnLst>
-                                </p:cTn>
-                              </p:par>
-                            </p:childTnLst>
-                          </p:cTn>
-                        </p:par>
-                      </p:childTnLst>
-                    </p:cTn>
-                  </p:par>
-                  <p:par>
-                    <p:cTn id="11" fill="hold">
-                      <p:stCondLst>
-                        <p:cond delay="indefinite"/>
-                      </p:stCondLst>
-                      <p:childTnLst>
-                        <p:par>
-                          <p:cTn id="12" fill="hold">
-                            <p:stCondLst>
-                              <p:cond delay="0"/>
-                            </p:stCondLst>
-                            <p:childTnLst>
-                              <p:par>
-                                <p:cTn id="13" presetID="1" presetClass="entr" presetSubtype="0" fill="hold" grpId="0" nodeType="clickEffect">
-                                  <p:stCondLst>
-                                    <p:cond delay="0"/>
-                                  </p:stCondLst>
-                                  <p:childTnLst>
-                                    <p:set>
-                                      <p:cBhvr>
-                                        <p:cTn id="14" dur="1" fill="hold">
-                                          <p:stCondLst>
-                                            <p:cond delay="0"/>
-                                          </p:stCondLst>
-                                        </p:cTn>
-                                        <p:tgtEl>
-                                          <p:spTgt spid="5">
-                                            <p:txEl>
-                                              <p:pRg st="2" end="2"/>
-                                            </p:txEl>
-                                          </p:spTgt>
-                                        </p:tgtEl>
-                                        <p:attrNameLst>
-                                          <p:attrName>style.visibility</p:attrName>
-                                        </p:attrNameLst>
-                                      </p:cBhvr>
-                                      <p:to>
-                                        <p:strVal val="visible"/>
-                                      </p:to>
-                                    </p:set>
-                                  </p:childTnLst>
-                                </p:cTn>
-                              </p:par>
-                            </p:childTnLst>
-                          </p:cTn>
-                        </p:par>
-                      </p:childTnLst>
-                    </p:cTn>
-                  </p:par>
-                </p:childTnLst>
-              </p:cTn>
-              <p:prevCondLst>
-                <p:cond evt="onPrev" delay="0">
-                  <p:tgtEl>
-                    <p:sldTgt/>
-                  </p:tgtEl>
-                </p:cond>
-              </p:prevCondLst>
-              <p:nextCondLst>
-                <p:cond evt="onNext" delay="0">
-                  <p:tgtEl>
-                    <p:sldTgt/>
-                  </p:tgtEl>
-                </p:cond>
-              </p:nextCondLst>
-            </p:seq>
-          </p:childTnLst>
-        </p:cTn>
-      </p:par>
-    </p:tnLst>
-    <p:bldLst>
-      <p:bldP spid="5" grpId="0" build="p"/>
-    </p:bldLst>
-  </p:timing>
-</p:sld>
-</file>
-
-<file path=ppt/slides/slide20.xml><?xml version="1.0" encoding="utf-8"?>
+<file path=ppt/slides/slide27.xml><?xml version="1.0" encoding="utf-8"?>
 <p:sld xmlns:a="http://schemas.openxmlformats.org/drawingml/2006/main" xmlns:r="http://schemas.openxmlformats.org/officeDocument/2006/relationships" xmlns:p="http://schemas.openxmlformats.org/presentationml/2006/main">
   <p:cSld>
     <p:spTree>
@@ -10305,7 +12645,7 @@
 </p:sld>
 </file>
 
-<file path=ppt/slides/slide21.xml><?xml version="1.0" encoding="utf-8"?>
+<file path=ppt/slides/slide28.xml><?xml version="1.0" encoding="utf-8"?>
 <p:sld xmlns:a="http://schemas.openxmlformats.org/drawingml/2006/main" xmlns:r="http://schemas.openxmlformats.org/officeDocument/2006/relationships" xmlns:p="http://schemas.openxmlformats.org/presentationml/2006/main">
   <p:cSld>
     <p:spTree>
@@ -11113,7 +13453,7 @@
 </p:sld>
 </file>
 
-<file path=ppt/slides/slide22.xml><?xml version="1.0" encoding="utf-8"?>
+<file path=ppt/slides/slide29.xml><?xml version="1.0" encoding="utf-8"?>
 <p:sld xmlns:a="http://schemas.openxmlformats.org/drawingml/2006/main" xmlns:r="http://schemas.openxmlformats.org/officeDocument/2006/relationships" xmlns:p="http://schemas.openxmlformats.org/presentationml/2006/main">
   <p:cSld>
     <p:spTree>
@@ -11848,7 +14188,210 @@
 </p:sld>
 </file>
 
-<file path=ppt/slides/slide23.xml><?xml version="1.0" encoding="utf-8"?>
+<file path=ppt/slides/slide3.xml><?xml version="1.0" encoding="utf-8"?>
+<p:sld xmlns:a="http://schemas.openxmlformats.org/drawingml/2006/main" xmlns:r="http://schemas.openxmlformats.org/officeDocument/2006/relationships" xmlns:p="http://schemas.openxmlformats.org/presentationml/2006/main">
+  <p:cSld>
+    <p:spTree>
+      <p:nvGrpSpPr>
+        <p:cNvPr id="1" name=""/>
+        <p:cNvGrpSpPr/>
+        <p:nvPr/>
+      </p:nvGrpSpPr>
+      <p:grpSpPr>
+        <a:xfrm>
+          <a:off x="0" y="0"/>
+          <a:ext cx="0" cy="0"/>
+          <a:chOff x="0" y="0"/>
+          <a:chExt cx="0" cy="0"/>
+        </a:xfrm>
+      </p:grpSpPr>
+      <p:sp>
+        <p:nvSpPr>
+          <p:cNvPr id="2" name="Title 1"/>
+          <p:cNvSpPr>
+            <a:spLocks noGrp="1"/>
+          </p:cNvSpPr>
+          <p:nvPr>
+            <p:ph type="title"/>
+          </p:nvPr>
+        </p:nvSpPr>
+        <p:spPr/>
+        <p:txBody>
+          <a:bodyPr/>
+          <a:lstStyle/>
+          <a:p>
+            <a:r>
+              <a:rPr lang="en-US" sz="4000" dirty="0" smtClean="0"/>
+              <a:t>Meet Christopher Harrison | ‏@</a:t>
+            </a:r>
+            <a:r>
+              <a:rPr lang="en-US" sz="4000" dirty="0" err="1" smtClean="0"/>
+              <a:t>geektrainer</a:t>
+            </a:r>
+            <a:r>
+              <a:rPr lang="en-US" dirty="0" smtClean="0"/>
+              <a:t> </a:t>
+            </a:r>
+            <a:endParaRPr lang="en-US" dirty="0"/>
+          </a:p>
+        </p:txBody>
+      </p:sp>
+      <p:sp>
+        <p:nvSpPr>
+          <p:cNvPr id="7" name="Content Placeholder 6"/>
+          <p:cNvSpPr>
+            <a:spLocks noGrp="1"/>
+          </p:cNvSpPr>
+          <p:nvPr>
+            <p:ph idx="10"/>
+          </p:nvPr>
+        </p:nvSpPr>
+        <p:spPr/>
+        <p:txBody>
+          <a:bodyPr/>
+          <a:lstStyle/>
+          <a:p>
+            <a:pPr marL="0" indent="0">
+              <a:buNone/>
+            </a:pPr>
+            <a:r>
+              <a:rPr lang="en-US" dirty="0" smtClean="0"/>
+              <a:t>Content Developer</a:t>
+            </a:r>
+          </a:p>
+          <a:p>
+            <a:pPr marL="457046" lvl="1" indent="0">
+              <a:buNone/>
+            </a:pPr>
+            <a:r>
+              <a:rPr lang="en-US" dirty="0" smtClean="0"/>
+              <a:t>Focused on ASP.NET and Office 365 development</a:t>
+            </a:r>
+          </a:p>
+          <a:p>
+            <a:pPr marL="457046" lvl="1" indent="0">
+              <a:buNone/>
+            </a:pPr>
+            <a:r>
+              <a:rPr lang="en-US" dirty="0" smtClean="0"/>
+              <a:t>Microsoft Certified Trainer</a:t>
+            </a:r>
+          </a:p>
+          <a:p>
+            <a:pPr marL="457046" lvl="1" indent="0">
+              <a:buNone/>
+            </a:pPr>
+            <a:r>
+              <a:rPr lang="en-US" dirty="0" smtClean="0"/>
+              <a:t>Still misses his Commodore 64</a:t>
+            </a:r>
+          </a:p>
+          <a:p>
+            <a:pPr marL="0" indent="0">
+              <a:buNone/>
+            </a:pPr>
+            <a:r>
+              <a:rPr lang="en-US" dirty="0" smtClean="0"/>
+              <a:t>Long time geek</a:t>
+            </a:r>
+          </a:p>
+          <a:p>
+            <a:pPr marL="457046" lvl="1" indent="0">
+              <a:buNone/>
+            </a:pPr>
+            <a:r>
+              <a:rPr lang="en-US" dirty="0" smtClean="0"/>
+              <a:t>Regular presenter at TechEd</a:t>
+            </a:r>
+          </a:p>
+          <a:p>
+            <a:pPr marL="457046" lvl="1" indent="0">
+              <a:buNone/>
+            </a:pPr>
+            <a:r>
+              <a:rPr lang="en-US" dirty="0" smtClean="0"/>
+              <a:t>Periodic blogger</a:t>
+            </a:r>
+          </a:p>
+          <a:p>
+            <a:pPr marL="457046" lvl="1" indent="0">
+              <a:buNone/>
+            </a:pPr>
+            <a:r>
+              <a:rPr lang="en-US" dirty="0" smtClean="0"/>
+              <a:t>Certification advocate</a:t>
+            </a:r>
+          </a:p>
+          <a:p>
+            <a:pPr marL="457046" lvl="1" indent="0">
+              <a:buNone/>
+            </a:pPr>
+            <a:r>
+              <a:rPr lang="en-US" dirty="0" smtClean="0"/>
+              <a:t>Marathoner, husband, father of one four legged child</a:t>
+            </a:r>
+          </a:p>
+        </p:txBody>
+      </p:sp>
+      <p:pic>
+        <p:nvPicPr>
+          <p:cNvPr id="3" name="Picture 2"/>
+          <p:cNvPicPr>
+            <a:picLocks noChangeAspect="1"/>
+          </p:cNvPicPr>
+          <p:nvPr/>
+        </p:nvPicPr>
+        <p:blipFill>
+          <a:blip r:embed="rId3" cstate="print">
+            <a:extLst>
+              <a:ext uri="{28A0092B-C50C-407E-A947-70E740481C1C}">
+                <a14:useLocalDpi xmlns:a14="http://schemas.microsoft.com/office/drawing/2010/main" val="0"/>
+              </a:ext>
+            </a:extLst>
+          </a:blip>
+          <a:stretch>
+            <a:fillRect/>
+          </a:stretch>
+        </p:blipFill>
+        <p:spPr>
+          <a:xfrm>
+            <a:off x="9462977" y="0"/>
+            <a:ext cx="2729023" cy="2729023"/>
+          </a:xfrm>
+          <a:prstGeom prst="rect">
+            <a:avLst/>
+          </a:prstGeom>
+        </p:spPr>
+      </p:pic>
+    </p:spTree>
+    <p:extLst>
+      <p:ext uri="{BB962C8B-B14F-4D97-AF65-F5344CB8AC3E}">
+        <p14:creationId xmlns:p14="http://schemas.microsoft.com/office/powerpoint/2010/main" val="2458444012"/>
+      </p:ext>
+    </p:extLst>
+  </p:cSld>
+  <p:clrMapOvr>
+    <a:masterClrMapping/>
+  </p:clrMapOvr>
+  <mc:AlternateContent xmlns:mc="http://schemas.openxmlformats.org/markup-compatibility/2006">
+    <mc:Choice xmlns:p14="http://schemas.microsoft.com/office/powerpoint/2010/main" Requires="p14">
+      <p:transition spd="slow" p14:dur="2000"/>
+    </mc:Choice>
+    <mc:Fallback>
+      <p:transition spd="slow"/>
+    </mc:Fallback>
+  </mc:AlternateContent>
+  <p:timing>
+    <p:tnLst>
+      <p:par>
+        <p:cTn id="1" dur="indefinite" restart="never" nodeType="tmRoot"/>
+      </p:par>
+    </p:tnLst>
+  </p:timing>
+</p:sld>
+</file>
+
+<file path=ppt/slides/slide30.xml><?xml version="1.0" encoding="utf-8"?>
 <p:sld xmlns:a="http://schemas.openxmlformats.org/drawingml/2006/main" xmlns:r="http://schemas.openxmlformats.org/officeDocument/2006/relationships" xmlns:p="http://schemas.openxmlformats.org/presentationml/2006/main">
   <p:cSld>
     <p:spTree>
@@ -12864,7 +15407,7 @@
 </p:sld>
 </file>
 
-<file path=ppt/slides/slide24.xml><?xml version="1.0" encoding="utf-8"?>
+<file path=ppt/slides/slide31.xml><?xml version="1.0" encoding="utf-8"?>
 <p:sld xmlns:a="http://schemas.openxmlformats.org/drawingml/2006/main" xmlns:r="http://schemas.openxmlformats.org/officeDocument/2006/relationships" xmlns:p="http://schemas.openxmlformats.org/presentationml/2006/main">
   <p:cSld>
     <p:spTree>
@@ -12917,7 +15460,7 @@
 </p:sld>
 </file>
 
-<file path=ppt/slides/slide25.xml><?xml version="1.0" encoding="utf-8"?>
+<file path=ppt/slides/slide32.xml><?xml version="1.0" encoding="utf-8"?>
 <p:sld xmlns:a="http://schemas.openxmlformats.org/drawingml/2006/main" xmlns:r="http://schemas.openxmlformats.org/officeDocument/2006/relationships" xmlns:p="http://schemas.openxmlformats.org/presentationml/2006/main">
   <p:cSld>
     <p:spTree>
@@ -12989,7 +15532,7 @@
 </p:sld>
 </file>
 
-<file path=ppt/slides/slide26.xml><?xml version="1.0" encoding="utf-8"?>
+<file path=ppt/slides/slide33.xml><?xml version="1.0" encoding="utf-8"?>
 <p:sld xmlns:a="http://schemas.openxmlformats.org/drawingml/2006/main" xmlns:r="http://schemas.openxmlformats.org/officeDocument/2006/relationships" xmlns:p="http://schemas.openxmlformats.org/presentationml/2006/main">
   <p:cSld>
     <p:spTree>
@@ -13597,7 +16140,7 @@
 </p:sld>
 </file>
 
-<file path=ppt/slides/slide27.xml><?xml version="1.0" encoding="utf-8"?>
+<file path=ppt/slides/slide34.xml><?xml version="1.0" encoding="utf-8"?>
 <p:sld xmlns:a="http://schemas.openxmlformats.org/drawingml/2006/main" xmlns:r="http://schemas.openxmlformats.org/officeDocument/2006/relationships" xmlns:p="http://schemas.openxmlformats.org/presentationml/2006/main">
   <p:cSld>
     <p:spTree>
@@ -14131,7 +16674,7 @@
 </p:sld>
 </file>
 
-<file path=ppt/slides/slide28.xml><?xml version="1.0" encoding="utf-8"?>
+<file path=ppt/slides/slide35.xml><?xml version="1.0" encoding="utf-8"?>
 <p:sld xmlns:a="http://schemas.openxmlformats.org/drawingml/2006/main" xmlns:r="http://schemas.openxmlformats.org/officeDocument/2006/relationships" xmlns:p="http://schemas.openxmlformats.org/presentationml/2006/main">
   <p:cSld>
     <p:spTree>
@@ -14564,7 +17107,7 @@
 </p:sld>
 </file>
 
-<file path=ppt/slides/slide29.xml><?xml version="1.0" encoding="utf-8"?>
+<file path=ppt/slides/slide36.xml><?xml version="1.0" encoding="utf-8"?>
 <p:sld xmlns:a="http://schemas.openxmlformats.org/drawingml/2006/main" xmlns:r="http://schemas.openxmlformats.org/officeDocument/2006/relationships" xmlns:p="http://schemas.openxmlformats.org/presentationml/2006/main">
   <p:cSld>
     <p:spTree>
@@ -15172,222 +17715,7 @@
 </p:sld>
 </file>
 
-<file path=ppt/slides/slide3.xml><?xml version="1.0" encoding="utf-8"?>
-<p:sld xmlns:a="http://schemas.openxmlformats.org/drawingml/2006/main" xmlns:r="http://schemas.openxmlformats.org/officeDocument/2006/relationships" xmlns:p="http://schemas.openxmlformats.org/presentationml/2006/main">
-  <p:cSld>
-    <p:spTree>
-      <p:nvGrpSpPr>
-        <p:cNvPr id="1" name=""/>
-        <p:cNvGrpSpPr/>
-        <p:nvPr/>
-      </p:nvGrpSpPr>
-      <p:grpSpPr>
-        <a:xfrm>
-          <a:off x="0" y="0"/>
-          <a:ext cx="0" cy="0"/>
-          <a:chOff x="0" y="0"/>
-          <a:chExt cx="0" cy="0"/>
-        </a:xfrm>
-      </p:grpSpPr>
-      <p:sp>
-        <p:nvSpPr>
-          <p:cNvPr id="2" name="Title 1"/>
-          <p:cNvSpPr>
-            <a:spLocks noGrp="1"/>
-          </p:cNvSpPr>
-          <p:nvPr>
-            <p:ph type="title"/>
-          </p:nvPr>
-        </p:nvSpPr>
-        <p:spPr/>
-        <p:txBody>
-          <a:bodyPr>
-            <a:normAutofit/>
-          </a:bodyPr>
-          <a:lstStyle/>
-          <a:p>
-            <a:r>
-              <a:rPr lang="en-CA" dirty="0" smtClean="0"/>
-              <a:t>In code, we use loops to repeat a task</a:t>
-            </a:r>
-            <a:endParaRPr lang="en-US" dirty="0"/>
-          </a:p>
-        </p:txBody>
-      </p:sp>
-      <p:sp>
-        <p:nvSpPr>
-          <p:cNvPr id="4" name="Content Placeholder 3"/>
-          <p:cNvSpPr>
-            <a:spLocks noGrp="1"/>
-          </p:cNvSpPr>
-          <p:nvPr>
-            <p:ph sz="quarter" idx="10"/>
-          </p:nvPr>
-        </p:nvSpPr>
-        <p:spPr/>
-        <p:txBody>
-          <a:bodyPr/>
-          <a:lstStyle/>
-          <a:p>
-            <a:r>
-              <a:rPr lang="en-CA" dirty="0" smtClean="0"/>
-              <a:t>We are going to have some fun in this module by drawing objects</a:t>
-            </a:r>
-          </a:p>
-          <a:p>
-            <a:r>
-              <a:rPr lang="en-CA" dirty="0" smtClean="0"/>
-              <a:t>We will use loops to draw some of our objects</a:t>
-            </a:r>
-            <a:endParaRPr lang="en-US" dirty="0"/>
-          </a:p>
-        </p:txBody>
-      </p:sp>
-    </p:spTree>
-    <p:extLst>
-      <p:ext uri="{BB962C8B-B14F-4D97-AF65-F5344CB8AC3E}">
-        <p14:creationId xmlns:p14="http://schemas.microsoft.com/office/powerpoint/2010/main" val="1097810097"/>
-      </p:ext>
-    </p:extLst>
-  </p:cSld>
-  <p:clrMapOvr>
-    <a:masterClrMapping/>
-  </p:clrMapOvr>
-  <p:timing>
-    <p:tnLst>
-      <p:par>
-        <p:cTn id="1" dur="indefinite" restart="never" nodeType="tmRoot">
-          <p:childTnLst>
-            <p:seq concurrent="1" nextAc="seek">
-              <p:cTn id="2" dur="indefinite" nodeType="mainSeq">
-                <p:childTnLst>
-                  <p:par>
-                    <p:cTn id="3" fill="hold">
-                      <p:stCondLst>
-                        <p:cond delay="indefinite"/>
-                      </p:stCondLst>
-                      <p:childTnLst>
-                        <p:par>
-                          <p:cTn id="4" fill="hold">
-                            <p:stCondLst>
-                              <p:cond delay="0"/>
-                            </p:stCondLst>
-                            <p:childTnLst>
-                              <p:par>
-                                <p:cTn id="5" presetID="1" presetClass="entr" presetSubtype="0" fill="hold" grpId="0" nodeType="clickEffect">
-                                  <p:stCondLst>
-                                    <p:cond delay="0"/>
-                                  </p:stCondLst>
-                                  <p:childTnLst>
-                                    <p:set>
-                                      <p:cBhvr>
-                                        <p:cTn id="6" dur="1" fill="hold">
-                                          <p:stCondLst>
-                                            <p:cond delay="0"/>
-                                          </p:stCondLst>
-                                        </p:cTn>
-                                        <p:tgtEl>
-                                          <p:spTgt spid="4">
-                                            <p:txEl>
-                                              <p:pRg st="0" end="0"/>
-                                            </p:txEl>
-                                          </p:spTgt>
-                                        </p:tgtEl>
-                                        <p:attrNameLst>
-                                          <p:attrName>style.visibility</p:attrName>
-                                        </p:attrNameLst>
-                                      </p:cBhvr>
-                                      <p:to>
-                                        <p:strVal val="visible"/>
-                                      </p:to>
-                                    </p:set>
-                                  </p:childTnLst>
-                                </p:cTn>
-                              </p:par>
-                            </p:childTnLst>
-                          </p:cTn>
-                        </p:par>
-                      </p:childTnLst>
-                    </p:cTn>
-                  </p:par>
-                  <p:par>
-                    <p:cTn id="7" fill="hold">
-                      <p:stCondLst>
-                        <p:cond delay="indefinite"/>
-                      </p:stCondLst>
-                      <p:childTnLst>
-                        <p:par>
-                          <p:cTn id="8" fill="hold">
-                            <p:stCondLst>
-                              <p:cond delay="0"/>
-                            </p:stCondLst>
-                            <p:childTnLst>
-                              <p:par>
-                                <p:cTn id="9" presetID="1" presetClass="entr" presetSubtype="0" fill="hold" grpId="0" nodeType="clickEffect">
-                                  <p:stCondLst>
-                                    <p:cond delay="0"/>
-                                  </p:stCondLst>
-                                  <p:childTnLst>
-                                    <p:set>
-                                      <p:cBhvr>
-                                        <p:cTn id="10" dur="1" fill="hold">
-                                          <p:stCondLst>
-                                            <p:cond delay="0"/>
-                                          </p:stCondLst>
-                                        </p:cTn>
-                                        <p:tgtEl>
-                                          <p:spTgt spid="4">
-                                            <p:txEl>
-                                              <p:pRg st="1" end="1"/>
-                                            </p:txEl>
-                                          </p:spTgt>
-                                        </p:tgtEl>
-                                        <p:attrNameLst>
-                                          <p:attrName>style.visibility</p:attrName>
-                                        </p:attrNameLst>
-                                      </p:cBhvr>
-                                      <p:to>
-                                        <p:strVal val="visible"/>
-                                      </p:to>
-                                    </p:set>
-                                  </p:childTnLst>
-                                </p:cTn>
-                              </p:par>
-                            </p:childTnLst>
-                          </p:cTn>
-                        </p:par>
-                      </p:childTnLst>
-                    </p:cTn>
-                  </p:par>
-                </p:childTnLst>
-              </p:cTn>
-              <p:prevCondLst>
-                <p:cond evt="onPrev" delay="0">
-                  <p:tgtEl>
-                    <p:sldTgt/>
-                  </p:tgtEl>
-                </p:cond>
-              </p:prevCondLst>
-              <p:nextCondLst>
-                <p:cond evt="onNext" delay="0">
-                  <p:tgtEl>
-                    <p:sldTgt/>
-                  </p:tgtEl>
-                </p:cond>
-              </p:nextCondLst>
-            </p:seq>
-          </p:childTnLst>
-        </p:cTn>
-      </p:par>
-    </p:tnLst>
-    <p:bldLst>
-      <p:bldP spid="4" grpId="0" build="p"/>
-    </p:bldLst>
-  </p:timing>
-</p:sld>
-</file>
-
-<file path=ppt/slides/slide30.xml><?xml version="1.0" encoding="utf-8"?>
+<file path=ppt/slides/slide37.xml><?xml version="1.0" encoding="utf-8"?>
 <p:sld xmlns:a="http://schemas.openxmlformats.org/drawingml/2006/main" xmlns:r="http://schemas.openxmlformats.org/officeDocument/2006/relationships" xmlns:p="http://schemas.openxmlformats.org/presentationml/2006/main">
   <p:cSld>
     <p:spTree>
@@ -16149,7 +18477,7 @@
 </p:sld>
 </file>
 
-<file path=ppt/slides/slide31.xml><?xml version="1.0" encoding="utf-8"?>
+<file path=ppt/slides/slide38.xml><?xml version="1.0" encoding="utf-8"?>
 <p:sld xmlns:a="http://schemas.openxmlformats.org/drawingml/2006/main" xmlns:r="http://schemas.openxmlformats.org/officeDocument/2006/relationships" xmlns:p="http://schemas.openxmlformats.org/presentationml/2006/main">
   <p:cSld>
     <p:spTree>
@@ -16202,7 +18530,7 @@
 </p:sld>
 </file>
 
-<file path=ppt/slides/slide32.xml><?xml version="1.0" encoding="utf-8"?>
+<file path=ppt/slides/slide39.xml><?xml version="1.0" encoding="utf-8"?>
 <p:sld xmlns:a="http://schemas.openxmlformats.org/drawingml/2006/main" xmlns:r="http://schemas.openxmlformats.org/officeDocument/2006/relationships" xmlns:p="http://schemas.openxmlformats.org/presentationml/2006/main">
   <p:cSld>
     <p:spTree>
@@ -16974,7 +19302,368 @@
 </p:sld>
 </file>
 
-<file path=ppt/slides/slide33.xml><?xml version="1.0" encoding="utf-8"?>
+<file path=ppt/slides/slide4.xml><?xml version="1.0" encoding="utf-8"?>
+<p:sld xmlns:a="http://schemas.openxmlformats.org/drawingml/2006/main" xmlns:r="http://schemas.openxmlformats.org/officeDocument/2006/relationships" xmlns:p="http://schemas.openxmlformats.org/presentationml/2006/main">
+  <p:cSld>
+    <p:spTree>
+      <p:nvGrpSpPr>
+        <p:cNvPr id="1" name=""/>
+        <p:cNvGrpSpPr/>
+        <p:nvPr/>
+      </p:nvGrpSpPr>
+      <p:grpSpPr>
+        <a:xfrm>
+          <a:off x="0" y="0"/>
+          <a:ext cx="0" cy="0"/>
+          <a:chOff x="0" y="0"/>
+          <a:chExt cx="0" cy="0"/>
+        </a:xfrm>
+      </p:grpSpPr>
+      <p:sp>
+        <p:nvSpPr>
+          <p:cNvPr id="2" name="Title 1"/>
+          <p:cNvSpPr>
+            <a:spLocks noGrp="1"/>
+          </p:cNvSpPr>
+          <p:nvPr>
+            <p:ph type="title"/>
+          </p:nvPr>
+        </p:nvSpPr>
+        <p:spPr/>
+        <p:txBody>
+          <a:bodyPr>
+            <a:normAutofit/>
+          </a:bodyPr>
+          <a:lstStyle/>
+          <a:p>
+            <a:pPr lvl="0"/>
+            <a:r>
+              <a:rPr lang="en-US" dirty="0" smtClean="0"/>
+              <a:t>Course Topics</a:t>
+            </a:r>
+            <a:endParaRPr lang="en-US" dirty="0"/>
+          </a:p>
+        </p:txBody>
+      </p:sp>
+      <p:graphicFrame>
+        <p:nvGraphicFramePr>
+          <p:cNvPr id="4" name="Content Placeholder 3"/>
+          <p:cNvGraphicFramePr>
+            <a:graphicFrameLocks noGrp="1"/>
+          </p:cNvGraphicFramePr>
+          <p:nvPr>
+            <p:ph sz="quarter" idx="10"/>
+            <p:extLst/>
+          </p:nvPr>
+        </p:nvGraphicFramePr>
+        <p:xfrm>
+          <a:off x="379413" y="1417636"/>
+          <a:ext cx="11525250" cy="3838160"/>
+        </p:xfrm>
+        <a:graphic>
+          <a:graphicData uri="http://schemas.openxmlformats.org/drawingml/2006/table">
+            <a:tbl>
+              <a:tblPr firstRow="1" bandRow="1">
+                <a:tableStyleId>{5C22544A-7EE6-4342-B048-85BDC9FD1C3A}</a:tableStyleId>
+              </a:tblPr>
+              <a:tblGrid>
+                <a:gridCol w="5762625">
+                  <a:extLst>
+                    <a:ext uri="{9D8B030D-6E8A-4147-A177-3AD203B41FA5}">
+                      <a16:colId xmlns:a16="http://schemas.microsoft.com/office/drawing/2014/main" xmlns="" val="1632794655"/>
+                    </a:ext>
+                  </a:extLst>
+                </a:gridCol>
+                <a:gridCol w="5762625">
+                  <a:extLst>
+                    <a:ext uri="{9D8B030D-6E8A-4147-A177-3AD203B41FA5}">
+                      <a16:colId xmlns:a16="http://schemas.microsoft.com/office/drawing/2014/main" xmlns="" val="2011313899"/>
+                    </a:ext>
+                  </a:extLst>
+                </a:gridCol>
+              </a:tblGrid>
+              <a:tr h="767632">
+                <a:tc gridSpan="2">
+                  <a:txBody>
+                    <a:bodyPr/>
+                    <a:lstStyle/>
+                    <a:p>
+                      <a:r>
+                        <a:rPr lang="en-US" sz="3600" dirty="0" smtClean="0">
+                          <a:latin typeface="Segoe UI Light" panose="020B0502040204020203" pitchFamily="34" charset="0"/>
+                          <a:cs typeface="Segoe UI Light" panose="020B0502040204020203" pitchFamily="34" charset="0"/>
+                        </a:rPr>
+                        <a:t>Introduction to Programming using Python  - Day One</a:t>
+                      </a:r>
+                      <a:endParaRPr lang="en-US" sz="3600" dirty="0">
+                        <a:latin typeface="Segoe UI Light" panose="020B0502040204020203" pitchFamily="34" charset="0"/>
+                        <a:cs typeface="Segoe UI Light" panose="020B0502040204020203" pitchFamily="34" charset="0"/>
+                      </a:endParaRPr>
+                    </a:p>
+                  </a:txBody>
+                  <a:tcPr anchor="ctr"/>
+                </a:tc>
+                <a:tc hMerge="1">
+                  <a:txBody>
+                    <a:bodyPr/>
+                    <a:lstStyle/>
+                    <a:p>
+                      <a:endParaRPr lang="en-US" dirty="0"/>
+                    </a:p>
+                  </a:txBody>
+                  <a:tcPr/>
+                </a:tc>
+                <a:extLst>
+                  <a:ext uri="{0D108BD9-81ED-4DB2-BD59-A6C34878D82A}">
+                    <a16:rowId xmlns:a16="http://schemas.microsoft.com/office/drawing/2014/main" xmlns="" val="1789177411"/>
+                  </a:ext>
+                </a:extLst>
+              </a:tr>
+              <a:tr h="767632">
+                <a:tc>
+                  <a:txBody>
+                    <a:bodyPr/>
+                    <a:lstStyle/>
+                    <a:p>
+                      <a:r>
+                        <a:rPr lang="en-US" sz="2400" dirty="0" smtClean="0">
+                          <a:latin typeface="Segoe UI Light" panose="020B0502040204020203" pitchFamily="34" charset="0"/>
+                          <a:cs typeface="Segoe UI Light" panose="020B0502040204020203" pitchFamily="34" charset="0"/>
+                        </a:rPr>
+                        <a:t>01 | Getting started</a:t>
+                      </a:r>
+                      <a:endParaRPr lang="en-US" sz="2400" dirty="0">
+                        <a:latin typeface="Segoe UI Light" panose="020B0502040204020203" pitchFamily="34" charset="0"/>
+                        <a:cs typeface="Segoe UI Light" panose="020B0502040204020203" pitchFamily="34" charset="0"/>
+                      </a:endParaRPr>
+                    </a:p>
+                  </a:txBody>
+                  <a:tcPr anchor="ctr"/>
+                </a:tc>
+                <a:tc>
+                  <a:txBody>
+                    <a:bodyPr/>
+                    <a:lstStyle/>
+                    <a:p>
+                      <a:r>
+                        <a:rPr lang="en-US" sz="2400" dirty="0" smtClean="0">
+                          <a:latin typeface="Segoe UI Light" panose="020B0502040204020203" pitchFamily="34" charset="0"/>
+                          <a:cs typeface="Segoe UI Light" panose="020B0502040204020203" pitchFamily="34" charset="0"/>
+                        </a:rPr>
+                        <a:t>05 | Working with</a:t>
+                      </a:r>
+                      <a:r>
+                        <a:rPr lang="en-US" sz="2400" baseline="0" dirty="0" smtClean="0">
+                          <a:latin typeface="Segoe UI Light" panose="020B0502040204020203" pitchFamily="34" charset="0"/>
+                          <a:cs typeface="Segoe UI Light" panose="020B0502040204020203" pitchFamily="34" charset="0"/>
+                        </a:rPr>
+                        <a:t> dates and times</a:t>
+                      </a:r>
+                      <a:endParaRPr lang="en-US" sz="2400" dirty="0">
+                        <a:latin typeface="Segoe UI Light" panose="020B0502040204020203" pitchFamily="34" charset="0"/>
+                        <a:cs typeface="Segoe UI Light" panose="020B0502040204020203" pitchFamily="34" charset="0"/>
+                      </a:endParaRPr>
+                    </a:p>
+                  </a:txBody>
+                  <a:tcPr anchor="ctr"/>
+                </a:tc>
+                <a:extLst>
+                  <a:ext uri="{0D108BD9-81ED-4DB2-BD59-A6C34878D82A}">
+                    <a16:rowId xmlns:a16="http://schemas.microsoft.com/office/drawing/2014/main" xmlns="" val="3842815335"/>
+                  </a:ext>
+                </a:extLst>
+              </a:tr>
+              <a:tr h="767632">
+                <a:tc>
+                  <a:txBody>
+                    <a:bodyPr/>
+                    <a:lstStyle/>
+                    <a:p>
+                      <a:r>
+                        <a:rPr lang="en-US" sz="2400" dirty="0" smtClean="0">
+                          <a:latin typeface="Segoe UI Light" panose="020B0502040204020203" pitchFamily="34" charset="0"/>
+                          <a:cs typeface="Segoe UI Light" panose="020B0502040204020203" pitchFamily="34" charset="0"/>
+                        </a:rPr>
+                        <a:t>02 | Displaying text</a:t>
+                      </a:r>
+                      <a:endParaRPr lang="en-US" sz="2400" dirty="0">
+                        <a:latin typeface="Segoe UI Light" panose="020B0502040204020203" pitchFamily="34" charset="0"/>
+                        <a:cs typeface="Segoe UI Light" panose="020B0502040204020203" pitchFamily="34" charset="0"/>
+                      </a:endParaRPr>
+                    </a:p>
+                  </a:txBody>
+                  <a:tcPr anchor="ctr"/>
+                </a:tc>
+                <a:tc>
+                  <a:txBody>
+                    <a:bodyPr/>
+                    <a:lstStyle/>
+                    <a:p>
+                      <a:r>
+                        <a:rPr lang="en-US" sz="2400" dirty="0" smtClean="0">
+                          <a:latin typeface="Segoe UI Light" panose="020B0502040204020203" pitchFamily="34" charset="0"/>
+                          <a:cs typeface="Segoe UI Light" panose="020B0502040204020203" pitchFamily="34" charset="0"/>
+                        </a:rPr>
+                        <a:t>06 | Making decisions with code</a:t>
+                      </a:r>
+                      <a:endParaRPr lang="en-US" sz="2400" dirty="0">
+                        <a:latin typeface="Segoe UI Light" panose="020B0502040204020203" pitchFamily="34" charset="0"/>
+                        <a:cs typeface="Segoe UI Light" panose="020B0502040204020203" pitchFamily="34" charset="0"/>
+                      </a:endParaRPr>
+                    </a:p>
+                  </a:txBody>
+                  <a:tcPr anchor="ctr"/>
+                </a:tc>
+                <a:extLst>
+                  <a:ext uri="{0D108BD9-81ED-4DB2-BD59-A6C34878D82A}">
+                    <a16:rowId xmlns:a16="http://schemas.microsoft.com/office/drawing/2014/main" xmlns="" val="321066646"/>
+                  </a:ext>
+                </a:extLst>
+              </a:tr>
+              <a:tr h="767632">
+                <a:tc>
+                  <a:txBody>
+                    <a:bodyPr/>
+                    <a:lstStyle/>
+                    <a:p>
+                      <a:pPr marL="0" marR="0" indent="0" algn="l" defTabSz="914088" rtl="0" eaLnBrk="1" fontAlgn="auto" latinLnBrk="0" hangingPunct="1">
+                        <a:lnSpc>
+                          <a:spcPct val="100000"/>
+                        </a:lnSpc>
+                        <a:spcBef>
+                          <a:spcPts val="0"/>
+                        </a:spcBef>
+                        <a:spcAft>
+                          <a:spcPts val="0"/>
+                        </a:spcAft>
+                        <a:buClrTx/>
+                        <a:buSzTx/>
+                        <a:buFontTx/>
+                        <a:buNone/>
+                        <a:tabLst/>
+                        <a:defRPr/>
+                      </a:pPr>
+                      <a:r>
+                        <a:rPr lang="en-US" sz="2400" dirty="0" smtClean="0">
+                          <a:latin typeface="Segoe UI Light" panose="020B0502040204020203" pitchFamily="34" charset="0"/>
+                          <a:cs typeface="Segoe UI Light" panose="020B0502040204020203" pitchFamily="34" charset="0"/>
+                        </a:rPr>
+                        <a:t>03</a:t>
+                      </a:r>
+                      <a:r>
+                        <a:rPr lang="en-US" sz="2400" baseline="0" dirty="0" smtClean="0">
+                          <a:latin typeface="Segoe UI Light" panose="020B0502040204020203" pitchFamily="34" charset="0"/>
+                          <a:cs typeface="Segoe UI Light" panose="020B0502040204020203" pitchFamily="34" charset="0"/>
+                        </a:rPr>
+                        <a:t> | String variables</a:t>
+                      </a:r>
+                      <a:endParaRPr lang="en-US" sz="2400" dirty="0" smtClean="0">
+                        <a:latin typeface="Segoe UI Light" panose="020B0502040204020203" pitchFamily="34" charset="0"/>
+                        <a:cs typeface="Segoe UI Light" panose="020B0502040204020203" pitchFamily="34" charset="0"/>
+                      </a:endParaRPr>
+                    </a:p>
+                  </a:txBody>
+                  <a:tcPr anchor="ctr"/>
+                </a:tc>
+                <a:tc>
+                  <a:txBody>
+                    <a:bodyPr/>
+                    <a:lstStyle/>
+                    <a:p>
+                      <a:r>
+                        <a:rPr lang="en-US" sz="2400" dirty="0" smtClean="0">
+                          <a:latin typeface="Segoe UI Light" panose="020B0502040204020203" pitchFamily="34" charset="0"/>
+                          <a:cs typeface="Segoe UI Light" panose="020B0502040204020203" pitchFamily="34" charset="0"/>
+                        </a:rPr>
+                        <a:t>07 | Complex decisions with code</a:t>
+                      </a:r>
+                      <a:endParaRPr lang="en-US" sz="2400" dirty="0">
+                        <a:latin typeface="Segoe UI Light" panose="020B0502040204020203" pitchFamily="34" charset="0"/>
+                        <a:cs typeface="Segoe UI Light" panose="020B0502040204020203" pitchFamily="34" charset="0"/>
+                      </a:endParaRPr>
+                    </a:p>
+                  </a:txBody>
+                  <a:tcPr anchor="ctr"/>
+                </a:tc>
+                <a:extLst>
+                  <a:ext uri="{0D108BD9-81ED-4DB2-BD59-A6C34878D82A}">
+                    <a16:rowId xmlns:a16="http://schemas.microsoft.com/office/drawing/2014/main" xmlns="" val="3812060533"/>
+                  </a:ext>
+                </a:extLst>
+              </a:tr>
+              <a:tr h="767632">
+                <a:tc>
+                  <a:txBody>
+                    <a:bodyPr/>
+                    <a:lstStyle/>
+                    <a:p>
+                      <a:r>
+                        <a:rPr lang="en-US" sz="2400" dirty="0" smtClean="0">
+                          <a:latin typeface="Segoe UI Light" panose="020B0502040204020203" pitchFamily="34" charset="0"/>
+                          <a:cs typeface="Segoe UI Light" panose="020B0502040204020203" pitchFamily="34" charset="0"/>
+                        </a:rPr>
+                        <a:t>04 | Storing numbers</a:t>
+                      </a:r>
+                      <a:endParaRPr lang="en-US" sz="2400" dirty="0">
+                        <a:latin typeface="Segoe UI Light" panose="020B0502040204020203" pitchFamily="34" charset="0"/>
+                        <a:cs typeface="Segoe UI Light" panose="020B0502040204020203" pitchFamily="34" charset="0"/>
+                      </a:endParaRPr>
+                    </a:p>
+                  </a:txBody>
+                  <a:tcPr anchor="ctr"/>
+                </a:tc>
+                <a:tc>
+                  <a:txBody>
+                    <a:bodyPr/>
+                    <a:lstStyle/>
+                    <a:p>
+                      <a:endParaRPr lang="en-US" sz="2400" dirty="0">
+                        <a:latin typeface="Segoe UI Light" panose="020B0502040204020203" pitchFamily="34" charset="0"/>
+                        <a:cs typeface="Segoe UI Light" panose="020B0502040204020203" pitchFamily="34" charset="0"/>
+                      </a:endParaRPr>
+                    </a:p>
+                  </a:txBody>
+                  <a:tcPr anchor="ctr"/>
+                </a:tc>
+                <a:extLst>
+                  <a:ext uri="{0D108BD9-81ED-4DB2-BD59-A6C34878D82A}">
+                    <a16:rowId xmlns:a16="http://schemas.microsoft.com/office/drawing/2014/main" xmlns="" val="733235577"/>
+                  </a:ext>
+                </a:extLst>
+              </a:tr>
+            </a:tbl>
+          </a:graphicData>
+        </a:graphic>
+      </p:graphicFrame>
+    </p:spTree>
+    <p:extLst>
+      <p:ext uri="{BB962C8B-B14F-4D97-AF65-F5344CB8AC3E}">
+        <p14:creationId xmlns:p14="http://schemas.microsoft.com/office/powerpoint/2010/main" val="1032108061"/>
+      </p:ext>
+    </p:extLst>
+  </p:cSld>
+  <p:clrMapOvr>
+    <a:masterClrMapping/>
+  </p:clrMapOvr>
+  <mc:AlternateContent xmlns:mc="http://schemas.openxmlformats.org/markup-compatibility/2006">
+    <mc:Choice xmlns:p14="http://schemas.microsoft.com/office/powerpoint/2010/main" Requires="p14">
+      <p:transition spd="slow" p14:dur="2000"/>
+    </mc:Choice>
+    <mc:Fallback>
+      <p:transition spd="slow"/>
+    </mc:Fallback>
+  </mc:AlternateContent>
+  <p:timing>
+    <p:tnLst>
+      <p:par>
+        <p:cTn id="1" dur="indefinite" restart="never" nodeType="tmRoot"/>
+      </p:par>
+    </p:tnLst>
+  </p:timing>
+</p:sld>
+</file>
+
+<file path=ppt/slides/slide40.xml><?xml version="1.0" encoding="utf-8"?>
 <p:sld xmlns:a="http://schemas.openxmlformats.org/drawingml/2006/main" xmlns:r="http://schemas.openxmlformats.org/officeDocument/2006/relationships" xmlns:p="http://schemas.openxmlformats.org/presentationml/2006/main">
   <p:cSld>
     <p:spTree>
@@ -17380,7 +20069,7 @@
 </p:sld>
 </file>
 
-<file path=ppt/slides/slide34.xml><?xml version="1.0" encoding="utf-8"?>
+<file path=ppt/slides/slide41.xml><?xml version="1.0" encoding="utf-8"?>
 <p:sld xmlns:a="http://schemas.openxmlformats.org/drawingml/2006/main" xmlns:r="http://schemas.openxmlformats.org/officeDocument/2006/relationships" xmlns:p="http://schemas.openxmlformats.org/presentationml/2006/main">
   <p:cSld>
     <p:spTree>
@@ -17482,7 +20171,7 @@
 </p:sld>
 </file>
 
-<file path=ppt/slides/slide35.xml><?xml version="1.0" encoding="utf-8"?>
+<file path=ppt/slides/slide42.xml><?xml version="1.0" encoding="utf-8"?>
 <p:sld xmlns:a="http://schemas.openxmlformats.org/drawingml/2006/main" xmlns:r="http://schemas.openxmlformats.org/officeDocument/2006/relationships" xmlns:p="http://schemas.openxmlformats.org/presentationml/2006/main">
   <p:cSld>
     <p:spTree>
@@ -17601,7 +20290,7 @@
 </p:sld>
 </file>
 
-<file path=ppt/slides/slide36.xml><?xml version="1.0" encoding="utf-8"?>
+<file path=ppt/slides/slide43.xml><?xml version="1.0" encoding="utf-8"?>
 <p:sld xmlns:a="http://schemas.openxmlformats.org/drawingml/2006/main" xmlns:r="http://schemas.openxmlformats.org/officeDocument/2006/relationships" xmlns:p="http://schemas.openxmlformats.org/presentationml/2006/main">
   <p:cSld>
     <p:spTree>
@@ -17646,7 +20335,7 @@
 </p:sld>
 </file>
 
-<file path=ppt/slides/slide4.xml><?xml version="1.0" encoding="utf-8"?>
+<file path=ppt/slides/slide5.xml><?xml version="1.0" encoding="utf-8"?>
 <p:sld xmlns:a="http://schemas.openxmlformats.org/drawingml/2006/main" xmlns:r="http://schemas.openxmlformats.org/officeDocument/2006/relationships" xmlns:p="http://schemas.openxmlformats.org/presentationml/2006/main">
   <p:cSld>
     <p:spTree>
@@ -17665,7 +20354,681 @@
       </p:grpSpPr>
       <p:sp>
         <p:nvSpPr>
-          <p:cNvPr id="5" name="Text Placeholder 4"/>
+          <p:cNvPr id="2" name="Title 1"/>
+          <p:cNvSpPr>
+            <a:spLocks noGrp="1"/>
+          </p:cNvSpPr>
+          <p:nvPr>
+            <p:ph type="title"/>
+          </p:nvPr>
+        </p:nvSpPr>
+        <p:spPr/>
+        <p:txBody>
+          <a:bodyPr>
+            <a:normAutofit/>
+          </a:bodyPr>
+          <a:lstStyle/>
+          <a:p>
+            <a:pPr lvl="0"/>
+            <a:r>
+              <a:rPr lang="en-US" dirty="0" smtClean="0"/>
+              <a:t>Course Topics</a:t>
+            </a:r>
+            <a:endParaRPr lang="en-US" dirty="0"/>
+          </a:p>
+        </p:txBody>
+      </p:sp>
+      <p:graphicFrame>
+        <p:nvGraphicFramePr>
+          <p:cNvPr id="4" name="Content Placeholder 3"/>
+          <p:cNvGraphicFramePr>
+            <a:graphicFrameLocks noGrp="1"/>
+          </p:cNvGraphicFramePr>
+          <p:nvPr>
+            <p:ph sz="quarter" idx="10"/>
+            <p:extLst/>
+          </p:nvPr>
+        </p:nvGraphicFramePr>
+        <p:xfrm>
+          <a:off x="379413" y="1417636"/>
+          <a:ext cx="11525250" cy="3838160"/>
+        </p:xfrm>
+        <a:graphic>
+          <a:graphicData uri="http://schemas.openxmlformats.org/drawingml/2006/table">
+            <a:tbl>
+              <a:tblPr firstRow="1" bandRow="1">
+                <a:tableStyleId>{5C22544A-7EE6-4342-B048-85BDC9FD1C3A}</a:tableStyleId>
+              </a:tblPr>
+              <a:tblGrid>
+                <a:gridCol w="5762625">
+                  <a:extLst>
+                    <a:ext uri="{9D8B030D-6E8A-4147-A177-3AD203B41FA5}">
+                      <a16:colId xmlns:a16="http://schemas.microsoft.com/office/drawing/2014/main" xmlns="" val="1632794655"/>
+                    </a:ext>
+                  </a:extLst>
+                </a:gridCol>
+                <a:gridCol w="5762625">
+                  <a:extLst>
+                    <a:ext uri="{9D8B030D-6E8A-4147-A177-3AD203B41FA5}">
+                      <a16:colId xmlns:a16="http://schemas.microsoft.com/office/drawing/2014/main" xmlns="" val="2011313899"/>
+                    </a:ext>
+                  </a:extLst>
+                </a:gridCol>
+              </a:tblGrid>
+              <a:tr h="767632">
+                <a:tc gridSpan="2">
+                  <a:txBody>
+                    <a:bodyPr/>
+                    <a:lstStyle/>
+                    <a:p>
+                      <a:r>
+                        <a:rPr lang="en-US" sz="3600" dirty="0" smtClean="0">
+                          <a:latin typeface="Segoe UI Light" panose="020B0502040204020203" pitchFamily="34" charset="0"/>
+                          <a:cs typeface="Segoe UI Light" panose="020B0502040204020203" pitchFamily="34" charset="0"/>
+                        </a:rPr>
+                        <a:t>Introduction to Programming using Python  - Day Two</a:t>
+                      </a:r>
+                      <a:endParaRPr lang="en-US" sz="3600" dirty="0">
+                        <a:latin typeface="Segoe UI Light" panose="020B0502040204020203" pitchFamily="34" charset="0"/>
+                        <a:cs typeface="Segoe UI Light" panose="020B0502040204020203" pitchFamily="34" charset="0"/>
+                      </a:endParaRPr>
+                    </a:p>
+                  </a:txBody>
+                  <a:tcPr anchor="ctr"/>
+                </a:tc>
+                <a:tc hMerge="1">
+                  <a:txBody>
+                    <a:bodyPr/>
+                    <a:lstStyle/>
+                    <a:p>
+                      <a:endParaRPr lang="en-US" dirty="0"/>
+                    </a:p>
+                  </a:txBody>
+                  <a:tcPr/>
+                </a:tc>
+                <a:extLst>
+                  <a:ext uri="{0D108BD9-81ED-4DB2-BD59-A6C34878D82A}">
+                    <a16:rowId xmlns:a16="http://schemas.microsoft.com/office/drawing/2014/main" xmlns="" val="1789177411"/>
+                  </a:ext>
+                </a:extLst>
+              </a:tr>
+              <a:tr h="767632">
+                <a:tc>
+                  <a:txBody>
+                    <a:bodyPr/>
+                    <a:lstStyle/>
+                    <a:p>
+                      <a:r>
+                        <a:rPr lang="en-US" sz="2400" dirty="0" smtClean="0">
+                          <a:latin typeface="Segoe UI Light" panose="020B0502040204020203" pitchFamily="34" charset="0"/>
+                          <a:cs typeface="Segoe UI Light" panose="020B0502040204020203" pitchFamily="34" charset="0"/>
+                        </a:rPr>
+                        <a:t>08 | Repeating events</a:t>
+                      </a:r>
+                      <a:endParaRPr lang="en-US" sz="2400" dirty="0">
+                        <a:latin typeface="Segoe UI Light" panose="020B0502040204020203" pitchFamily="34" charset="0"/>
+                        <a:cs typeface="Segoe UI Light" panose="020B0502040204020203" pitchFamily="34" charset="0"/>
+                      </a:endParaRPr>
+                    </a:p>
+                  </a:txBody>
+                  <a:tcPr anchor="ctr"/>
+                </a:tc>
+                <a:tc>
+                  <a:txBody>
+                    <a:bodyPr/>
+                    <a:lstStyle/>
+                    <a:p>
+                      <a:r>
+                        <a:rPr lang="en-US" sz="2400" dirty="0" smtClean="0">
+                          <a:latin typeface="Segoe UI Light" panose="020B0502040204020203" pitchFamily="34" charset="0"/>
+                          <a:cs typeface="Segoe UI Light" panose="020B0502040204020203" pitchFamily="34" charset="0"/>
+                        </a:rPr>
+                        <a:t>12 | Reading from files</a:t>
+                      </a:r>
+                      <a:endParaRPr lang="en-US" sz="2400" dirty="0">
+                        <a:latin typeface="Segoe UI Light" panose="020B0502040204020203" pitchFamily="34" charset="0"/>
+                        <a:cs typeface="Segoe UI Light" panose="020B0502040204020203" pitchFamily="34" charset="0"/>
+                      </a:endParaRPr>
+                    </a:p>
+                  </a:txBody>
+                  <a:tcPr anchor="ctr"/>
+                </a:tc>
+                <a:extLst>
+                  <a:ext uri="{0D108BD9-81ED-4DB2-BD59-A6C34878D82A}">
+                    <a16:rowId xmlns:a16="http://schemas.microsoft.com/office/drawing/2014/main" xmlns="" val="3842815335"/>
+                  </a:ext>
+                </a:extLst>
+              </a:tr>
+              <a:tr h="767632">
+                <a:tc>
+                  <a:txBody>
+                    <a:bodyPr/>
+                    <a:lstStyle/>
+                    <a:p>
+                      <a:r>
+                        <a:rPr lang="en-US" sz="2400" dirty="0" smtClean="0">
+                          <a:latin typeface="Segoe UI Light" panose="020B0502040204020203" pitchFamily="34" charset="0"/>
+                          <a:cs typeface="Segoe UI Light" panose="020B0502040204020203" pitchFamily="34" charset="0"/>
+                        </a:rPr>
+                        <a:t>09 | Repeating events until done</a:t>
+                      </a:r>
+                      <a:endParaRPr lang="en-US" sz="2400" dirty="0">
+                        <a:latin typeface="Segoe UI Light" panose="020B0502040204020203" pitchFamily="34" charset="0"/>
+                        <a:cs typeface="Segoe UI Light" panose="020B0502040204020203" pitchFamily="34" charset="0"/>
+                      </a:endParaRPr>
+                    </a:p>
+                  </a:txBody>
+                  <a:tcPr anchor="ctr"/>
+                </a:tc>
+                <a:tc>
+                  <a:txBody>
+                    <a:bodyPr/>
+                    <a:lstStyle/>
+                    <a:p>
+                      <a:r>
+                        <a:rPr lang="en-US" sz="2400" dirty="0" smtClean="0">
+                          <a:latin typeface="Segoe UI Light" panose="020B0502040204020203" pitchFamily="34" charset="0"/>
+                          <a:cs typeface="Segoe UI Light" panose="020B0502040204020203" pitchFamily="34" charset="0"/>
+                        </a:rPr>
+                        <a:t>13</a:t>
+                      </a:r>
+                      <a:r>
+                        <a:rPr lang="en-US" sz="2400" baseline="0" dirty="0" smtClean="0">
+                          <a:latin typeface="Segoe UI Light" panose="020B0502040204020203" pitchFamily="34" charset="0"/>
+                          <a:cs typeface="Segoe UI Light" panose="020B0502040204020203" pitchFamily="34" charset="0"/>
+                        </a:rPr>
+                        <a:t> | Functions</a:t>
+                      </a:r>
+                      <a:endParaRPr lang="en-US" sz="2400" dirty="0">
+                        <a:latin typeface="Segoe UI Light" panose="020B0502040204020203" pitchFamily="34" charset="0"/>
+                        <a:cs typeface="Segoe UI Light" panose="020B0502040204020203" pitchFamily="34" charset="0"/>
+                      </a:endParaRPr>
+                    </a:p>
+                  </a:txBody>
+                  <a:tcPr anchor="ctr"/>
+                </a:tc>
+                <a:extLst>
+                  <a:ext uri="{0D108BD9-81ED-4DB2-BD59-A6C34878D82A}">
+                    <a16:rowId xmlns:a16="http://schemas.microsoft.com/office/drawing/2014/main" xmlns="" val="321066646"/>
+                  </a:ext>
+                </a:extLst>
+              </a:tr>
+              <a:tr h="767632">
+                <a:tc>
+                  <a:txBody>
+                    <a:bodyPr/>
+                    <a:lstStyle/>
+                    <a:p>
+                      <a:pPr marL="0" marR="0" indent="0" algn="l" defTabSz="914088" rtl="0" eaLnBrk="1" fontAlgn="auto" latinLnBrk="0" hangingPunct="1">
+                        <a:lnSpc>
+                          <a:spcPct val="100000"/>
+                        </a:lnSpc>
+                        <a:spcBef>
+                          <a:spcPts val="0"/>
+                        </a:spcBef>
+                        <a:spcAft>
+                          <a:spcPts val="0"/>
+                        </a:spcAft>
+                        <a:buClrTx/>
+                        <a:buSzTx/>
+                        <a:buFontTx/>
+                        <a:buNone/>
+                        <a:tabLst/>
+                        <a:defRPr/>
+                      </a:pPr>
+                      <a:r>
+                        <a:rPr lang="en-US" sz="2400" dirty="0" smtClean="0">
+                          <a:latin typeface="Segoe UI Light" panose="020B0502040204020203" pitchFamily="34" charset="0"/>
+                          <a:cs typeface="Segoe UI Light" panose="020B0502040204020203" pitchFamily="34" charset="0"/>
+                        </a:rPr>
+                        <a:t>10 | Remembering lists</a:t>
+                      </a:r>
+                    </a:p>
+                  </a:txBody>
+                  <a:tcPr anchor="ctr"/>
+                </a:tc>
+                <a:tc>
+                  <a:txBody>
+                    <a:bodyPr/>
+                    <a:lstStyle/>
+                    <a:p>
+                      <a:r>
+                        <a:rPr lang="en-US" sz="2400" dirty="0" smtClean="0">
+                          <a:latin typeface="Segoe UI Light" panose="020B0502040204020203" pitchFamily="34" charset="0"/>
+                          <a:cs typeface="Segoe UI Light" panose="020B0502040204020203" pitchFamily="34" charset="0"/>
+                        </a:rPr>
+                        <a:t>14 | Handling errors</a:t>
+                      </a:r>
+                      <a:endParaRPr lang="en-US" sz="2400" dirty="0">
+                        <a:latin typeface="Segoe UI Light" panose="020B0502040204020203" pitchFamily="34" charset="0"/>
+                        <a:cs typeface="Segoe UI Light" panose="020B0502040204020203" pitchFamily="34" charset="0"/>
+                      </a:endParaRPr>
+                    </a:p>
+                  </a:txBody>
+                  <a:tcPr anchor="ctr"/>
+                </a:tc>
+                <a:extLst>
+                  <a:ext uri="{0D108BD9-81ED-4DB2-BD59-A6C34878D82A}">
+                    <a16:rowId xmlns:a16="http://schemas.microsoft.com/office/drawing/2014/main" xmlns="" val="3812060533"/>
+                  </a:ext>
+                </a:extLst>
+              </a:tr>
+              <a:tr h="767632">
+                <a:tc>
+                  <a:txBody>
+                    <a:bodyPr/>
+                    <a:lstStyle/>
+                    <a:p>
+                      <a:r>
+                        <a:rPr lang="en-US" sz="2400" dirty="0" smtClean="0">
+                          <a:latin typeface="Segoe UI Light" panose="020B0502040204020203" pitchFamily="34" charset="0"/>
+                          <a:cs typeface="Segoe UI Light" panose="020B0502040204020203" pitchFamily="34" charset="0"/>
+                        </a:rPr>
+                        <a:t>11 | How to save information in files</a:t>
+                      </a:r>
+                      <a:endParaRPr lang="en-US" sz="2400" dirty="0">
+                        <a:latin typeface="Segoe UI Light" panose="020B0502040204020203" pitchFamily="34" charset="0"/>
+                        <a:cs typeface="Segoe UI Light" panose="020B0502040204020203" pitchFamily="34" charset="0"/>
+                      </a:endParaRPr>
+                    </a:p>
+                  </a:txBody>
+                  <a:tcPr anchor="ctr"/>
+                </a:tc>
+                <a:tc>
+                  <a:txBody>
+                    <a:bodyPr/>
+                    <a:lstStyle/>
+                    <a:p>
+                      <a:endParaRPr lang="en-US" sz="2400" dirty="0">
+                        <a:latin typeface="Segoe UI Light" panose="020B0502040204020203" pitchFamily="34" charset="0"/>
+                        <a:cs typeface="Segoe UI Light" panose="020B0502040204020203" pitchFamily="34" charset="0"/>
+                      </a:endParaRPr>
+                    </a:p>
+                  </a:txBody>
+                  <a:tcPr anchor="ctr"/>
+                </a:tc>
+                <a:extLst>
+                  <a:ext uri="{0D108BD9-81ED-4DB2-BD59-A6C34878D82A}">
+                    <a16:rowId xmlns:a16="http://schemas.microsoft.com/office/drawing/2014/main" xmlns="" val="733235577"/>
+                  </a:ext>
+                </a:extLst>
+              </a:tr>
+            </a:tbl>
+          </a:graphicData>
+        </a:graphic>
+      </p:graphicFrame>
+    </p:spTree>
+    <p:extLst>
+      <p:ext uri="{BB962C8B-B14F-4D97-AF65-F5344CB8AC3E}">
+        <p14:creationId xmlns:p14="http://schemas.microsoft.com/office/powerpoint/2010/main" val="3102336455"/>
+      </p:ext>
+    </p:extLst>
+  </p:cSld>
+  <p:clrMapOvr>
+    <a:masterClrMapping/>
+  </p:clrMapOvr>
+  <mc:AlternateContent xmlns:mc="http://schemas.openxmlformats.org/markup-compatibility/2006">
+    <mc:Choice xmlns:p14="http://schemas.microsoft.com/office/powerpoint/2010/main" Requires="p14">
+      <p:transition spd="slow" p14:dur="2000"/>
+    </mc:Choice>
+    <mc:Fallback>
+      <p:transition spd="slow"/>
+    </mc:Fallback>
+  </mc:AlternateContent>
+  <p:timing>
+    <p:tnLst>
+      <p:par>
+        <p:cTn id="1" dur="indefinite" restart="never" nodeType="tmRoot"/>
+      </p:par>
+    </p:tnLst>
+  </p:timing>
+</p:sld>
+</file>
+
+<file path=ppt/slides/slide6.xml><?xml version="1.0" encoding="utf-8"?>
+<p:sld xmlns:a="http://schemas.openxmlformats.org/drawingml/2006/main" xmlns:r="http://schemas.openxmlformats.org/officeDocument/2006/relationships" xmlns:p="http://schemas.openxmlformats.org/presentationml/2006/main">
+  <p:cSld>
+    <p:spTree>
+      <p:nvGrpSpPr>
+        <p:cNvPr id="1" name=""/>
+        <p:cNvGrpSpPr/>
+        <p:nvPr/>
+      </p:nvGrpSpPr>
+      <p:grpSpPr>
+        <a:xfrm>
+          <a:off x="0" y="0"/>
+          <a:ext cx="0" cy="0"/>
+          <a:chOff x="0" y="0"/>
+          <a:chExt cx="0" cy="0"/>
+        </a:xfrm>
+      </p:grpSpPr>
+      <p:sp>
+        <p:nvSpPr>
+          <p:cNvPr id="2" name="Title 1"/>
+          <p:cNvSpPr>
+            <a:spLocks noGrp="1"/>
+          </p:cNvSpPr>
+          <p:nvPr>
+            <p:ph type="title"/>
+          </p:nvPr>
+        </p:nvSpPr>
+        <p:spPr/>
+        <p:txBody>
+          <a:bodyPr/>
+          <a:lstStyle/>
+          <a:p>
+            <a:pPr lvl="0"/>
+            <a:r>
+              <a:rPr lang="en-US" smtClean="0"/>
+              <a:t>Setting Expectations</a:t>
+            </a:r>
+            <a:endParaRPr lang="en-US" dirty="0"/>
+          </a:p>
+        </p:txBody>
+      </p:sp>
+      <p:sp>
+        <p:nvSpPr>
+          <p:cNvPr id="3" name="Content Placeholder 2"/>
+          <p:cNvSpPr>
+            <a:spLocks noGrp="1"/>
+          </p:cNvSpPr>
+          <p:nvPr>
+            <p:ph sz="quarter" idx="10"/>
+          </p:nvPr>
+        </p:nvSpPr>
+        <p:spPr/>
+        <p:txBody>
+          <a:bodyPr/>
+          <a:lstStyle/>
+          <a:p>
+            <a:r>
+              <a:rPr lang="en-US" dirty="0" smtClean="0"/>
+              <a:t>Target Audience</a:t>
+            </a:r>
+          </a:p>
+          <a:p>
+            <a:pPr lvl="1"/>
+            <a:r>
+              <a:rPr lang="en-US" dirty="0" smtClean="0"/>
+              <a:t>People new to programming</a:t>
+            </a:r>
+          </a:p>
+          <a:p>
+            <a:pPr lvl="1"/>
+            <a:r>
+              <a:rPr lang="en-US" dirty="0" smtClean="0"/>
+              <a:t>Students</a:t>
+            </a:r>
+          </a:p>
+          <a:p>
+            <a:pPr lvl="1"/>
+            <a:r>
+              <a:rPr lang="en-US" dirty="0" smtClean="0"/>
+              <a:t>Career changers</a:t>
+            </a:r>
+          </a:p>
+          <a:p>
+            <a:pPr lvl="1"/>
+            <a:r>
+              <a:rPr lang="en-US" dirty="0" smtClean="0"/>
+              <a:t>IT Pros</a:t>
+            </a:r>
+          </a:p>
+          <a:p>
+            <a:pPr lvl="1"/>
+            <a:r>
+              <a:rPr lang="en-US" dirty="0" smtClean="0"/>
+              <a:t>Anyone with an interest in learning to code</a:t>
+            </a:r>
+          </a:p>
+          <a:p>
+            <a:r>
+              <a:rPr lang="en-US" dirty="0" smtClean="0"/>
+              <a:t>If you want to follow along...</a:t>
+            </a:r>
+          </a:p>
+          <a:p>
+            <a:pPr lvl="1"/>
+            <a:r>
+              <a:rPr lang="en-US" dirty="0" smtClean="0"/>
+              <a:t>Install Visual Studio Express</a:t>
+            </a:r>
+          </a:p>
+          <a:p>
+            <a:pPr lvl="1"/>
+            <a:r>
+              <a:rPr lang="en-US" dirty="0" smtClean="0"/>
+              <a:t>Install the Python tools</a:t>
+            </a:r>
+          </a:p>
+          <a:p>
+            <a:pPr lvl="2"/>
+            <a:r>
+              <a:rPr lang="en-US" dirty="0" smtClean="0"/>
+              <a:t>Instructions coming soon...</a:t>
+            </a:r>
+          </a:p>
+        </p:txBody>
+      </p:sp>
+    </p:spTree>
+    <p:extLst>
+      <p:ext uri="{BB962C8B-B14F-4D97-AF65-F5344CB8AC3E}">
+        <p14:creationId xmlns:p14="http://schemas.microsoft.com/office/powerpoint/2010/main" val="3866172199"/>
+      </p:ext>
+    </p:extLst>
+  </p:cSld>
+  <p:clrMapOvr>
+    <a:masterClrMapping/>
+  </p:clrMapOvr>
+  <p:timing>
+    <p:tnLst>
+      <p:par>
+        <p:cTn id="1" dur="indefinite" restart="never" nodeType="tmRoot"/>
+      </p:par>
+    </p:tnLst>
+  </p:timing>
+</p:sld>
+</file>
+
+<file path=ppt/slides/slide7.xml><?xml version="1.0" encoding="utf-8"?>
+<p:sld xmlns:a="http://schemas.openxmlformats.org/drawingml/2006/main" xmlns:r="http://schemas.openxmlformats.org/officeDocument/2006/relationships" xmlns:p="http://schemas.openxmlformats.org/presentationml/2006/main">
+  <p:cSld>
+    <p:spTree>
+      <p:nvGrpSpPr>
+        <p:cNvPr id="1" name=""/>
+        <p:cNvGrpSpPr/>
+        <p:nvPr/>
+      </p:nvGrpSpPr>
+      <p:grpSpPr>
+        <a:xfrm>
+          <a:off x="0" y="0"/>
+          <a:ext cx="0" cy="0"/>
+          <a:chOff x="0" y="0"/>
+          <a:chExt cx="0" cy="0"/>
+        </a:xfrm>
+      </p:grpSpPr>
+      <p:sp>
+        <p:nvSpPr>
+          <p:cNvPr id="2" name="Content Placeholder 1"/>
+          <p:cNvSpPr>
+            <a:spLocks noGrp="1"/>
+          </p:cNvSpPr>
+          <p:nvPr>
+            <p:ph sz="quarter" idx="10"/>
+          </p:nvPr>
+        </p:nvSpPr>
+        <p:spPr>
+          <a:xfrm>
+            <a:off x="277813" y="1427918"/>
+            <a:ext cx="11525250" cy="5290388"/>
+          </a:xfrm>
+        </p:spPr>
+        <p:txBody>
+          <a:bodyPr/>
+          <a:lstStyle/>
+          <a:p>
+            <a:r>
+              <a:rPr lang="en-US" dirty="0" smtClean="0"/>
+              <a:t>Microsoft Virtual Academy</a:t>
+            </a:r>
+          </a:p>
+          <a:p>
+            <a:pPr lvl="1"/>
+            <a:r>
+              <a:rPr lang="en-US" dirty="0" smtClean="0"/>
+              <a:t>Free online learning tailored for IT Pros and Developers </a:t>
+            </a:r>
+          </a:p>
+          <a:p>
+            <a:pPr lvl="1"/>
+            <a:r>
+              <a:rPr lang="en-US" dirty="0"/>
+              <a:t>Over </a:t>
+            </a:r>
+            <a:r>
+              <a:rPr lang="en-US" dirty="0" smtClean="0"/>
+              <a:t>2M registered users</a:t>
+            </a:r>
+          </a:p>
+          <a:p>
+            <a:pPr lvl="1"/>
+            <a:r>
+              <a:rPr lang="en-US" dirty="0" smtClean="0"/>
+              <a:t>Up-to-date, relevant training on variety of Microsoft products</a:t>
+            </a:r>
+          </a:p>
+          <a:p>
+            <a:r>
+              <a:rPr lang="en-US" dirty="0" smtClean="0"/>
+              <a:t>“Earn while you learn!” </a:t>
+            </a:r>
+          </a:p>
+          <a:p>
+            <a:pPr lvl="1"/>
+            <a:r>
+              <a:rPr lang="en-US" dirty="0" smtClean="0"/>
+              <a:t>Get 50 MVA Points for this event!</a:t>
+            </a:r>
+          </a:p>
+          <a:p>
+            <a:pPr lvl="1"/>
+            <a:r>
+              <a:rPr lang="en-US" dirty="0" smtClean="0"/>
+              <a:t>Visit </a:t>
+            </a:r>
+            <a:r>
+              <a:rPr lang="en-US" dirty="0" smtClean="0">
+                <a:hlinkClick r:id="rId2"/>
+              </a:rPr>
+              <a:t>http://aka.ms/MVA-Voucher</a:t>
+            </a:r>
+            <a:r>
+              <a:rPr lang="en-US" dirty="0" smtClean="0"/>
+              <a:t> </a:t>
+            </a:r>
+          </a:p>
+          <a:p>
+            <a:pPr lvl="1"/>
+            <a:r>
+              <a:rPr lang="en-US" dirty="0" smtClean="0"/>
+              <a:t>Enter this code: </a:t>
+            </a:r>
+            <a:r>
+              <a:rPr lang="en-US" dirty="0" err="1"/>
+              <a:t>IntProgPython</a:t>
+            </a:r>
+            <a:r>
+              <a:rPr lang="en-US" dirty="0"/>
+              <a:t> </a:t>
+            </a:r>
+            <a:r>
+              <a:rPr lang="en-US" dirty="0" smtClean="0"/>
+              <a:t>(expires 27 Oct 14)</a:t>
+            </a:r>
+            <a:endParaRPr lang="en-US" dirty="0"/>
+          </a:p>
+        </p:txBody>
+      </p:sp>
+      <p:sp>
+        <p:nvSpPr>
+          <p:cNvPr id="3" name="Title 2"/>
+          <p:cNvSpPr>
+            <a:spLocks noGrp="1"/>
+          </p:cNvSpPr>
+          <p:nvPr>
+            <p:ph type="title"/>
+          </p:nvPr>
+        </p:nvSpPr>
+        <p:spPr>
+          <a:xfrm>
+            <a:off x="-367266" y="182215"/>
+            <a:ext cx="11416266" cy="1063487"/>
+          </a:xfrm>
+        </p:spPr>
+        <p:txBody>
+          <a:bodyPr/>
+          <a:lstStyle/>
+          <a:p>
+            <a:r>
+              <a:rPr lang="en-US" dirty="0" smtClean="0"/>
+              <a:t>     Join the MVA Community!</a:t>
+            </a:r>
+            <a:endParaRPr lang="en-US" dirty="0"/>
+          </a:p>
+        </p:txBody>
+      </p:sp>
+    </p:spTree>
+    <p:extLst>
+      <p:ext uri="{BB962C8B-B14F-4D97-AF65-F5344CB8AC3E}">
+        <p14:creationId xmlns:p14="http://schemas.microsoft.com/office/powerpoint/2010/main" val="1740449801"/>
+      </p:ext>
+    </p:extLst>
+  </p:cSld>
+  <p:clrMapOvr>
+    <a:masterClrMapping/>
+  </p:clrMapOvr>
+  <mc:AlternateContent xmlns:mc="http://schemas.openxmlformats.org/markup-compatibility/2006">
+    <mc:Choice xmlns:p14="http://schemas.microsoft.com/office/powerpoint/2010/main" Requires="p14">
+      <p:transition spd="med" p14:dur="700">
+        <p:fade/>
+      </p:transition>
+    </mc:Choice>
+    <mc:Fallback>
+      <p:transition spd="med">
+        <p:fade/>
+      </p:transition>
+    </mc:Fallback>
+  </mc:AlternateContent>
+  <p:timing>
+    <p:tnLst>
+      <p:par>
+        <p:cTn id="1" dur="indefinite" restart="never" nodeType="tmRoot"/>
+      </p:par>
+    </p:tnLst>
+  </p:timing>
+</p:sld>
+</file>
+
+<file path=ppt/slides/slide8.xml><?xml version="1.0" encoding="utf-8"?>
+<p:sld xmlns:a="http://schemas.openxmlformats.org/drawingml/2006/main" xmlns:r="http://schemas.openxmlformats.org/officeDocument/2006/relationships" xmlns:p="http://schemas.openxmlformats.org/presentationml/2006/main">
+  <p:cSld>
+    <p:spTree>
+      <p:nvGrpSpPr>
+        <p:cNvPr id="1" name=""/>
+        <p:cNvGrpSpPr/>
+        <p:nvPr/>
+      </p:nvGrpSpPr>
+      <p:grpSpPr>
+        <a:xfrm>
+          <a:off x="0" y="0"/>
+          <a:ext cx="0" cy="0"/>
+          <a:chOff x="0" y="0"/>
+          <a:chExt cx="0" cy="0"/>
+        </a:xfrm>
+      </p:grpSpPr>
+      <p:sp>
+        <p:nvSpPr>
+          <p:cNvPr id="4" name="Text Placeholder 3"/>
           <p:cNvSpPr>
             <a:spLocks noGrp="1"/>
           </p:cNvSpPr>
@@ -17679,16 +21042,26 @@
           <a:lstStyle/>
           <a:p>
             <a:r>
-              <a:rPr lang="en-US" dirty="0" smtClean="0"/>
-              <a:t>Hello, turtle</a:t>
-            </a:r>
-            <a:endParaRPr lang="en-US" dirty="0"/>
+              <a:rPr lang="en-CA" dirty="0" smtClean="0"/>
+              <a:t>Repeating events</a:t>
+            </a:r>
+          </a:p>
+          <a:p>
+            <a:r>
+              <a:rPr lang="en-CA" sz="2400" dirty="0"/>
+              <a:t>f</a:t>
+            </a:r>
+            <a:r>
+              <a:rPr lang="en-CA" sz="2400" dirty="0" smtClean="0"/>
+              <a:t>or loops</a:t>
+            </a:r>
+            <a:endParaRPr lang="en-US" sz="2400" dirty="0"/>
           </a:p>
         </p:txBody>
       </p:sp>
       <p:sp>
         <p:nvSpPr>
-          <p:cNvPr id="4" name="Subtitle 3"/>
+          <p:cNvPr id="3" name="Subtitle 2"/>
           <p:cNvSpPr>
             <a:spLocks noGrp="1"/>
           </p:cNvSpPr>
@@ -17701,24 +21074,69 @@
           <a:bodyPr/>
           <a:lstStyle/>
           <a:p>
-            <a:endParaRPr lang="en-US"/>
+            <a:r>
+              <a:rPr lang="en-CA" dirty="0" smtClean="0"/>
+              <a:t>Susan Ibach | Technical Evangelist</a:t>
+            </a:r>
+          </a:p>
+          <a:p>
+            <a:r>
+              <a:rPr lang="en-CA" dirty="0" smtClean="0"/>
+              <a:t>Christopher Harrison | Content Developer</a:t>
+            </a:r>
+            <a:endParaRPr lang="en-US" dirty="0"/>
+          </a:p>
+        </p:txBody>
+      </p:sp>
+      <p:sp>
+        <p:nvSpPr>
+          <p:cNvPr id="2" name="Title 1"/>
+          <p:cNvSpPr>
+            <a:spLocks noGrp="1"/>
+          </p:cNvSpPr>
+          <p:nvPr>
+            <p:ph type="title" idx="4294967295"/>
+          </p:nvPr>
+        </p:nvSpPr>
+        <p:spPr>
+          <a:xfrm>
+            <a:off x="0" y="1709738"/>
+            <a:ext cx="10515600" cy="2852737"/>
+          </a:xfrm>
+        </p:spPr>
+        <p:txBody>
+          <a:bodyPr/>
+          <a:lstStyle/>
+          <a:p>
+            <a:r>
+              <a:rPr lang="en-CA" dirty="0" smtClean="0"/>
+              <a:t>	</a:t>
+            </a:r>
+            <a:endParaRPr lang="en-US" dirty="0"/>
           </a:p>
         </p:txBody>
       </p:sp>
     </p:spTree>
     <p:extLst>
       <p:ext uri="{BB962C8B-B14F-4D97-AF65-F5344CB8AC3E}">
-        <p14:creationId xmlns:p14="http://schemas.microsoft.com/office/powerpoint/2010/main" val="980830050"/>
+        <p14:creationId xmlns:p14="http://schemas.microsoft.com/office/powerpoint/2010/main" val="1666615282"/>
       </p:ext>
     </p:extLst>
   </p:cSld>
   <p:clrMapOvr>
     <a:masterClrMapping/>
   </p:clrMapOvr>
+  <p:timing>
+    <p:tnLst>
+      <p:par>
+        <p:cTn id="1" dur="indefinite" restart="never" nodeType="tmRoot"/>
+      </p:par>
+    </p:tnLst>
+  </p:timing>
 </p:sld>
 </file>
 
-<file path=ppt/slides/slide5.xml><?xml version="1.0" encoding="utf-8"?>
+<file path=ppt/slides/slide9.xml><?xml version="1.0" encoding="utf-8"?>
 <p:sld xmlns:a="http://schemas.openxmlformats.org/drawingml/2006/main" xmlns:r="http://schemas.openxmlformats.org/officeDocument/2006/relationships" xmlns:p="http://schemas.openxmlformats.org/presentationml/2006/main">
   <p:cSld>
     <p:spTree>
@@ -17748,13 +21166,13 @@
         <p:spPr/>
         <p:txBody>
           <a:bodyPr>
-            <a:normAutofit/>
+            <a:normAutofit fontScale="90000"/>
           </a:bodyPr>
           <a:lstStyle/>
           <a:p>
             <a:r>
               <a:rPr lang="en-CA" dirty="0" smtClean="0"/>
-              <a:t>Did you know Python can draw?</a:t>
+              <a:t>Sometimes we need to perform an action more than once</a:t>
             </a:r>
             <a:endParaRPr lang="en-US" dirty="0"/>
           </a:p>
@@ -17762,191 +21180,48 @@
       </p:sp>
       <p:sp>
         <p:nvSpPr>
-          <p:cNvPr id="6" name="Rectangle 1"/>
+          <p:cNvPr id="5" name="Content Placeholder 4"/>
           <p:cNvSpPr>
-            <a:spLocks noGrp="1" noChangeArrowheads="1"/>
+            <a:spLocks noGrp="1"/>
           </p:cNvSpPr>
           <p:nvPr>
             <p:ph sz="quarter" idx="10"/>
           </p:nvPr>
         </p:nvSpPr>
-        <p:spPr bwMode="auto">
-          <a:xfrm>
-            <a:off x="838200" y="3524241"/>
-            <a:ext cx="3930884" cy="954107"/>
-          </a:xfrm>
-          <a:prstGeom prst="rect">
-            <a:avLst/>
-          </a:prstGeom>
-          <a:solidFill>
-            <a:srgbClr val="FFFFFF"/>
-          </a:solidFill>
-          <a:ln>
-            <a:noFill/>
-          </a:ln>
-          <a:effectLst/>
-          <a:extLst>
-            <a:ext uri="{91240B29-F687-4F45-9708-019B960494DF}">
-              <a14:hiddenLine xmlns:a14="http://schemas.microsoft.com/office/drawing/2010/main" w="9525">
-                <a:solidFill>
-                  <a:schemeClr val="tx1"/>
-                </a:solidFill>
-                <a:miter lim="800000"/>
-                <a:headEnd/>
-                <a:tailEnd/>
-              </a14:hiddenLine>
-            </a:ext>
-            <a:ext uri="{AF507438-7753-43E0-B8FC-AC1667EBCBE1}">
-              <a14:hiddenEffects xmlns:a14="http://schemas.microsoft.com/office/drawing/2010/main">
-                <a:effectLst>
-                  <a:outerShdw dist="35921" dir="2700000" algn="ctr" rotWithShape="0">
-                    <a:schemeClr val="bg2"/>
-                  </a:outerShdw>
-                </a:effectLst>
-              </a14:hiddenEffects>
-            </a:ext>
-          </a:extLst>
-        </p:spPr>
+        <p:spPr/>
         <p:txBody>
-          <a:bodyPr vert="horz" wrap="none" lIns="91440" tIns="45720" rIns="91440" bIns="45720" numCol="1" anchor="ctr" anchorCtr="0" compatLnSpc="1">
-            <a:prstTxWarp prst="textNoShape">
-              <a:avLst/>
-            </a:prstTxWarp>
-            <a:spAutoFit/>
-          </a:bodyPr>
+          <a:bodyPr/>
           <a:lstStyle/>
           <a:p>
-            <a:pPr marL="0" marR="0" lvl="0" indent="0" algn="l" defTabSz="914400" rtl="0" eaLnBrk="0" fontAlgn="base" latinLnBrk="0" hangingPunct="0">
-              <a:lnSpc>
-                <a:spcPct val="100000"/>
-              </a:lnSpc>
-              <a:spcBef>
-                <a:spcPct val="0"/>
-              </a:spcBef>
-              <a:spcAft>
-                <a:spcPct val="0"/>
-              </a:spcAft>
-              <a:buClrTx/>
-              <a:buSzTx/>
-              <a:buFontTx/>
+            <a:r>
+              <a:rPr lang="en-CA" dirty="0" smtClean="0"/>
+              <a:t>Pour a cup of coffee for each guest</a:t>
+            </a:r>
+          </a:p>
+          <a:p>
+            <a:r>
+              <a:rPr lang="en-CA" dirty="0" smtClean="0"/>
+              <a:t>Wash the dishes until they are all clean</a:t>
+            </a:r>
+          </a:p>
+          <a:p>
+            <a:r>
+              <a:rPr lang="en-CA" dirty="0" smtClean="0"/>
+              <a:t>Make a name card for each guest attending a party</a:t>
+            </a:r>
+          </a:p>
+          <a:p>
+            <a:pPr marL="0" indent="0">
               <a:buNone/>
-              <a:tabLst/>
             </a:pPr>
-            <a:r>
-              <a:rPr kumimoji="0" lang="en-US" altLang="en-US" b="0" i="0" u="none" strike="noStrike" cap="none" normalizeH="0" baseline="0" dirty="0" smtClean="0">
-                <a:ln>
-                  <a:noFill/>
-                </a:ln>
-                <a:solidFill>
-                  <a:srgbClr val="0000FF"/>
-                </a:solidFill>
-                <a:effectLst/>
-                <a:latin typeface="Consolas" panose="020B0609020204030204" pitchFamily="49" charset="0"/>
-                <a:cs typeface="Consolas" panose="020B0609020204030204" pitchFamily="49" charset="0"/>
-              </a:rPr>
-              <a:t>import</a:t>
-            </a:r>
-            <a:r>
-              <a:rPr kumimoji="0" lang="en-US" altLang="en-US" b="0" i="0" u="none" strike="noStrike" cap="none" normalizeH="0" baseline="0" dirty="0" smtClean="0">
-                <a:ln>
-                  <a:noFill/>
-                </a:ln>
-                <a:solidFill>
-                  <a:srgbClr val="000000"/>
-                </a:solidFill>
-                <a:effectLst/>
-                <a:latin typeface="Consolas" panose="020B0609020204030204" pitchFamily="49" charset="0"/>
-                <a:cs typeface="Consolas" panose="020B0609020204030204" pitchFamily="49" charset="0"/>
-              </a:rPr>
-              <a:t> turtle </a:t>
-            </a:r>
-          </a:p>
-          <a:p>
-            <a:pPr marL="0" marR="0" lvl="0" indent="0" algn="l" defTabSz="914400" rtl="0" eaLnBrk="0" fontAlgn="base" latinLnBrk="0" hangingPunct="0">
-              <a:lnSpc>
-                <a:spcPct val="100000"/>
-              </a:lnSpc>
-              <a:spcBef>
-                <a:spcPct val="0"/>
-              </a:spcBef>
-              <a:spcAft>
-                <a:spcPct val="0"/>
-              </a:spcAft>
-              <a:buClrTx/>
-              <a:buSzTx/>
-              <a:buFontTx/>
-              <a:buNone/>
-              <a:tabLst/>
-            </a:pPr>
-            <a:r>
-              <a:rPr kumimoji="0" lang="en-US" altLang="en-US" b="0" i="0" u="none" strike="noStrike" cap="none" normalizeH="0" baseline="0" dirty="0" err="1" smtClean="0">
-                <a:ln>
-                  <a:noFill/>
-                </a:ln>
-                <a:solidFill>
-                  <a:srgbClr val="000000"/>
-                </a:solidFill>
-                <a:effectLst/>
-                <a:latin typeface="Consolas" panose="020B0609020204030204" pitchFamily="49" charset="0"/>
-                <a:cs typeface="Consolas" panose="020B0609020204030204" pitchFamily="49" charset="0"/>
-              </a:rPr>
-              <a:t>turtle.forward</a:t>
-            </a:r>
-            <a:r>
-              <a:rPr kumimoji="0" lang="en-US" altLang="en-US" b="0" i="0" u="none" strike="noStrike" cap="none" normalizeH="0" baseline="0" dirty="0" smtClean="0">
-                <a:ln>
-                  <a:noFill/>
-                </a:ln>
-                <a:solidFill>
-                  <a:srgbClr val="000000"/>
-                </a:solidFill>
-                <a:effectLst/>
-                <a:latin typeface="Consolas" panose="020B0609020204030204" pitchFamily="49" charset="0"/>
-                <a:cs typeface="Consolas" panose="020B0609020204030204" pitchFamily="49" charset="0"/>
-              </a:rPr>
-              <a:t>(100)</a:t>
-            </a:r>
-            <a:endParaRPr kumimoji="0" lang="en-US" altLang="en-US" b="0" i="0" u="none" strike="noStrike" cap="none" normalizeH="0" baseline="0" dirty="0" smtClean="0">
-              <a:ln>
-                <a:noFill/>
-              </a:ln>
-              <a:solidFill>
-                <a:schemeClr val="tx1"/>
-              </a:solidFill>
-              <a:effectLst/>
-              <a:latin typeface="Arial" panose="020B0604020202020204" pitchFamily="34" charset="0"/>
-            </a:endParaRPr>
+            <a:endParaRPr lang="en-US" dirty="0"/>
           </a:p>
         </p:txBody>
       </p:sp>
-      <p:pic>
-        <p:nvPicPr>
-          <p:cNvPr id="7" name="Picture 6"/>
-          <p:cNvPicPr>
-            <a:picLocks noChangeAspect="1"/>
-          </p:cNvPicPr>
-          <p:nvPr/>
-        </p:nvPicPr>
-        <p:blipFill>
-          <a:blip r:embed="rId2"/>
-          <a:stretch>
-            <a:fillRect/>
-          </a:stretch>
-        </p:blipFill>
-        <p:spPr>
-          <a:xfrm>
-            <a:off x="5732974" y="2056775"/>
-            <a:ext cx="4700180" cy="4112658"/>
-          </a:xfrm>
-          <a:prstGeom prst="rect">
-            <a:avLst/>
-          </a:prstGeom>
-        </p:spPr>
-      </p:pic>
     </p:spTree>
     <p:extLst>
       <p:ext uri="{BB962C8B-B14F-4D97-AF65-F5344CB8AC3E}">
-        <p14:creationId xmlns:p14="http://schemas.microsoft.com/office/powerpoint/2010/main" val="340256001"/>
+        <p14:creationId xmlns:p14="http://schemas.microsoft.com/office/powerpoint/2010/main" val="1504497375"/>
       </p:ext>
     </p:extLst>
   </p:cSld>
@@ -17974,7 +21249,7 @@
                             </p:stCondLst>
                             <p:childTnLst>
                               <p:par>
-                                <p:cTn id="5" presetID="1" presetClass="entr" presetSubtype="0" fill="hold" nodeType="clickEffect">
+                                <p:cTn id="5" presetID="1" presetClass="entr" presetSubtype="0" fill="hold" grpId="0" nodeType="clickEffect">
                                   <p:stCondLst>
                                     <p:cond delay="0"/>
                                   </p:stCondLst>
@@ -17987,7 +21262,109 @@
                                           </p:stCondLst>
                                         </p:cTn>
                                         <p:tgtEl>
-                                          <p:spTgt spid="7"/>
+                                          <p:spTgt spid="5">
+                                            <p:txEl>
+                                              <p:pRg st="0" end="0"/>
+                                            </p:txEl>
+                                          </p:spTgt>
+                                        </p:tgtEl>
+                                        <p:attrNameLst>
+                                          <p:attrName>style.visibility</p:attrName>
+                                        </p:attrNameLst>
+                                      </p:cBhvr>
+                                      <p:to>
+                                        <p:strVal val="visible"/>
+                                      </p:to>
+                                    </p:set>
+                                  </p:childTnLst>
+                                </p:cTn>
+                              </p:par>
+                            </p:childTnLst>
+                          </p:cTn>
+                        </p:par>
+                      </p:childTnLst>
+                    </p:cTn>
+                  </p:par>
+                  <p:par>
+                    <p:cTn id="7" fill="hold">
+                      <p:stCondLst>
+                        <p:cond delay="indefinite"/>
+                      </p:stCondLst>
+                      <p:childTnLst>
+                        <p:par>
+                          <p:cTn id="8" fill="hold">
+                            <p:stCondLst>
+                              <p:cond delay="0"/>
+                            </p:stCondLst>
+                            <p:childTnLst>
+                              <p:par>
+                                <p:cTn id="9" presetID="1" presetClass="entr" presetSubtype="0" fill="hold" grpId="0" nodeType="clickEffect">
+                                  <p:stCondLst>
+                                    <p:cond delay="0"/>
+                                  </p:stCondLst>
+                                  <p:childTnLst>
+                                    <p:set>
+                                      <p:cBhvr>
+                                        <p:cTn id="10" dur="1" fill="hold">
+                                          <p:stCondLst>
+                                            <p:cond delay="0"/>
+                                          </p:stCondLst>
+                                        </p:cTn>
+                                        <p:tgtEl>
+                                          <p:spTgt spid="5">
+                                            <p:txEl>
+                                              <p:pRg st="1" end="1"/>
+                                            </p:txEl>
+                                          </p:spTgt>
+                                        </p:tgtEl>
+                                        <p:attrNameLst>
+                                          <p:attrName>style.visibility</p:attrName>
+                                        </p:attrNameLst>
+                                      </p:cBhvr>
+                                      <p:to>
+                                        <p:strVal val="visible"/>
+                                      </p:to>
+                                    </p:set>
+                                  </p:childTnLst>
+                                </p:cTn>
+                              </p:par>
+                            </p:childTnLst>
+                          </p:cTn>
+                        </p:par>
+                      </p:childTnLst>
+                    </p:cTn>
+                  </p:par>
+                  <p:par>
+                    <p:cTn id="11" fill="hold">
+                      <p:stCondLst>
+                        <p:cond delay="indefinite"/>
+                      </p:stCondLst>
+                      <p:childTnLst>
+                        <p:par>
+                          <p:cTn id="12" fill="hold">
+                            <p:stCondLst>
+                              <p:cond delay="0"/>
+                            </p:stCondLst>
+                            <p:childTnLst>
+                              <p:par>
+                                <p:cTn id="13" presetID="1" presetClass="entr" presetSubtype="0" fill="hold" grpId="0" nodeType="clickEffect">
+                                  <p:stCondLst>
+                                    <p:cond delay="0"/>
+                                  </p:stCondLst>
+                                  <p:childTnLst>
+                                    <p:set>
+                                      <p:cBhvr>
+                                        <p:cTn id="14" dur="1" fill="hold">
+                                          <p:stCondLst>
+                                            <p:cond delay="0"/>
+                                          </p:stCondLst>
+                                        </p:cTn>
+                                        <p:tgtEl>
+                                          <p:spTgt spid="5">
+                                            <p:txEl>
+                                              <p:pRg st="2" end="2"/>
+                                            </p:txEl>
+                                          </p:spTgt>
                                         </p:tgtEl>
                                         <p:attrNameLst>
                                           <p:attrName>style.visibility</p:attrName>
@@ -18027,1322 +21404,10 @@
         </p:cTn>
       </p:par>
     </p:tnLst>
+    <p:bldLst>
+      <p:bldP spid="5" grpId="0" build="p"/>
+    </p:bldLst>
   </p:timing>
-</p:sld>
-</file>
-
-<file path=ppt/slides/slide6.xml><?xml version="1.0" encoding="utf-8"?>
-<p:sld xmlns:a="http://schemas.openxmlformats.org/drawingml/2006/main" xmlns:r="http://schemas.openxmlformats.org/officeDocument/2006/relationships" xmlns:p="http://schemas.openxmlformats.org/presentationml/2006/main">
-  <p:cSld>
-    <p:spTree>
-      <p:nvGrpSpPr>
-        <p:cNvPr id="1" name=""/>
-        <p:cNvGrpSpPr/>
-        <p:nvPr/>
-      </p:nvGrpSpPr>
-      <p:grpSpPr>
-        <a:xfrm>
-          <a:off x="0" y="0"/>
-          <a:ext cx="0" cy="0"/>
-          <a:chOff x="0" y="0"/>
-          <a:chExt cx="0" cy="0"/>
-        </a:xfrm>
-      </p:grpSpPr>
-      <p:pic>
-        <p:nvPicPr>
-          <p:cNvPr id="3" name="Picture 2"/>
-          <p:cNvPicPr>
-            <a:picLocks noChangeAspect="1"/>
-          </p:cNvPicPr>
-          <p:nvPr/>
-        </p:nvPicPr>
-        <p:blipFill>
-          <a:blip r:embed="rId2"/>
-          <a:stretch>
-            <a:fillRect/>
-          </a:stretch>
-        </p:blipFill>
-        <p:spPr>
-          <a:xfrm>
-            <a:off x="5732974" y="2047150"/>
-            <a:ext cx="4700180" cy="4112658"/>
-          </a:xfrm>
-          <a:prstGeom prst="rect">
-            <a:avLst/>
-          </a:prstGeom>
-        </p:spPr>
-      </p:pic>
-      <p:sp>
-        <p:nvSpPr>
-          <p:cNvPr id="4" name="Title 3"/>
-          <p:cNvSpPr>
-            <a:spLocks noGrp="1"/>
-          </p:cNvSpPr>
-          <p:nvPr>
-            <p:ph type="title"/>
-          </p:nvPr>
-        </p:nvSpPr>
-        <p:spPr/>
-        <p:txBody>
-          <a:bodyPr/>
-          <a:lstStyle/>
-          <a:p>
-            <a:r>
-              <a:rPr lang="en-CA" dirty="0" smtClean="0"/>
-              <a:t>turtle is a library that lets you draw </a:t>
-            </a:r>
-            <a:endParaRPr lang="en-US" dirty="0"/>
-          </a:p>
-        </p:txBody>
-      </p:sp>
-      <p:sp>
-        <p:nvSpPr>
-          <p:cNvPr id="2" name="Content Placeholder 1"/>
-          <p:cNvSpPr>
-            <a:spLocks noGrp="1" noChangeArrowheads="1"/>
-          </p:cNvSpPr>
-          <p:nvPr>
-            <p:ph sz="quarter" idx="10"/>
-          </p:nvPr>
-        </p:nvSpPr>
-        <p:spPr bwMode="auto">
-          <a:xfrm>
-            <a:off x="838200" y="2016138"/>
-            <a:ext cx="4522392" cy="3970318"/>
-          </a:xfrm>
-          <a:prstGeom prst="rect">
-            <a:avLst/>
-          </a:prstGeom>
-          <a:solidFill>
-            <a:srgbClr val="FFFFFF"/>
-          </a:solidFill>
-          <a:ln>
-            <a:noFill/>
-          </a:ln>
-          <a:effectLst/>
-          <a:extLst>
-            <a:ext uri="{91240B29-F687-4F45-9708-019B960494DF}">
-              <a14:hiddenLine xmlns:a14="http://schemas.microsoft.com/office/drawing/2010/main" w="9525">
-                <a:solidFill>
-                  <a:schemeClr val="tx1"/>
-                </a:solidFill>
-                <a:miter lim="800000"/>
-                <a:headEnd/>
-                <a:tailEnd/>
-              </a14:hiddenLine>
-            </a:ext>
-            <a:ext uri="{AF507438-7753-43E0-B8FC-AC1667EBCBE1}">
-              <a14:hiddenEffects xmlns:a14="http://schemas.microsoft.com/office/drawing/2010/main">
-                <a:effectLst>
-                  <a:outerShdw dist="35921" dir="2700000" algn="ctr" rotWithShape="0">
-                    <a:schemeClr val="bg2"/>
-                  </a:outerShdw>
-                </a:effectLst>
-              </a14:hiddenEffects>
-            </a:ext>
-          </a:extLst>
-        </p:spPr>
-        <p:txBody>
-          <a:bodyPr vert="horz" wrap="none" lIns="91440" tIns="45720" rIns="91440" bIns="45720" numCol="1" anchor="ctr" anchorCtr="0" compatLnSpc="1">
-            <a:prstTxWarp prst="textNoShape">
-              <a:avLst/>
-            </a:prstTxWarp>
-            <a:spAutoFit/>
-          </a:bodyPr>
-          <a:lstStyle/>
-          <a:p>
-            <a:pPr marL="0" marR="0" lvl="0" indent="0" algn="l" defTabSz="914400" rtl="0" eaLnBrk="0" fontAlgn="base" latinLnBrk="0" hangingPunct="0">
-              <a:lnSpc>
-                <a:spcPct val="100000"/>
-              </a:lnSpc>
-              <a:spcBef>
-                <a:spcPct val="0"/>
-              </a:spcBef>
-              <a:spcAft>
-                <a:spcPct val="0"/>
-              </a:spcAft>
-              <a:buClrTx/>
-              <a:buSzTx/>
-              <a:buFontTx/>
-              <a:buNone/>
-              <a:tabLst/>
-            </a:pPr>
-            <a:r>
-              <a:rPr kumimoji="0" lang="en-US" altLang="en-US" b="0" i="0" u="none" strike="noStrike" cap="none" normalizeH="0" baseline="0" dirty="0" smtClean="0">
-                <a:ln>
-                  <a:noFill/>
-                </a:ln>
-                <a:solidFill>
-                  <a:srgbClr val="0000FF"/>
-                </a:solidFill>
-                <a:effectLst/>
-                <a:latin typeface="Consolas" panose="020B0609020204030204" pitchFamily="49" charset="0"/>
-                <a:cs typeface="Consolas" panose="020B0609020204030204" pitchFamily="49" charset="0"/>
-              </a:rPr>
-              <a:t>import</a:t>
-            </a:r>
-            <a:r>
-              <a:rPr kumimoji="0" lang="en-US" altLang="en-US" b="0" i="0" u="none" strike="noStrike" cap="none" normalizeH="0" baseline="0" dirty="0" smtClean="0">
-                <a:ln>
-                  <a:noFill/>
-                </a:ln>
-                <a:solidFill>
-                  <a:srgbClr val="000000"/>
-                </a:solidFill>
-                <a:effectLst/>
-                <a:latin typeface="Consolas" panose="020B0609020204030204" pitchFamily="49" charset="0"/>
-                <a:cs typeface="Consolas" panose="020B0609020204030204" pitchFamily="49" charset="0"/>
-              </a:rPr>
-              <a:t> turtle </a:t>
-            </a:r>
-          </a:p>
-          <a:p>
-            <a:pPr marL="0" lvl="0" indent="0" eaLnBrk="0" fontAlgn="base" hangingPunct="0">
-              <a:lnSpc>
-                <a:spcPct val="100000"/>
-              </a:lnSpc>
-              <a:spcBef>
-                <a:spcPct val="0"/>
-              </a:spcBef>
-              <a:spcAft>
-                <a:spcPct val="0"/>
-              </a:spcAft>
-              <a:buNone/>
-            </a:pPr>
-            <a:r>
-              <a:rPr kumimoji="0" lang="en-US" altLang="en-US" b="0" i="0" u="none" strike="noStrike" cap="none" normalizeH="0" baseline="0" dirty="0" err="1" smtClean="0">
-                <a:ln>
-                  <a:noFill/>
-                </a:ln>
-                <a:solidFill>
-                  <a:srgbClr val="000000"/>
-                </a:solidFill>
-                <a:effectLst/>
-                <a:latin typeface="Consolas" panose="020B0609020204030204" pitchFamily="49" charset="0"/>
-                <a:cs typeface="Consolas" panose="020B0609020204030204" pitchFamily="49" charset="0"/>
-              </a:rPr>
-              <a:t>turtle.color</a:t>
-            </a:r>
-            <a:r>
-              <a:rPr kumimoji="0" lang="en-US" altLang="en-US" b="0" i="0" u="none" strike="noStrike" cap="none" normalizeH="0" baseline="0" dirty="0" smtClean="0">
-                <a:ln>
-                  <a:noFill/>
-                </a:ln>
-                <a:solidFill>
-                  <a:srgbClr val="000000"/>
-                </a:solidFill>
-                <a:effectLst/>
-                <a:latin typeface="Consolas" panose="020B0609020204030204" pitchFamily="49" charset="0"/>
-                <a:cs typeface="Consolas" panose="020B0609020204030204" pitchFamily="49" charset="0"/>
-              </a:rPr>
-              <a:t>(</a:t>
-            </a:r>
-            <a:r>
-              <a:rPr lang="en-US" altLang="en-US" dirty="0">
-                <a:solidFill>
-                  <a:srgbClr val="A31515"/>
-                </a:solidFill>
-                <a:latin typeface="Consolas" panose="020B0609020204030204" pitchFamily="49" charset="0"/>
-                <a:cs typeface="Consolas" panose="020B0609020204030204" pitchFamily="49" charset="0"/>
-              </a:rPr>
-              <a:t>'</a:t>
-            </a:r>
-            <a:r>
-              <a:rPr kumimoji="0" lang="en-US" altLang="en-US" b="0" i="0" u="none" strike="noStrike" cap="none" normalizeH="0" baseline="0" dirty="0" smtClean="0">
-                <a:ln>
-                  <a:noFill/>
-                </a:ln>
-                <a:solidFill>
-                  <a:srgbClr val="A31515"/>
-                </a:solidFill>
-                <a:effectLst/>
-                <a:latin typeface="Consolas" panose="020B0609020204030204" pitchFamily="49" charset="0"/>
-                <a:cs typeface="Consolas" panose="020B0609020204030204" pitchFamily="49" charset="0"/>
-              </a:rPr>
-              <a:t>green'</a:t>
-            </a:r>
-            <a:r>
-              <a:rPr kumimoji="0" lang="en-US" altLang="en-US" b="0" i="0" u="none" strike="noStrike" cap="none" normalizeH="0" baseline="0" dirty="0" smtClean="0">
-                <a:ln>
-                  <a:noFill/>
-                </a:ln>
-                <a:solidFill>
-                  <a:srgbClr val="000000"/>
-                </a:solidFill>
-                <a:effectLst/>
-                <a:latin typeface="Consolas" panose="020B0609020204030204" pitchFamily="49" charset="0"/>
-                <a:cs typeface="Consolas" panose="020B0609020204030204" pitchFamily="49" charset="0"/>
-              </a:rPr>
-              <a:t>) </a:t>
-            </a:r>
-          </a:p>
-          <a:p>
-            <a:pPr marL="0" lvl="0" indent="0" eaLnBrk="0" fontAlgn="base" hangingPunct="0">
-              <a:lnSpc>
-                <a:spcPct val="100000"/>
-              </a:lnSpc>
-              <a:spcBef>
-                <a:spcPct val="0"/>
-              </a:spcBef>
-              <a:spcAft>
-                <a:spcPct val="0"/>
-              </a:spcAft>
-              <a:buNone/>
-            </a:pPr>
-            <a:r>
-              <a:rPr kumimoji="0" lang="en-US" altLang="en-US" b="0" i="0" u="none" strike="noStrike" cap="none" normalizeH="0" baseline="0" dirty="0" err="1" smtClean="0">
-                <a:ln>
-                  <a:noFill/>
-                </a:ln>
-                <a:solidFill>
-                  <a:srgbClr val="000000"/>
-                </a:solidFill>
-                <a:effectLst/>
-                <a:latin typeface="Consolas" panose="020B0609020204030204" pitchFamily="49" charset="0"/>
-                <a:cs typeface="Consolas" panose="020B0609020204030204" pitchFamily="49" charset="0"/>
-              </a:rPr>
-              <a:t>turtle.forward</a:t>
-            </a:r>
-            <a:r>
-              <a:rPr kumimoji="0" lang="en-US" altLang="en-US" b="0" i="0" u="none" strike="noStrike" cap="none" normalizeH="0" baseline="0" dirty="0" smtClean="0">
-                <a:ln>
-                  <a:noFill/>
-                </a:ln>
-                <a:solidFill>
-                  <a:srgbClr val="000000"/>
-                </a:solidFill>
-                <a:effectLst/>
-                <a:latin typeface="Consolas" panose="020B0609020204030204" pitchFamily="49" charset="0"/>
-                <a:cs typeface="Consolas" panose="020B0609020204030204" pitchFamily="49" charset="0"/>
-              </a:rPr>
-              <a:t>(100) </a:t>
-            </a:r>
-          </a:p>
-          <a:p>
-            <a:pPr marL="0" lvl="0" indent="0" eaLnBrk="0" fontAlgn="base" hangingPunct="0">
-              <a:lnSpc>
-                <a:spcPct val="100000"/>
-              </a:lnSpc>
-              <a:spcBef>
-                <a:spcPct val="0"/>
-              </a:spcBef>
-              <a:spcAft>
-                <a:spcPct val="0"/>
-              </a:spcAft>
-              <a:buNone/>
-            </a:pPr>
-            <a:r>
-              <a:rPr kumimoji="0" lang="en-US" altLang="en-US" b="0" i="0" u="none" strike="noStrike" cap="none" normalizeH="0" baseline="0" dirty="0" err="1" smtClean="0">
-                <a:ln>
-                  <a:noFill/>
-                </a:ln>
-                <a:solidFill>
-                  <a:srgbClr val="000000"/>
-                </a:solidFill>
-                <a:effectLst/>
-                <a:latin typeface="Consolas" panose="020B0609020204030204" pitchFamily="49" charset="0"/>
-                <a:cs typeface="Consolas" panose="020B0609020204030204" pitchFamily="49" charset="0"/>
-              </a:rPr>
-              <a:t>turtle.right</a:t>
-            </a:r>
-            <a:r>
-              <a:rPr kumimoji="0" lang="en-US" altLang="en-US" b="0" i="0" u="none" strike="noStrike" cap="none" normalizeH="0" baseline="0" dirty="0" smtClean="0">
-                <a:ln>
-                  <a:noFill/>
-                </a:ln>
-                <a:solidFill>
-                  <a:srgbClr val="000000"/>
-                </a:solidFill>
-                <a:effectLst/>
-                <a:latin typeface="Consolas" panose="020B0609020204030204" pitchFamily="49" charset="0"/>
-                <a:cs typeface="Consolas" panose="020B0609020204030204" pitchFamily="49" charset="0"/>
-              </a:rPr>
-              <a:t>(45) </a:t>
-            </a:r>
-          </a:p>
-          <a:p>
-            <a:pPr marL="0" lvl="0" indent="0" eaLnBrk="0" fontAlgn="base" hangingPunct="0">
-              <a:lnSpc>
-                <a:spcPct val="100000"/>
-              </a:lnSpc>
-              <a:spcBef>
-                <a:spcPct val="0"/>
-              </a:spcBef>
-              <a:spcAft>
-                <a:spcPct val="0"/>
-              </a:spcAft>
-              <a:buNone/>
-            </a:pPr>
-            <a:r>
-              <a:rPr kumimoji="0" lang="en-US" altLang="en-US" b="0" i="0" u="none" strike="noStrike" cap="none" normalizeH="0" baseline="0" dirty="0" err="1" smtClean="0">
-                <a:ln>
-                  <a:noFill/>
-                </a:ln>
-                <a:solidFill>
-                  <a:srgbClr val="000000"/>
-                </a:solidFill>
-                <a:effectLst/>
-                <a:latin typeface="Consolas" panose="020B0609020204030204" pitchFamily="49" charset="0"/>
-                <a:cs typeface="Consolas" panose="020B0609020204030204" pitchFamily="49" charset="0"/>
-              </a:rPr>
-              <a:t>turtle.color</a:t>
-            </a:r>
-            <a:r>
-              <a:rPr kumimoji="0" lang="en-US" altLang="en-US" b="0" i="0" u="none" strike="noStrike" cap="none" normalizeH="0" baseline="0" dirty="0" smtClean="0">
-                <a:ln>
-                  <a:noFill/>
-                </a:ln>
-                <a:solidFill>
-                  <a:srgbClr val="000000"/>
-                </a:solidFill>
-                <a:effectLst/>
-                <a:latin typeface="Consolas" panose="020B0609020204030204" pitchFamily="49" charset="0"/>
-                <a:cs typeface="Consolas" panose="020B0609020204030204" pitchFamily="49" charset="0"/>
-              </a:rPr>
-              <a:t>(</a:t>
-            </a:r>
-            <a:r>
-              <a:rPr kumimoji="0" lang="en-US" altLang="en-US" b="0" i="0" u="none" strike="noStrike" cap="none" normalizeH="0" baseline="0" dirty="0" smtClean="0">
-                <a:ln>
-                  <a:noFill/>
-                </a:ln>
-                <a:solidFill>
-                  <a:srgbClr val="A31515"/>
-                </a:solidFill>
-                <a:effectLst/>
-                <a:latin typeface="Consolas" panose="020B0609020204030204" pitchFamily="49" charset="0"/>
-                <a:cs typeface="Consolas" panose="020B0609020204030204" pitchFamily="49" charset="0"/>
-              </a:rPr>
-              <a:t>'blue'</a:t>
-            </a:r>
-            <a:r>
-              <a:rPr kumimoji="0" lang="en-US" altLang="en-US" b="0" i="0" u="none" strike="noStrike" cap="none" normalizeH="0" baseline="0" dirty="0" smtClean="0">
-                <a:ln>
-                  <a:noFill/>
-                </a:ln>
-                <a:solidFill>
-                  <a:srgbClr val="000000"/>
-                </a:solidFill>
-                <a:effectLst/>
-                <a:latin typeface="Consolas" panose="020B0609020204030204" pitchFamily="49" charset="0"/>
-                <a:cs typeface="Consolas" panose="020B0609020204030204" pitchFamily="49" charset="0"/>
-              </a:rPr>
-              <a:t>) </a:t>
-            </a:r>
-          </a:p>
-          <a:p>
-            <a:pPr marL="0" lvl="0" indent="0" eaLnBrk="0" fontAlgn="base" hangingPunct="0">
-              <a:lnSpc>
-                <a:spcPct val="100000"/>
-              </a:lnSpc>
-              <a:spcBef>
-                <a:spcPct val="0"/>
-              </a:spcBef>
-              <a:spcAft>
-                <a:spcPct val="0"/>
-              </a:spcAft>
-              <a:buNone/>
-            </a:pPr>
-            <a:r>
-              <a:rPr kumimoji="0" lang="en-US" altLang="en-US" b="0" i="0" u="none" strike="noStrike" cap="none" normalizeH="0" baseline="0" dirty="0" err="1" smtClean="0">
-                <a:ln>
-                  <a:noFill/>
-                </a:ln>
-                <a:solidFill>
-                  <a:srgbClr val="000000"/>
-                </a:solidFill>
-                <a:effectLst/>
-                <a:latin typeface="Consolas" panose="020B0609020204030204" pitchFamily="49" charset="0"/>
-                <a:cs typeface="Consolas" panose="020B0609020204030204" pitchFamily="49" charset="0"/>
-              </a:rPr>
-              <a:t>turtle.forward</a:t>
-            </a:r>
-            <a:r>
-              <a:rPr kumimoji="0" lang="en-US" altLang="en-US" b="0" i="0" u="none" strike="noStrike" cap="none" normalizeH="0" baseline="0" dirty="0" smtClean="0">
-                <a:ln>
-                  <a:noFill/>
-                </a:ln>
-                <a:solidFill>
-                  <a:srgbClr val="000000"/>
-                </a:solidFill>
-                <a:effectLst/>
-                <a:latin typeface="Consolas" panose="020B0609020204030204" pitchFamily="49" charset="0"/>
-                <a:cs typeface="Consolas" panose="020B0609020204030204" pitchFamily="49" charset="0"/>
-              </a:rPr>
-              <a:t>(50) </a:t>
-            </a:r>
-          </a:p>
-          <a:p>
-            <a:pPr marL="0" lvl="0" indent="0" eaLnBrk="0" fontAlgn="base" hangingPunct="0">
-              <a:lnSpc>
-                <a:spcPct val="100000"/>
-              </a:lnSpc>
-              <a:spcBef>
-                <a:spcPct val="0"/>
-              </a:spcBef>
-              <a:spcAft>
-                <a:spcPct val="0"/>
-              </a:spcAft>
-              <a:buNone/>
-            </a:pPr>
-            <a:r>
-              <a:rPr kumimoji="0" lang="en-US" altLang="en-US" b="0" i="0" u="none" strike="noStrike" cap="none" normalizeH="0" baseline="0" dirty="0" err="1" smtClean="0">
-                <a:ln>
-                  <a:noFill/>
-                </a:ln>
-                <a:solidFill>
-                  <a:srgbClr val="000000"/>
-                </a:solidFill>
-                <a:effectLst/>
-                <a:latin typeface="Consolas" panose="020B0609020204030204" pitchFamily="49" charset="0"/>
-                <a:cs typeface="Consolas" panose="020B0609020204030204" pitchFamily="49" charset="0"/>
-              </a:rPr>
-              <a:t>turtle.right</a:t>
-            </a:r>
-            <a:r>
-              <a:rPr kumimoji="0" lang="en-US" altLang="en-US" b="0" i="0" u="none" strike="noStrike" cap="none" normalizeH="0" baseline="0" dirty="0" smtClean="0">
-                <a:ln>
-                  <a:noFill/>
-                </a:ln>
-                <a:solidFill>
-                  <a:srgbClr val="000000"/>
-                </a:solidFill>
-                <a:effectLst/>
-                <a:latin typeface="Consolas" panose="020B0609020204030204" pitchFamily="49" charset="0"/>
-                <a:cs typeface="Consolas" panose="020B0609020204030204" pitchFamily="49" charset="0"/>
-              </a:rPr>
-              <a:t>(45) </a:t>
-            </a:r>
-          </a:p>
-          <a:p>
-            <a:pPr marL="0" lvl="0" indent="0" eaLnBrk="0" fontAlgn="base" hangingPunct="0">
-              <a:lnSpc>
-                <a:spcPct val="100000"/>
-              </a:lnSpc>
-              <a:spcBef>
-                <a:spcPct val="0"/>
-              </a:spcBef>
-              <a:spcAft>
-                <a:spcPct val="0"/>
-              </a:spcAft>
-              <a:buNone/>
-            </a:pPr>
-            <a:r>
-              <a:rPr kumimoji="0" lang="en-US" altLang="en-US" b="0" i="0" u="none" strike="noStrike" cap="none" normalizeH="0" baseline="0" dirty="0" err="1" smtClean="0">
-                <a:ln>
-                  <a:noFill/>
-                </a:ln>
-                <a:solidFill>
-                  <a:srgbClr val="000000"/>
-                </a:solidFill>
-                <a:effectLst/>
-                <a:latin typeface="Consolas" panose="020B0609020204030204" pitchFamily="49" charset="0"/>
-                <a:cs typeface="Consolas" panose="020B0609020204030204" pitchFamily="49" charset="0"/>
-              </a:rPr>
-              <a:t>turtle.color</a:t>
-            </a:r>
-            <a:r>
-              <a:rPr kumimoji="0" lang="en-US" altLang="en-US" b="0" i="0" u="none" strike="noStrike" cap="none" normalizeH="0" baseline="0" dirty="0" smtClean="0">
-                <a:ln>
-                  <a:noFill/>
-                </a:ln>
-                <a:solidFill>
-                  <a:srgbClr val="000000"/>
-                </a:solidFill>
-                <a:effectLst/>
-                <a:latin typeface="Consolas" panose="020B0609020204030204" pitchFamily="49" charset="0"/>
-                <a:cs typeface="Consolas" panose="020B0609020204030204" pitchFamily="49" charset="0"/>
-              </a:rPr>
-              <a:t>(</a:t>
-            </a:r>
-            <a:r>
-              <a:rPr kumimoji="0" lang="en-US" altLang="en-US" b="0" i="0" u="none" strike="noStrike" cap="none" normalizeH="0" baseline="0" dirty="0" smtClean="0">
-                <a:ln>
-                  <a:noFill/>
-                </a:ln>
-                <a:solidFill>
-                  <a:srgbClr val="A31515"/>
-                </a:solidFill>
-                <a:effectLst/>
-                <a:latin typeface="Consolas" panose="020B0609020204030204" pitchFamily="49" charset="0"/>
-                <a:cs typeface="Consolas" panose="020B0609020204030204" pitchFamily="49" charset="0"/>
-              </a:rPr>
-              <a:t>'pink'</a:t>
-            </a:r>
-            <a:r>
-              <a:rPr kumimoji="0" lang="en-US" altLang="en-US" b="0" i="0" u="none" strike="noStrike" cap="none" normalizeH="0" baseline="0" dirty="0" smtClean="0">
-                <a:ln>
-                  <a:noFill/>
-                </a:ln>
-                <a:solidFill>
-                  <a:srgbClr val="000000"/>
-                </a:solidFill>
-                <a:effectLst/>
-                <a:latin typeface="Consolas" panose="020B0609020204030204" pitchFamily="49" charset="0"/>
-                <a:cs typeface="Consolas" panose="020B0609020204030204" pitchFamily="49" charset="0"/>
-              </a:rPr>
-              <a:t>) </a:t>
-            </a:r>
-          </a:p>
-          <a:p>
-            <a:pPr marL="0" lvl="0" indent="0" eaLnBrk="0" fontAlgn="base" hangingPunct="0">
-              <a:lnSpc>
-                <a:spcPct val="100000"/>
-              </a:lnSpc>
-              <a:spcBef>
-                <a:spcPct val="0"/>
-              </a:spcBef>
-              <a:spcAft>
-                <a:spcPct val="0"/>
-              </a:spcAft>
-              <a:buNone/>
-            </a:pPr>
-            <a:r>
-              <a:rPr kumimoji="0" lang="en-US" altLang="en-US" b="0" i="0" u="none" strike="noStrike" cap="none" normalizeH="0" baseline="0" dirty="0" err="1" smtClean="0">
-                <a:ln>
-                  <a:noFill/>
-                </a:ln>
-                <a:solidFill>
-                  <a:srgbClr val="000000"/>
-                </a:solidFill>
-                <a:effectLst/>
-                <a:latin typeface="Consolas" panose="020B0609020204030204" pitchFamily="49" charset="0"/>
-                <a:cs typeface="Consolas" panose="020B0609020204030204" pitchFamily="49" charset="0"/>
-              </a:rPr>
-              <a:t>turtle.forward</a:t>
-            </a:r>
-            <a:r>
-              <a:rPr kumimoji="0" lang="en-US" altLang="en-US" b="0" i="0" u="none" strike="noStrike" cap="none" normalizeH="0" baseline="0" dirty="0" smtClean="0">
-                <a:ln>
-                  <a:noFill/>
-                </a:ln>
-                <a:solidFill>
-                  <a:srgbClr val="000000"/>
-                </a:solidFill>
-                <a:effectLst/>
-                <a:latin typeface="Consolas" panose="020B0609020204030204" pitchFamily="49" charset="0"/>
-                <a:cs typeface="Consolas" panose="020B0609020204030204" pitchFamily="49" charset="0"/>
-              </a:rPr>
-              <a:t>(100)</a:t>
-            </a:r>
-            <a:endParaRPr kumimoji="0" lang="en-US" altLang="en-US" b="0" i="0" u="none" strike="noStrike" cap="none" normalizeH="0" baseline="0" dirty="0" smtClean="0">
-              <a:ln>
-                <a:noFill/>
-              </a:ln>
-              <a:solidFill>
-                <a:schemeClr val="tx1"/>
-              </a:solidFill>
-              <a:effectLst/>
-              <a:latin typeface="Arial" panose="020B0604020202020204" pitchFamily="34" charset="0"/>
-            </a:endParaRPr>
-          </a:p>
-        </p:txBody>
-      </p:sp>
-    </p:spTree>
-    <p:extLst>
-      <p:ext uri="{BB962C8B-B14F-4D97-AF65-F5344CB8AC3E}">
-        <p14:creationId xmlns:p14="http://schemas.microsoft.com/office/powerpoint/2010/main" val="3189922586"/>
-      </p:ext>
-    </p:extLst>
-  </p:cSld>
-  <p:clrMapOvr>
-    <a:masterClrMapping/>
-  </p:clrMapOvr>
-  <p:timing>
-    <p:tnLst>
-      <p:par>
-        <p:cTn id="1" dur="indefinite" restart="never" nodeType="tmRoot">
-          <p:childTnLst>
-            <p:seq concurrent="1" nextAc="seek">
-              <p:cTn id="2" dur="indefinite" nodeType="mainSeq">
-                <p:childTnLst>
-                  <p:par>
-                    <p:cTn id="3" fill="hold">
-                      <p:stCondLst>
-                        <p:cond delay="indefinite"/>
-                      </p:stCondLst>
-                      <p:childTnLst>
-                        <p:par>
-                          <p:cTn id="4" fill="hold">
-                            <p:stCondLst>
-                              <p:cond delay="0"/>
-                            </p:stCondLst>
-                            <p:childTnLst>
-                              <p:par>
-                                <p:cTn id="5" presetID="1" presetClass="entr" presetSubtype="0" fill="hold" nodeType="clickEffect">
-                                  <p:stCondLst>
-                                    <p:cond delay="0"/>
-                                  </p:stCondLst>
-                                  <p:childTnLst>
-                                    <p:set>
-                                      <p:cBhvr>
-                                        <p:cTn id="6" dur="1" fill="hold">
-                                          <p:stCondLst>
-                                            <p:cond delay="0"/>
-                                          </p:stCondLst>
-                                        </p:cTn>
-                                        <p:tgtEl>
-                                          <p:spTgt spid="3"/>
-                                        </p:tgtEl>
-                                        <p:attrNameLst>
-                                          <p:attrName>style.visibility</p:attrName>
-                                        </p:attrNameLst>
-                                      </p:cBhvr>
-                                      <p:to>
-                                        <p:strVal val="visible"/>
-                                      </p:to>
-                                    </p:set>
-                                  </p:childTnLst>
-                                </p:cTn>
-                              </p:par>
-                            </p:childTnLst>
-                          </p:cTn>
-                        </p:par>
-                      </p:childTnLst>
-                    </p:cTn>
-                  </p:par>
-                </p:childTnLst>
-              </p:cTn>
-              <p:prevCondLst>
-                <p:cond evt="onPrev" delay="0">
-                  <p:tgtEl>
-                    <p:sldTgt/>
-                  </p:tgtEl>
-                </p:cond>
-              </p:prevCondLst>
-              <p:nextCondLst>
-                <p:cond evt="onNext" delay="0">
-                  <p:tgtEl>
-                    <p:sldTgt/>
-                  </p:tgtEl>
-                </p:cond>
-              </p:nextCondLst>
-            </p:seq>
-          </p:childTnLst>
-        </p:cTn>
-      </p:par>
-    </p:tnLst>
-  </p:timing>
-</p:sld>
-</file>
-
-<file path=ppt/slides/slide7.xml><?xml version="1.0" encoding="utf-8"?>
-<p:sld xmlns:a="http://schemas.openxmlformats.org/drawingml/2006/main" xmlns:r="http://schemas.openxmlformats.org/officeDocument/2006/relationships" xmlns:p="http://schemas.openxmlformats.org/presentationml/2006/main">
-  <p:cSld>
-    <p:spTree>
-      <p:nvGrpSpPr>
-        <p:cNvPr id="1" name=""/>
-        <p:cNvGrpSpPr/>
-        <p:nvPr/>
-      </p:nvGrpSpPr>
-      <p:grpSpPr>
-        <a:xfrm>
-          <a:off x="0" y="0"/>
-          <a:ext cx="0" cy="0"/>
-          <a:chOff x="0" y="0"/>
-          <a:chExt cx="0" cy="0"/>
-        </a:xfrm>
-      </p:grpSpPr>
-      <p:sp>
-        <p:nvSpPr>
-          <p:cNvPr id="4" name="Title 3"/>
-          <p:cNvSpPr>
-            <a:spLocks noGrp="1"/>
-          </p:cNvSpPr>
-          <p:nvPr>
-            <p:ph type="title"/>
-          </p:nvPr>
-        </p:nvSpPr>
-        <p:spPr/>
-        <p:txBody>
-          <a:bodyPr/>
-          <a:lstStyle/>
-          <a:p>
-            <a:r>
-              <a:rPr lang="en-CA" dirty="0" smtClean="0"/>
-              <a:t>Drawing with turtle</a:t>
-            </a:r>
-            <a:endParaRPr lang="en-US" dirty="0"/>
-          </a:p>
-        </p:txBody>
-      </p:sp>
-    </p:spTree>
-    <p:extLst>
-      <p:ext uri="{BB962C8B-B14F-4D97-AF65-F5344CB8AC3E}">
-        <p14:creationId xmlns:p14="http://schemas.microsoft.com/office/powerpoint/2010/main" val="745997542"/>
-      </p:ext>
-    </p:extLst>
-  </p:cSld>
-  <p:clrMapOvr>
-    <a:masterClrMapping/>
-  </p:clrMapOvr>
-</p:sld>
-</file>
-
-<file path=ppt/slides/slide8.xml><?xml version="1.0" encoding="utf-8"?>
-<p:sld xmlns:a="http://schemas.openxmlformats.org/drawingml/2006/main" xmlns:r="http://schemas.openxmlformats.org/officeDocument/2006/relationships" xmlns:p="http://schemas.openxmlformats.org/presentationml/2006/main">
-  <p:cSld>
-    <p:spTree>
-      <p:nvGrpSpPr>
-        <p:cNvPr id="1" name=""/>
-        <p:cNvGrpSpPr/>
-        <p:nvPr/>
-      </p:nvGrpSpPr>
-      <p:grpSpPr>
-        <a:xfrm>
-          <a:off x="0" y="0"/>
-          <a:ext cx="0" cy="0"/>
-          <a:chOff x="0" y="0"/>
-          <a:chExt cx="0" cy="0"/>
-        </a:xfrm>
-      </p:grpSpPr>
-      <p:sp>
-        <p:nvSpPr>
-          <p:cNvPr id="4" name="Title 3"/>
-          <p:cNvSpPr>
-            <a:spLocks noGrp="1"/>
-          </p:cNvSpPr>
-          <p:nvPr>
-            <p:ph type="title"/>
-          </p:nvPr>
-        </p:nvSpPr>
-        <p:spPr/>
-        <p:txBody>
-          <a:bodyPr>
-            <a:normAutofit fontScale="90000"/>
-          </a:bodyPr>
-          <a:lstStyle/>
-          <a:p>
-            <a:r>
-              <a:rPr lang="en-CA" dirty="0" smtClean="0"/>
-              <a:t>You can probably guess what some of the turtle commands do</a:t>
-            </a:r>
-            <a:endParaRPr lang="en-US" dirty="0"/>
-          </a:p>
-        </p:txBody>
-      </p:sp>
-      <p:graphicFrame>
-        <p:nvGraphicFramePr>
-          <p:cNvPr id="3" name="Table 2"/>
-          <p:cNvGraphicFramePr>
-            <a:graphicFrameLocks noGrp="1"/>
-          </p:cNvGraphicFramePr>
-          <p:nvPr>
-            <p:extLst>
-              <p:ext uri="{D42A27DB-BD31-4B8C-83A1-F6EECF244321}">
-                <p14:modId xmlns:p14="http://schemas.microsoft.com/office/powerpoint/2010/main" val="1005087902"/>
-              </p:ext>
-            </p:extLst>
-          </p:nvPr>
-        </p:nvGraphicFramePr>
-        <p:xfrm>
-          <a:off x="2128252" y="2419601"/>
-          <a:ext cx="7169752" cy="2743200"/>
-        </p:xfrm>
-        <a:graphic>
-          <a:graphicData uri="http://schemas.openxmlformats.org/drawingml/2006/table">
-            <a:tbl>
-              <a:tblPr firstRow="1" bandRow="1">
-                <a:tableStyleId>{5C22544A-7EE6-4342-B048-85BDC9FD1C3A}</a:tableStyleId>
-              </a:tblPr>
-              <a:tblGrid>
-                <a:gridCol w="2444320"/>
-                <a:gridCol w="4725432"/>
-              </a:tblGrid>
-              <a:tr h="370840">
-                <a:tc>
-                  <a:txBody>
-                    <a:bodyPr/>
-                    <a:lstStyle/>
-                    <a:p>
-                      <a:r>
-                        <a:rPr lang="en-CA" sz="2400" dirty="0" smtClean="0"/>
-                        <a:t>Command</a:t>
-                      </a:r>
-                      <a:endParaRPr lang="en-US" sz="2400" dirty="0"/>
-                    </a:p>
-                  </a:txBody>
-                  <a:tcPr/>
-                </a:tc>
-                <a:tc>
-                  <a:txBody>
-                    <a:bodyPr/>
-                    <a:lstStyle/>
-                    <a:p>
-                      <a:r>
-                        <a:rPr lang="en-CA" sz="2400" dirty="0" smtClean="0"/>
-                        <a:t>Action</a:t>
-                      </a:r>
-                      <a:endParaRPr lang="en-US" sz="2400" dirty="0"/>
-                    </a:p>
-                  </a:txBody>
-                  <a:tcPr/>
-                </a:tc>
-              </a:tr>
-              <a:tr h="370840">
-                <a:tc>
-                  <a:txBody>
-                    <a:bodyPr/>
-                    <a:lstStyle/>
-                    <a:p>
-                      <a:pPr marL="0" marR="0" lvl="0" indent="0" algn="l" defTabSz="914088" rtl="0" eaLnBrk="1" fontAlgn="auto" latinLnBrk="0" hangingPunct="1">
-                        <a:lnSpc>
-                          <a:spcPct val="100000"/>
-                        </a:lnSpc>
-                        <a:spcBef>
-                          <a:spcPts val="0"/>
-                        </a:spcBef>
-                        <a:spcAft>
-                          <a:spcPts val="0"/>
-                        </a:spcAft>
-                        <a:buClrTx/>
-                        <a:buSzTx/>
-                        <a:buFontTx/>
-                        <a:buNone/>
-                        <a:tabLst/>
-                        <a:defRPr/>
-                      </a:pPr>
-                      <a:r>
-                        <a:rPr lang="en-CA" altLang="en-US" sz="2400" dirty="0" smtClean="0">
-                          <a:latin typeface="Consolas" panose="020B0609020204030204" pitchFamily="49" charset="0"/>
-                          <a:cs typeface="Consolas" panose="020B0609020204030204" pitchFamily="49" charset="0"/>
-                        </a:rPr>
-                        <a:t>right(x)</a:t>
-                      </a:r>
-                    </a:p>
-                  </a:txBody>
-                  <a:tcPr/>
-                </a:tc>
-                <a:tc>
-                  <a:txBody>
-                    <a:bodyPr/>
-                    <a:lstStyle/>
-                    <a:p>
-                      <a:pPr marL="0" marR="0" indent="0" algn="l" defTabSz="914088" rtl="0" eaLnBrk="1" fontAlgn="auto" latinLnBrk="0" hangingPunct="1">
-                        <a:lnSpc>
-                          <a:spcPct val="100000"/>
-                        </a:lnSpc>
-                        <a:spcBef>
-                          <a:spcPts val="0"/>
-                        </a:spcBef>
-                        <a:spcAft>
-                          <a:spcPts val="0"/>
-                        </a:spcAft>
-                        <a:buClrTx/>
-                        <a:buSzTx/>
-                        <a:buFontTx/>
-                        <a:buNone/>
-                        <a:tabLst/>
-                        <a:defRPr/>
-                      </a:pPr>
-                      <a:r>
-                        <a:rPr lang="en-CA" altLang="en-US" sz="2400" dirty="0" smtClean="0">
-                          <a:latin typeface="Consolas" panose="020B0609020204030204" pitchFamily="49" charset="0"/>
-                          <a:cs typeface="Consolas" panose="020B0609020204030204" pitchFamily="49" charset="0"/>
-                        </a:rPr>
-                        <a:t>Rotate right x degrees</a:t>
-                      </a:r>
-                    </a:p>
-                  </a:txBody>
-                  <a:tcPr/>
-                </a:tc>
-              </a:tr>
-              <a:tr h="370840">
-                <a:tc>
-                  <a:txBody>
-                    <a:bodyPr/>
-                    <a:lstStyle/>
-                    <a:p>
-                      <a:pPr marL="0" marR="0" lvl="0" indent="0" algn="l" defTabSz="914088" rtl="0" eaLnBrk="1" fontAlgn="auto" latinLnBrk="0" hangingPunct="1">
-                        <a:lnSpc>
-                          <a:spcPct val="100000"/>
-                        </a:lnSpc>
-                        <a:spcBef>
-                          <a:spcPts val="0"/>
-                        </a:spcBef>
-                        <a:spcAft>
-                          <a:spcPts val="0"/>
-                        </a:spcAft>
-                        <a:buClrTx/>
-                        <a:buSzTx/>
-                        <a:buFontTx/>
-                        <a:buNone/>
-                        <a:tabLst/>
-                        <a:defRPr/>
-                      </a:pPr>
-                      <a:r>
-                        <a:rPr lang="en-CA" altLang="en-US" sz="2400" dirty="0" smtClean="0">
-                          <a:latin typeface="Consolas" panose="020B0609020204030204" pitchFamily="49" charset="0"/>
-                          <a:cs typeface="Consolas" panose="020B0609020204030204" pitchFamily="49" charset="0"/>
-                        </a:rPr>
-                        <a:t>l</a:t>
-                      </a:r>
-                      <a:r>
-                        <a:rPr lang="en-CA" altLang="en-US" sz="2400" baseline="0" dirty="0" smtClean="0">
-                          <a:latin typeface="Consolas" panose="020B0609020204030204" pitchFamily="49" charset="0"/>
-                          <a:cs typeface="Consolas" panose="020B0609020204030204" pitchFamily="49" charset="0"/>
-                        </a:rPr>
-                        <a:t>eft(x)</a:t>
-                      </a:r>
-                    </a:p>
-                  </a:txBody>
-                  <a:tcPr/>
-                </a:tc>
-                <a:tc>
-                  <a:txBody>
-                    <a:bodyPr/>
-                    <a:lstStyle/>
-                    <a:p>
-                      <a:pPr marL="0" marR="0" indent="0" algn="l" defTabSz="914088" rtl="0" eaLnBrk="1" fontAlgn="auto" latinLnBrk="0" hangingPunct="1">
-                        <a:lnSpc>
-                          <a:spcPct val="100000"/>
-                        </a:lnSpc>
-                        <a:spcBef>
-                          <a:spcPts val="0"/>
-                        </a:spcBef>
-                        <a:spcAft>
-                          <a:spcPts val="0"/>
-                        </a:spcAft>
-                        <a:buClrTx/>
-                        <a:buSzTx/>
-                        <a:buFontTx/>
-                        <a:buNone/>
-                        <a:tabLst/>
-                        <a:defRPr/>
-                      </a:pPr>
-                      <a:r>
-                        <a:rPr lang="en-CA" altLang="en-US" sz="2400" dirty="0" smtClean="0">
-                          <a:latin typeface="Consolas" panose="020B0609020204030204" pitchFamily="49" charset="0"/>
-                          <a:cs typeface="Consolas" panose="020B0609020204030204" pitchFamily="49" charset="0"/>
-                        </a:rPr>
-                        <a:t>Rotate left x degrees</a:t>
-                      </a:r>
-                    </a:p>
-                  </a:txBody>
-                  <a:tcPr/>
-                </a:tc>
-              </a:tr>
-              <a:tr h="370840">
-                <a:tc>
-                  <a:txBody>
-                    <a:bodyPr/>
-                    <a:lstStyle/>
-                    <a:p>
-                      <a:pPr marL="0" marR="0" lvl="0" indent="0" algn="l" defTabSz="914088" rtl="0" eaLnBrk="1" fontAlgn="auto" latinLnBrk="0" hangingPunct="1">
-                        <a:lnSpc>
-                          <a:spcPct val="100000"/>
-                        </a:lnSpc>
-                        <a:spcBef>
-                          <a:spcPts val="0"/>
-                        </a:spcBef>
-                        <a:spcAft>
-                          <a:spcPts val="0"/>
-                        </a:spcAft>
-                        <a:buClrTx/>
-                        <a:buSzTx/>
-                        <a:buFontTx/>
-                        <a:buNone/>
-                        <a:tabLst/>
-                        <a:defRPr/>
-                      </a:pPr>
-                      <a:r>
-                        <a:rPr lang="en-CA" altLang="en-US" sz="2400" dirty="0" smtClean="0">
-                          <a:latin typeface="Consolas" panose="020B0609020204030204" pitchFamily="49" charset="0"/>
-                          <a:cs typeface="Consolas" panose="020B0609020204030204" pitchFamily="49" charset="0"/>
-                        </a:rPr>
-                        <a:t>color(</a:t>
-                      </a:r>
-                      <a:r>
-                        <a:rPr lang="en-US" altLang="en-US" sz="2400" dirty="0" smtClean="0">
-                          <a:solidFill>
-                            <a:srgbClr val="A31515"/>
-                          </a:solidFill>
-                          <a:latin typeface="Consolas" panose="020B0609020204030204" pitchFamily="49" charset="0"/>
-                          <a:cs typeface="Consolas" panose="020B0609020204030204" pitchFamily="49" charset="0"/>
-                        </a:rPr>
-                        <a:t>'x'</a:t>
-                      </a:r>
-                      <a:r>
-                        <a:rPr lang="en-CA" altLang="en-US" sz="2400" dirty="0" smtClean="0">
-                          <a:latin typeface="Consolas" panose="020B0609020204030204" pitchFamily="49" charset="0"/>
-                          <a:cs typeface="Consolas" panose="020B0609020204030204" pitchFamily="49" charset="0"/>
-                        </a:rPr>
-                        <a:t>)</a:t>
-                      </a:r>
-                    </a:p>
-                  </a:txBody>
-                  <a:tcPr/>
-                </a:tc>
-                <a:tc>
-                  <a:txBody>
-                    <a:bodyPr/>
-                    <a:lstStyle/>
-                    <a:p>
-                      <a:pPr marL="0" marR="0" indent="0" algn="l" defTabSz="914088" rtl="0" eaLnBrk="1" fontAlgn="auto" latinLnBrk="0" hangingPunct="1">
-                        <a:lnSpc>
-                          <a:spcPct val="100000"/>
-                        </a:lnSpc>
-                        <a:spcBef>
-                          <a:spcPts val="0"/>
-                        </a:spcBef>
-                        <a:spcAft>
-                          <a:spcPts val="0"/>
-                        </a:spcAft>
-                        <a:buClrTx/>
-                        <a:buSzTx/>
-                        <a:buFontTx/>
-                        <a:buNone/>
-                        <a:tabLst/>
-                        <a:defRPr/>
-                      </a:pPr>
-                      <a:r>
-                        <a:rPr lang="en-CA" altLang="en-US" sz="2400" dirty="0" smtClean="0">
-                          <a:latin typeface="Consolas" panose="020B0609020204030204" pitchFamily="49" charset="0"/>
-                          <a:cs typeface="Consolas" panose="020B0609020204030204" pitchFamily="49" charset="0"/>
-                        </a:rPr>
-                        <a:t>Change pen color to x</a:t>
-                      </a:r>
-                    </a:p>
-                  </a:txBody>
-                  <a:tcPr/>
-                </a:tc>
-              </a:tr>
-              <a:tr h="370840">
-                <a:tc>
-                  <a:txBody>
-                    <a:bodyPr/>
-                    <a:lstStyle/>
-                    <a:p>
-                      <a:pPr marL="0" marR="0" lvl="0" indent="0" algn="l" defTabSz="914088" rtl="0" eaLnBrk="1" fontAlgn="auto" latinLnBrk="0" hangingPunct="1">
-                        <a:lnSpc>
-                          <a:spcPct val="100000"/>
-                        </a:lnSpc>
-                        <a:spcBef>
-                          <a:spcPts val="0"/>
-                        </a:spcBef>
-                        <a:spcAft>
-                          <a:spcPts val="0"/>
-                        </a:spcAft>
-                        <a:buClrTx/>
-                        <a:buSzTx/>
-                        <a:buFontTx/>
-                        <a:buNone/>
-                        <a:tabLst/>
-                        <a:defRPr/>
-                      </a:pPr>
-                      <a:r>
-                        <a:rPr lang="en-CA" altLang="en-US" sz="2400" dirty="0" smtClean="0">
-                          <a:latin typeface="Consolas" panose="020B0609020204030204" pitchFamily="49" charset="0"/>
-                          <a:cs typeface="Consolas" panose="020B0609020204030204" pitchFamily="49" charset="0"/>
-                        </a:rPr>
-                        <a:t>f</a:t>
-                      </a:r>
-                      <a:r>
-                        <a:rPr lang="en-CA" altLang="en-US" sz="2400" baseline="0" dirty="0" smtClean="0">
-                          <a:latin typeface="Consolas" panose="020B0609020204030204" pitchFamily="49" charset="0"/>
-                          <a:cs typeface="Consolas" panose="020B0609020204030204" pitchFamily="49" charset="0"/>
-                        </a:rPr>
-                        <a:t>orward(x)</a:t>
-                      </a:r>
-                    </a:p>
-                  </a:txBody>
-                  <a:tcPr/>
-                </a:tc>
-                <a:tc>
-                  <a:txBody>
-                    <a:bodyPr/>
-                    <a:lstStyle/>
-                    <a:p>
-                      <a:pPr marL="0" marR="0" indent="0" algn="l" defTabSz="914088" rtl="0" eaLnBrk="1" fontAlgn="auto" latinLnBrk="0" hangingPunct="1">
-                        <a:lnSpc>
-                          <a:spcPct val="100000"/>
-                        </a:lnSpc>
-                        <a:spcBef>
-                          <a:spcPts val="0"/>
-                        </a:spcBef>
-                        <a:spcAft>
-                          <a:spcPts val="0"/>
-                        </a:spcAft>
-                        <a:buClrTx/>
-                        <a:buSzTx/>
-                        <a:buFontTx/>
-                        <a:buNone/>
-                        <a:tabLst/>
-                        <a:defRPr/>
-                      </a:pPr>
-                      <a:r>
-                        <a:rPr lang="en-CA" altLang="en-US" sz="2400" dirty="0" smtClean="0">
-                          <a:latin typeface="Consolas" panose="020B0609020204030204" pitchFamily="49" charset="0"/>
-                          <a:cs typeface="Consolas" panose="020B0609020204030204" pitchFamily="49" charset="0"/>
-                        </a:rPr>
-                        <a:t>Move forward x </a:t>
-                      </a:r>
-                    </a:p>
-                  </a:txBody>
-                  <a:tcPr/>
-                </a:tc>
-              </a:tr>
-              <a:tr h="370840">
-                <a:tc>
-                  <a:txBody>
-                    <a:bodyPr/>
-                    <a:lstStyle/>
-                    <a:p>
-                      <a:pPr marL="0" marR="0" lvl="0" indent="0" algn="l" defTabSz="914088" rtl="0" eaLnBrk="1" fontAlgn="auto" latinLnBrk="0" hangingPunct="1">
-                        <a:lnSpc>
-                          <a:spcPct val="100000"/>
-                        </a:lnSpc>
-                        <a:spcBef>
-                          <a:spcPts val="0"/>
-                        </a:spcBef>
-                        <a:spcAft>
-                          <a:spcPts val="0"/>
-                        </a:spcAft>
-                        <a:buClrTx/>
-                        <a:buSzTx/>
-                        <a:buFontTx/>
-                        <a:buNone/>
-                        <a:tabLst/>
-                        <a:defRPr/>
-                      </a:pPr>
-                      <a:r>
-                        <a:rPr lang="en-CA" altLang="en-US" sz="2400" dirty="0" smtClean="0">
-                          <a:latin typeface="Consolas" panose="020B0609020204030204" pitchFamily="49" charset="0"/>
-                          <a:cs typeface="Consolas" panose="020B0609020204030204" pitchFamily="49" charset="0"/>
-                        </a:rPr>
-                        <a:t>backward(x)</a:t>
-                      </a:r>
-                    </a:p>
-                  </a:txBody>
-                  <a:tcPr/>
-                </a:tc>
-                <a:tc>
-                  <a:txBody>
-                    <a:bodyPr/>
-                    <a:lstStyle/>
-                    <a:p>
-                      <a:pPr marL="0" marR="0" indent="0" algn="l" defTabSz="914088" rtl="0" eaLnBrk="1" fontAlgn="auto" latinLnBrk="0" hangingPunct="1">
-                        <a:lnSpc>
-                          <a:spcPct val="100000"/>
-                        </a:lnSpc>
-                        <a:spcBef>
-                          <a:spcPts val="0"/>
-                        </a:spcBef>
-                        <a:spcAft>
-                          <a:spcPts val="0"/>
-                        </a:spcAft>
-                        <a:buClrTx/>
-                        <a:buSzTx/>
-                        <a:buFontTx/>
-                        <a:buNone/>
-                        <a:tabLst/>
-                        <a:defRPr/>
-                      </a:pPr>
-                      <a:r>
-                        <a:rPr lang="en-CA" altLang="en-US" sz="2400" dirty="0" smtClean="0">
-                          <a:latin typeface="Consolas" panose="020B0609020204030204" pitchFamily="49" charset="0"/>
-                          <a:cs typeface="Consolas" panose="020B0609020204030204" pitchFamily="49" charset="0"/>
-                        </a:rPr>
-                        <a:t>Move backward x</a:t>
-                      </a:r>
-                    </a:p>
-                  </a:txBody>
-                  <a:tcPr/>
-                </a:tc>
-              </a:tr>
-            </a:tbl>
-          </a:graphicData>
-        </a:graphic>
-      </p:graphicFrame>
-    </p:spTree>
-    <p:extLst>
-      <p:ext uri="{BB962C8B-B14F-4D97-AF65-F5344CB8AC3E}">
-        <p14:creationId xmlns:p14="http://schemas.microsoft.com/office/powerpoint/2010/main" val="105461430"/>
-      </p:ext>
-    </p:extLst>
-  </p:cSld>
-  <p:clrMapOvr>
-    <a:masterClrMapping/>
-  </p:clrMapOvr>
-  <p:timing>
-    <p:tnLst>
-      <p:par>
-        <p:cTn id="1" dur="indefinite" restart="never" nodeType="tmRoot"/>
-      </p:par>
-    </p:tnLst>
-  </p:timing>
-</p:sld>
-</file>
-
-<file path=ppt/slides/slide9.xml><?xml version="1.0" encoding="utf-8"?>
-<p:sld xmlns:a="http://schemas.openxmlformats.org/drawingml/2006/main" xmlns:r="http://schemas.openxmlformats.org/officeDocument/2006/relationships" xmlns:p="http://schemas.openxmlformats.org/presentationml/2006/main">
-  <p:cSld>
-    <p:spTree>
-      <p:nvGrpSpPr>
-        <p:cNvPr id="1" name=""/>
-        <p:cNvGrpSpPr/>
-        <p:nvPr/>
-      </p:nvGrpSpPr>
-      <p:grpSpPr>
-        <a:xfrm>
-          <a:off x="0" y="0"/>
-          <a:ext cx="0" cy="0"/>
-          <a:chOff x="0" y="0"/>
-          <a:chExt cx="0" cy="0"/>
-        </a:xfrm>
-      </p:grpSpPr>
-      <p:sp>
-        <p:nvSpPr>
-          <p:cNvPr id="5" name="Text Placeholder 4"/>
-          <p:cNvSpPr>
-            <a:spLocks noGrp="1"/>
-          </p:cNvSpPr>
-          <p:nvPr>
-            <p:ph type="body" sz="quarter" idx="10"/>
-          </p:nvPr>
-        </p:nvSpPr>
-        <p:spPr/>
-        <p:txBody>
-          <a:bodyPr/>
-          <a:lstStyle/>
-          <a:p>
-            <a:r>
-              <a:rPr lang="en-US" dirty="0" smtClean="0"/>
-              <a:t>For loops</a:t>
-            </a:r>
-            <a:endParaRPr lang="en-US" dirty="0"/>
-          </a:p>
-        </p:txBody>
-      </p:sp>
-      <p:sp>
-        <p:nvSpPr>
-          <p:cNvPr id="4" name="Subtitle 3"/>
-          <p:cNvSpPr>
-            <a:spLocks noGrp="1"/>
-          </p:cNvSpPr>
-          <p:nvPr>
-            <p:ph type="subTitle" idx="1"/>
-          </p:nvPr>
-        </p:nvSpPr>
-        <p:spPr/>
-        <p:txBody>
-          <a:bodyPr/>
-          <a:lstStyle/>
-          <a:p>
-            <a:endParaRPr lang="en-US"/>
-          </a:p>
-        </p:txBody>
-      </p:sp>
-    </p:spTree>
-    <p:extLst>
-      <p:ext uri="{BB962C8B-B14F-4D97-AF65-F5344CB8AC3E}">
-        <p14:creationId xmlns:p14="http://schemas.microsoft.com/office/powerpoint/2010/main" val="3062358740"/>
-      </p:ext>
-    </p:extLst>
-  </p:cSld>
-  <p:clrMapOvr>
-    <a:masterClrMapping/>
-  </p:clrMapOvr>
 </p:sld>
 </file>
 
